--- a/docs/BigOrSmallゲーム設計.pptx
+++ b/docs/BigOrSmallゲーム設計.pptx
@@ -5,15 +5,17 @@
     <p:sldMasterId id="2147483648" r:id="rId1"/>
   </p:sldMasterIdLst>
   <p:notesMasterIdLst>
-    <p:notesMasterId r:id="rId8"/>
+    <p:notesMasterId r:id="rId10"/>
   </p:notesMasterIdLst>
   <p:sldIdLst>
     <p:sldId id="256" r:id="rId2"/>
     <p:sldId id="258" r:id="rId3"/>
     <p:sldId id="260" r:id="rId4"/>
-    <p:sldId id="259" r:id="rId5"/>
-    <p:sldId id="257" r:id="rId6"/>
-    <p:sldId id="261" r:id="rId7"/>
+    <p:sldId id="262" r:id="rId5"/>
+    <p:sldId id="259" r:id="rId6"/>
+    <p:sldId id="263" r:id="rId7"/>
+    <p:sldId id="257" r:id="rId8"/>
+    <p:sldId id="265" r:id="rId9"/>
   </p:sldIdLst>
   <p:sldSz cx="9144000" cy="6858000" type="screen4x3"/>
   <p:notesSz cx="6858000" cy="9144000"/>
@@ -112,6 +114,22 @@
       </a:defRPr>
     </a:lvl9pPr>
   </p:defaultTextStyle>
+  <p:extLst>
+    <p:ext uri="{EFAFB233-063F-42B5-8137-9DF3F51BA10A}">
+      <p15:sldGuideLst xmlns:p15="http://schemas.microsoft.com/office/powerpoint/2012/main" xmlns="">
+        <p15:guide id="1" orient="horz" pos="2160">
+          <p15:clr>
+            <a:srgbClr val="A4A3A4"/>
+          </p15:clr>
+        </p15:guide>
+        <p15:guide id="2" pos="2880">
+          <p15:clr>
+            <a:srgbClr val="A4A3A4"/>
+          </p15:clr>
+        </p15:guide>
+      </p15:sldGuideLst>
+    </p:ext>
+  </p:extLst>
 </p:presentation>
 </file>
 
@@ -197,7 +215,7 @@
           <a:p>
             <a:fld id="{0A2989B4-5BEA-8D47-A7CD-500B5FA858F9}" type="datetimeFigureOut">
               <a:rPr kumimoji="1" lang="ja-JP" altLang="en-US" smtClean="0"/>
-              <a:t>16/11/14</a:t>
+              <a:t>16/11/19</a:t>
             </a:fld>
             <a:endParaRPr kumimoji="1" lang="ja-JP" altLang="en-US"/>
           </a:p>
@@ -497,90 +515,6 @@
 </p:notesMaster>
 </file>
 
-<file path=ppt/notesSlides/notesSlide1.xml><?xml version="1.0" encoding="utf-8"?>
-<p:notes xmlns:a="http://schemas.openxmlformats.org/drawingml/2006/main" xmlns:r="http://schemas.openxmlformats.org/officeDocument/2006/relationships" xmlns:p="http://schemas.openxmlformats.org/presentationml/2006/main">
-  <p:cSld>
-    <p:spTree>
-      <p:nvGrpSpPr>
-        <p:cNvPr id="1" name=""/>
-        <p:cNvGrpSpPr/>
-        <p:nvPr/>
-      </p:nvGrpSpPr>
-      <p:grpSpPr>
-        <a:xfrm>
-          <a:off x="0" y="0"/>
-          <a:ext cx="0" cy="0"/>
-          <a:chOff x="0" y="0"/>
-          <a:chExt cx="0" cy="0"/>
-        </a:xfrm>
-      </p:grpSpPr>
-      <p:sp>
-        <p:nvSpPr>
-          <p:cNvPr id="2" name="スライド イメージ プレースホルダー 1"/>
-          <p:cNvSpPr>
-            <a:spLocks noGrp="1" noRot="1" noChangeAspect="1"/>
-          </p:cNvSpPr>
-          <p:nvPr>
-            <p:ph type="sldImg"/>
-          </p:nvPr>
-        </p:nvSpPr>
-        <p:spPr/>
-      </p:sp>
-      <p:sp>
-        <p:nvSpPr>
-          <p:cNvPr id="3" name="ノート プレースホルダー 2"/>
-          <p:cNvSpPr>
-            <a:spLocks noGrp="1"/>
-          </p:cNvSpPr>
-          <p:nvPr>
-            <p:ph type="body" idx="1"/>
-          </p:nvPr>
-        </p:nvSpPr>
-        <p:spPr/>
-        <p:txBody>
-          <a:bodyPr/>
-          <a:lstStyle/>
-          <a:p>
-            <a:endParaRPr kumimoji="1" lang="ja-JP" altLang="en-US" dirty="0"/>
-          </a:p>
-        </p:txBody>
-      </p:sp>
-      <p:sp>
-        <p:nvSpPr>
-          <p:cNvPr id="4" name="スライド番号プレースホルダー 3"/>
-          <p:cNvSpPr>
-            <a:spLocks noGrp="1"/>
-          </p:cNvSpPr>
-          <p:nvPr>
-            <p:ph type="sldNum" sz="quarter" idx="10"/>
-          </p:nvPr>
-        </p:nvSpPr>
-        <p:spPr/>
-        <p:txBody>
-          <a:bodyPr/>
-          <a:lstStyle/>
-          <a:p>
-            <a:fld id="{6232FFF2-5DDA-384A-A91F-85534BBB64D2}" type="slidenum">
-              <a:rPr kumimoji="1" lang="ja-JP" altLang="en-US" smtClean="0"/>
-              <a:t>6</a:t>
-            </a:fld>
-            <a:endParaRPr kumimoji="1" lang="ja-JP" altLang="en-US"/>
-          </a:p>
-        </p:txBody>
-      </p:sp>
-    </p:spTree>
-    <p:extLst>
-      <p:ext uri="{BB962C8B-B14F-4D97-AF65-F5344CB8AC3E}">
-        <p14:creationId xmlns:p14="http://schemas.microsoft.com/office/powerpoint/2010/main" val="4153580324"/>
-      </p:ext>
-    </p:extLst>
-  </p:cSld>
-  <p:clrMapOvr>
-    <a:masterClrMapping/>
-  </p:clrMapOvr>
-</p:notes>
-</file>
-
 <file path=ppt/slideLayouts/slideLayout1.xml><?xml version="1.0" encoding="utf-8"?>
 <p:sldLayout xmlns:a="http://schemas.openxmlformats.org/drawingml/2006/main" xmlns:r="http://schemas.openxmlformats.org/officeDocument/2006/relationships" xmlns:p="http://schemas.openxmlformats.org/presentationml/2006/main" type="title" preserve="1">
   <p:cSld name="タイトル スライド">
@@ -762,7 +696,7 @@
           <a:p>
             <a:fld id="{520D911A-3E87-0345-B735-2002B3850D93}" type="datetimeFigureOut">
               <a:rPr kumimoji="1" lang="ja-JP" altLang="en-US" smtClean="0"/>
-              <a:t>16/11/14</a:t>
+              <a:t>16/11/19</a:t>
             </a:fld>
             <a:endParaRPr kumimoji="1" lang="ja-JP" altLang="en-US"/>
           </a:p>
@@ -964,7 +898,7 @@
           <a:p>
             <a:fld id="{520D911A-3E87-0345-B735-2002B3850D93}" type="datetimeFigureOut">
               <a:rPr kumimoji="1" lang="ja-JP" altLang="en-US" smtClean="0"/>
-              <a:t>16/11/14</a:t>
+              <a:t>16/11/19</a:t>
             </a:fld>
             <a:endParaRPr kumimoji="1" lang="ja-JP" altLang="en-US"/>
           </a:p>
@@ -1176,7 +1110,7 @@
           <a:p>
             <a:fld id="{520D911A-3E87-0345-B735-2002B3850D93}" type="datetimeFigureOut">
               <a:rPr kumimoji="1" lang="ja-JP" altLang="en-US" smtClean="0"/>
-              <a:t>16/11/14</a:t>
+              <a:t>16/11/19</a:t>
             </a:fld>
             <a:endParaRPr kumimoji="1" lang="ja-JP" altLang="en-US"/>
           </a:p>
@@ -1378,7 +1312,7 @@
           <a:p>
             <a:fld id="{520D911A-3E87-0345-B735-2002B3850D93}" type="datetimeFigureOut">
               <a:rPr kumimoji="1" lang="ja-JP" altLang="en-US" smtClean="0"/>
-              <a:t>16/11/14</a:t>
+              <a:t>16/11/19</a:t>
             </a:fld>
             <a:endParaRPr kumimoji="1" lang="ja-JP" altLang="en-US"/>
           </a:p>
@@ -1624,7 +1558,7 @@
           <a:p>
             <a:fld id="{520D911A-3E87-0345-B735-2002B3850D93}" type="datetimeFigureOut">
               <a:rPr kumimoji="1" lang="ja-JP" altLang="en-US" smtClean="0"/>
-              <a:t>16/11/14</a:t>
+              <a:t>16/11/19</a:t>
             </a:fld>
             <a:endParaRPr kumimoji="1" lang="ja-JP" altLang="en-US"/>
           </a:p>
@@ -1976,7 +1910,7 @@
           <a:p>
             <a:fld id="{520D911A-3E87-0345-B735-2002B3850D93}" type="datetimeFigureOut">
               <a:rPr kumimoji="1" lang="ja-JP" altLang="en-US" smtClean="0"/>
-              <a:t>16/11/14</a:t>
+              <a:t>16/11/19</a:t>
             </a:fld>
             <a:endParaRPr kumimoji="1" lang="ja-JP" altLang="en-US"/>
           </a:p>
@@ -2462,7 +2396,7 @@
           <a:p>
             <a:fld id="{520D911A-3E87-0345-B735-2002B3850D93}" type="datetimeFigureOut">
               <a:rPr kumimoji="1" lang="ja-JP" altLang="en-US" smtClean="0"/>
-              <a:t>16/11/14</a:t>
+              <a:t>16/11/19</a:t>
             </a:fld>
             <a:endParaRPr kumimoji="1" lang="ja-JP" altLang="en-US"/>
           </a:p>
@@ -2580,7 +2514,7 @@
           <a:p>
             <a:fld id="{520D911A-3E87-0345-B735-2002B3850D93}" type="datetimeFigureOut">
               <a:rPr kumimoji="1" lang="ja-JP" altLang="en-US" smtClean="0"/>
-              <a:t>16/11/14</a:t>
+              <a:t>16/11/19</a:t>
             </a:fld>
             <a:endParaRPr kumimoji="1" lang="ja-JP" altLang="en-US"/>
           </a:p>
@@ -2675,7 +2609,7 @@
           <a:p>
             <a:fld id="{520D911A-3E87-0345-B735-2002B3850D93}" type="datetimeFigureOut">
               <a:rPr kumimoji="1" lang="ja-JP" altLang="en-US" smtClean="0"/>
-              <a:t>16/11/14</a:t>
+              <a:t>16/11/19</a:t>
             </a:fld>
             <a:endParaRPr kumimoji="1" lang="ja-JP" altLang="en-US"/>
           </a:p>
@@ -2984,7 +2918,7 @@
           <a:p>
             <a:fld id="{520D911A-3E87-0345-B735-2002B3850D93}" type="datetimeFigureOut">
               <a:rPr kumimoji="1" lang="ja-JP" altLang="en-US" smtClean="0"/>
-              <a:t>16/11/14</a:t>
+              <a:t>16/11/19</a:t>
             </a:fld>
             <a:endParaRPr kumimoji="1" lang="ja-JP" altLang="en-US"/>
           </a:p>
@@ -3237,7 +3171,7 @@
           <a:p>
             <a:fld id="{520D911A-3E87-0345-B735-2002B3850D93}" type="datetimeFigureOut">
               <a:rPr kumimoji="1" lang="ja-JP" altLang="en-US" smtClean="0"/>
-              <a:t>16/11/14</a:t>
+              <a:t>16/11/19</a:t>
             </a:fld>
             <a:endParaRPr kumimoji="1" lang="ja-JP" altLang="en-US"/>
           </a:p>
@@ -3482,7 +3416,7 @@
           <a:p>
             <a:fld id="{520D911A-3E87-0345-B735-2002B3850D93}" type="datetimeFigureOut">
               <a:rPr kumimoji="1" lang="ja-JP" altLang="en-US" smtClean="0"/>
-              <a:t>16/11/14</a:t>
+              <a:t>16/11/19</a:t>
             </a:fld>
             <a:endParaRPr kumimoji="1" lang="ja-JP" altLang="en-US"/>
           </a:p>
@@ -3983,7 +3917,23 @@
             </a:r>
             <a:r>
               <a:rPr lang="ja-JP" altLang="en-US" dirty="0"/>
-              <a:t>枚のカードの数字の大きさを比べるシンプルなゲームです。</a:t>
+              <a:t>枚のカード</a:t>
+            </a:r>
+            <a:r>
+              <a:rPr lang="ja-JP" altLang="en-US" dirty="0" smtClean="0"/>
+              <a:t>の大きさ</a:t>
+            </a:r>
+            <a:r>
+              <a:rPr lang="ja-JP" altLang="en-US" dirty="0"/>
+              <a:t>を</a:t>
+            </a:r>
+            <a:r>
+              <a:rPr lang="ja-JP" altLang="en-US" dirty="0" smtClean="0"/>
+              <a:t>比べるゲーム</a:t>
+            </a:r>
+            <a:r>
+              <a:rPr lang="ja-JP" altLang="en-US" dirty="0"/>
+              <a:t>です。</a:t>
             </a:r>
           </a:p>
           <a:p>
@@ -4077,7 +4027,12 @@
             <p:ph type="title"/>
           </p:nvPr>
         </p:nvSpPr>
-        <p:spPr/>
+        <p:spPr>
+          <a:xfrm>
+            <a:off x="457200" y="274638"/>
+            <a:ext cx="8229600" cy="817183"/>
+          </a:xfrm>
+        </p:spPr>
         <p:txBody>
           <a:bodyPr/>
           <a:lstStyle/>
@@ -4100,7 +4055,12 @@
             <p:ph idx="1"/>
           </p:nvPr>
         </p:nvSpPr>
-        <p:spPr/>
+        <p:spPr>
+          <a:xfrm>
+            <a:off x="457200" y="1091821"/>
+            <a:ext cx="8229600" cy="5609230"/>
+          </a:xfrm>
+        </p:spPr>
         <p:txBody>
           <a:bodyPr>
             <a:normAutofit fontScale="77500" lnSpcReduction="20000"/>
@@ -4125,13 +4085,92 @@
             </a:r>
             <a:r>
               <a:rPr lang="ja-JP" altLang="en-US" dirty="0"/>
-              <a:t>枚引き、表示する。</a:t>
-            </a:r>
-          </a:p>
-          <a:p>
+              <a:t>枚引き、表示する</a:t>
+            </a:r>
             <a:r>
               <a:rPr lang="ja-JP" altLang="en-US" dirty="0" smtClean="0"/>
-              <a:t>トランプからもう</a:t>
+              <a:t>。</a:t>
+            </a:r>
+            <a:endParaRPr lang="en-US" altLang="ja-JP" dirty="0" smtClean="0"/>
+          </a:p>
+          <a:p>
+            <a:r>
+              <a:rPr lang="ja-JP" altLang="en-US" dirty="0" smtClean="0"/>
+              <a:t>ユーザーは</a:t>
+            </a:r>
+            <a:r>
+              <a:rPr lang="ja-JP" altLang="en-US" dirty="0"/>
+              <a:t>、チップを</a:t>
+            </a:r>
+            <a:r>
+              <a:rPr lang="ja-JP" altLang="en-US" dirty="0" smtClean="0"/>
+              <a:t>賭ける。</a:t>
+            </a:r>
+            <a:endParaRPr lang="en-US" altLang="ja-JP" dirty="0" smtClean="0"/>
+          </a:p>
+          <a:p>
+            <a:r>
+              <a:rPr lang="ja-JP" altLang="en-US" dirty="0" smtClean="0"/>
+              <a:t>ユーザーは次に引くカード</a:t>
+            </a:r>
+            <a:r>
+              <a:rPr lang="en-US" altLang="ja-JP" dirty="0" smtClean="0"/>
+              <a:t>(</a:t>
+            </a:r>
+            <a:r>
+              <a:rPr lang="ja-JP" altLang="en-US" dirty="0" smtClean="0"/>
+              <a:t>カード</a:t>
+            </a:r>
+            <a:r>
+              <a:rPr lang="en-US" altLang="ja-JP" dirty="0" smtClean="0"/>
+              <a:t>B)</a:t>
+            </a:r>
+            <a:r>
+              <a:rPr lang="ja-JP" altLang="en-US" dirty="0" smtClean="0"/>
+              <a:t>がカード</a:t>
+            </a:r>
+            <a:r>
+              <a:rPr lang="en-US" altLang="ja-JP" dirty="0" smtClean="0"/>
+              <a:t>A</a:t>
+            </a:r>
+            <a:r>
+              <a:rPr lang="ja-JP" altLang="en-US" dirty="0" smtClean="0"/>
+              <a:t>より大きい</a:t>
+            </a:r>
+            <a:r>
+              <a:rPr lang="en-US" altLang="ja-JP" dirty="0" smtClean="0"/>
+              <a:t>(Big)</a:t>
+            </a:r>
+            <a:r>
+              <a:rPr lang="ja-JP" altLang="en-US" dirty="0" smtClean="0"/>
+              <a:t>か小さい</a:t>
+            </a:r>
+            <a:r>
+              <a:rPr lang="en-US" altLang="ja-JP" dirty="0" smtClean="0"/>
+              <a:t>(Small)</a:t>
+            </a:r>
+            <a:r>
+              <a:rPr lang="ja-JP" altLang="en-US" dirty="0" smtClean="0"/>
+              <a:t>か選択する。</a:t>
+            </a:r>
+            <a:endParaRPr lang="en-US" altLang="ja-JP" dirty="0" smtClean="0"/>
+          </a:p>
+          <a:p>
+            <a:r>
+              <a:rPr lang="ja-JP" altLang="en-US" dirty="0" smtClean="0"/>
+              <a:t> </a:t>
+            </a:r>
+            <a:r>
+              <a:rPr lang="ja-JP" altLang="en-US" dirty="0"/>
+              <a:t>トランプからカード</a:t>
+            </a:r>
+            <a:r>
+              <a:rPr lang="en-US" altLang="ja-JP" dirty="0"/>
+              <a:t>B</a:t>
+            </a:r>
+            <a:r>
+              <a:rPr lang="ja-JP" altLang="en-US" dirty="0"/>
+              <a:t>を</a:t>
             </a:r>
             <a:r>
               <a:rPr lang="en-US" altLang="ja-JP" dirty="0"/>
@@ -4139,74 +4178,11 @@
             </a:r>
             <a:r>
               <a:rPr lang="ja-JP" altLang="en-US" dirty="0"/>
-              <a:t>枚</a:t>
+              <a:t>枚引き</a:t>
             </a:r>
             <a:r>
               <a:rPr lang="ja-JP" altLang="en-US" dirty="0" smtClean="0"/>
-              <a:t>カード</a:t>
-            </a:r>
-            <a:r>
-              <a:rPr lang="en-US" altLang="ja-JP" dirty="0" smtClean="0"/>
-              <a:t>B</a:t>
-            </a:r>
-            <a:r>
-              <a:rPr lang="ja-JP" altLang="en-US" dirty="0" smtClean="0"/>
-              <a:t>を引く（非表示状態</a:t>
-            </a:r>
-            <a:r>
-              <a:rPr lang="en-US" altLang="ja-JP" dirty="0" smtClean="0"/>
-              <a:t>)</a:t>
-            </a:r>
-            <a:r>
-              <a:rPr lang="ja-JP" altLang="en-US" dirty="0" smtClean="0"/>
-              <a:t> 。</a:t>
-            </a:r>
-            <a:endParaRPr lang="en-US" altLang="ja-JP" dirty="0" smtClean="0"/>
-          </a:p>
-          <a:p>
-            <a:r>
-              <a:rPr lang="ja-JP" altLang="en-US" dirty="0" smtClean="0"/>
-              <a:t>ユーザーは、次に引くカード</a:t>
-            </a:r>
-            <a:r>
-              <a:rPr lang="en-US" altLang="ja-JP" dirty="0" smtClean="0"/>
-              <a:t>(</a:t>
-            </a:r>
-            <a:r>
-              <a:rPr lang="ja-JP" altLang="en-US" dirty="0" smtClean="0"/>
-              <a:t>カード</a:t>
-            </a:r>
-            <a:r>
-              <a:rPr lang="en-US" altLang="ja-JP" dirty="0" smtClean="0"/>
-              <a:t>B)</a:t>
-            </a:r>
-            <a:r>
-              <a:rPr lang="ja-JP" altLang="en-US" dirty="0" smtClean="0"/>
-              <a:t>がカード</a:t>
-            </a:r>
-            <a:r>
-              <a:rPr lang="en-US" altLang="ja-JP" dirty="0" smtClean="0"/>
-              <a:t>A</a:t>
-            </a:r>
-            <a:r>
-              <a:rPr lang="ja-JP" altLang="en-US" dirty="0" smtClean="0"/>
-              <a:t>より大きい</a:t>
-            </a:r>
-            <a:r>
-              <a:rPr lang="en-US" altLang="ja-JP" dirty="0" smtClean="0"/>
-              <a:t>(Big)</a:t>
-            </a:r>
-            <a:r>
-              <a:rPr lang="ja-JP" altLang="en-US" dirty="0" smtClean="0"/>
-              <a:t>か小さい</a:t>
-            </a:r>
-            <a:r>
-              <a:rPr lang="en-US" altLang="ja-JP" dirty="0" smtClean="0"/>
-              <a:t>(Small)</a:t>
-            </a:r>
-            <a:r>
-              <a:rPr lang="ja-JP" altLang="en-US" dirty="0" smtClean="0"/>
-              <a:t>か選択し、チップを賭ける。</a:t>
+              <a:t>、表示する。</a:t>
             </a:r>
             <a:endParaRPr lang="en-US" altLang="ja-JP" dirty="0" smtClean="0"/>
           </a:p>
@@ -4217,37 +4193,6 @@
             </a:r>
             <a:r>
               <a:rPr lang="ja-JP" altLang="en-US" dirty="0"/>
-              <a:t>トランプからカード</a:t>
-            </a:r>
-            <a:r>
-              <a:rPr lang="en-US" altLang="ja-JP" dirty="0"/>
-              <a:t>B</a:t>
-            </a:r>
-            <a:r>
-              <a:rPr lang="ja-JP" altLang="en-US" dirty="0"/>
-              <a:t>を</a:t>
-            </a:r>
-            <a:r>
-              <a:rPr lang="en-US" altLang="ja-JP" dirty="0"/>
-              <a:t>1</a:t>
-            </a:r>
-            <a:r>
-              <a:rPr lang="ja-JP" altLang="en-US" dirty="0"/>
-              <a:t>枚引き</a:t>
-            </a:r>
-            <a:r>
-              <a:rPr lang="ja-JP" altLang="en-US" dirty="0" smtClean="0"/>
-              <a:t>、表示する。</a:t>
-            </a:r>
-            <a:endParaRPr lang="en-US" altLang="ja-JP" dirty="0" smtClean="0"/>
-          </a:p>
-          <a:p>
-            <a:r>
-              <a:rPr lang="ja-JP" altLang="en-US" dirty="0" smtClean="0"/>
-              <a:t> </a:t>
-            </a:r>
-            <a:r>
-              <a:rPr lang="ja-JP" altLang="en-US" dirty="0"/>
               <a:t>ユーザの選択（「</a:t>
             </a:r>
             <a:r>
@@ -4281,36 +4226,54 @@
               <a:t> </a:t>
             </a:r>
             <a:r>
-              <a:rPr lang="en-US" altLang="ja-JP" dirty="0"/>
+              <a:rPr lang="ja-JP" altLang="en-US" dirty="0" smtClean="0"/>
+              <a:t>勝ったチップを賭けてゲームを継続することができる。この場合、</a:t>
+            </a:r>
+            <a:r>
+              <a:rPr lang="en-US" altLang="ja-JP" dirty="0" smtClean="0"/>
               <a:t>2</a:t>
             </a:r>
             <a:r>
-              <a:rPr lang="ja-JP" altLang="en-US" dirty="0"/>
-              <a:t>枚のカードの数字の大きさを比べるシンプルなゲームです。</a:t>
-            </a:r>
-          </a:p>
-          <a:p>
-            <a:r>
-              <a:rPr lang="ja-JP" altLang="en-US" dirty="0"/>
-              <a:t> ユーザーはプレイ開始時に一定数のチップを保有しており、チップを</a:t>
-            </a:r>
-            <a:r>
-              <a:rPr lang="en-US" altLang="ja-JP" dirty="0"/>
-              <a:t>BET</a:t>
-            </a:r>
-            <a:r>
-              <a:rPr lang="ja-JP" altLang="en-US" dirty="0"/>
-              <a:t>することで、この「</a:t>
-            </a:r>
-            <a:r>
-              <a:rPr lang="en-US" altLang="ja-JP" dirty="0"/>
-              <a:t>Big or Small</a:t>
-            </a:r>
-            <a:r>
-              <a:rPr lang="ja-JP" altLang="en-US" dirty="0"/>
-              <a:t>」ゲームを行うことができます。</a:t>
-            </a:r>
-            <a:endParaRPr kumimoji="1" lang="ja-JP" altLang="en-US" dirty="0"/>
+              <a:rPr lang="ja-JP" altLang="en-US" dirty="0" smtClean="0"/>
+              <a:t>番目に引いたカードを対象に大小を比較する。</a:t>
+            </a:r>
+            <a:endParaRPr lang="en-US" altLang="ja-JP" dirty="0" smtClean="0"/>
+          </a:p>
+          <a:p>
+            <a:r>
+              <a:rPr lang="ja-JP" altLang="en-US" dirty="0" smtClean="0"/>
+              <a:t>継続は最大</a:t>
+            </a:r>
+            <a:r>
+              <a:rPr lang="en-US" altLang="ja-JP" dirty="0" smtClean="0"/>
+              <a:t>8</a:t>
+            </a:r>
+            <a:r>
+              <a:rPr lang="ja-JP" altLang="en-US" dirty="0" smtClean="0"/>
+              <a:t>回まで可能。</a:t>
+            </a:r>
+            <a:endParaRPr lang="en-US" altLang="ja-JP" dirty="0" smtClean="0"/>
+          </a:p>
+          <a:p>
+            <a:r>
+              <a:rPr lang="ja-JP" altLang="en-US" dirty="0" smtClean="0"/>
+              <a:t>ゲームに負けた場合、あるいは連続が最大数を超えた場合、ゲームを継続するかどうか判断する。</a:t>
+            </a:r>
+            <a:endParaRPr lang="en-US" altLang="ja-JP" dirty="0" smtClean="0"/>
+          </a:p>
+          <a:p>
+            <a:r>
+              <a:rPr lang="ja-JP" altLang="en-US" dirty="0" smtClean="0"/>
+              <a:t>新規ゲームを行う場合、カードをシャッフルして新しいゲームを始める。</a:t>
+            </a:r>
+            <a:endParaRPr lang="en-US" altLang="ja-JP" dirty="0" smtClean="0"/>
+          </a:p>
+          <a:p>
+            <a:r>
+              <a:rPr lang="ja-JP" altLang="en-US" dirty="0" smtClean="0"/>
+              <a:t>新規ゲームを行わない場合、ゲームを終了する。</a:t>
+            </a:r>
+            <a:endParaRPr lang="ja-JP" altLang="en-US" dirty="0"/>
           </a:p>
         </p:txBody>
       </p:sp>
@@ -4370,6 +4333,18 @@
               <a:rPr kumimoji="1" lang="ja-JP" altLang="en-US" dirty="0" smtClean="0"/>
               <a:t>フローチャート</a:t>
             </a:r>
+            <a:r>
+              <a:rPr kumimoji="1" lang="en-US" altLang="ja-JP" dirty="0" smtClean="0"/>
+              <a:t>(1</a:t>
+            </a:r>
+            <a:r>
+              <a:rPr kumimoji="1" lang="en-US" altLang="ja-JP" baseline="30000" dirty="0" smtClean="0"/>
+              <a:t>st</a:t>
+            </a:r>
+            <a:r>
+              <a:rPr kumimoji="1" lang="en-US" altLang="ja-JP" dirty="0" smtClean="0"/>
+              <a:t>)</a:t>
+            </a:r>
             <a:endParaRPr kumimoji="1" lang="ja-JP" altLang="en-US" dirty="0"/>
           </a:p>
         </p:txBody>
@@ -5593,7 +5568,7 @@
     </p:spTree>
     <p:extLst>
       <p:ext uri="{BB962C8B-B14F-4D97-AF65-F5344CB8AC3E}">
-        <p14:creationId xmlns:p14="http://schemas.microsoft.com/office/powerpoint/2010/main" val="2417370493"/>
+        <p14:creationId xmlns:p14="http://schemas.microsoft.com/office/powerpoint/2010/main" val="1012019738"/>
       </p:ext>
     </p:extLst>
   </p:cSld>
@@ -5630,14 +5605,33 @@
             <p:ph type="title"/>
           </p:nvPr>
         </p:nvSpPr>
-        <p:spPr/>
-        <p:txBody>
-          <a:bodyPr/>
+        <p:spPr>
+          <a:xfrm>
+            <a:off x="457200" y="274639"/>
+            <a:ext cx="8229600" cy="489648"/>
+          </a:xfrm>
+        </p:spPr>
+        <p:txBody>
+          <a:bodyPr>
+            <a:normAutofit fontScale="90000"/>
+          </a:bodyPr>
           <a:lstStyle/>
           <a:p>
             <a:r>
               <a:rPr kumimoji="1" lang="ja-JP" altLang="en-US" dirty="0" smtClean="0"/>
-              <a:t>シーケンス図</a:t>
+              <a:t>フローチャート</a:t>
+            </a:r>
+            <a:r>
+              <a:rPr kumimoji="1" lang="en-US" altLang="ja-JP" dirty="0" smtClean="0"/>
+              <a:t>(2</a:t>
+            </a:r>
+            <a:r>
+              <a:rPr kumimoji="1" lang="en-US" altLang="ja-JP" baseline="30000" dirty="0" smtClean="0"/>
+              <a:t>nd</a:t>
+            </a:r>
+            <a:r>
+              <a:rPr kumimoji="1" lang="en-US" altLang="ja-JP" dirty="0" smtClean="0"/>
+              <a:t>)</a:t>
             </a:r>
             <a:endParaRPr kumimoji="1" lang="ja-JP" altLang="en-US" dirty="0"/>
           </a:p>
@@ -5645,24 +5639,24 @@
       </p:sp>
       <p:sp>
         <p:nvSpPr>
-          <p:cNvPr id="3" name="正方形/長方形 2"/>
+          <p:cNvPr id="4" name="角丸四角形 3"/>
           <p:cNvSpPr/>
           <p:nvPr/>
         </p:nvSpPr>
         <p:spPr>
           <a:xfrm>
-            <a:off x="4066400" y="1893079"/>
-            <a:ext cx="1587449" cy="599671"/>
-          </a:xfrm>
-          <a:prstGeom prst="rect">
+            <a:off x="7028799" y="1064889"/>
+            <a:ext cx="1681520" cy="271355"/>
+          </a:xfrm>
+          <a:prstGeom prst="roundRect">
             <a:avLst/>
           </a:prstGeom>
           <a:solidFill>
-            <a:schemeClr val="bg1"/>
+            <a:srgbClr val="FFFFFF"/>
           </a:solidFill>
           <a:ln>
             <a:solidFill>
-              <a:schemeClr val="tx1"/>
+              <a:srgbClr val="000000"/>
             </a:solidFill>
           </a:ln>
         </p:spPr>
@@ -5686,16 +5680,16 @@
           <a:p>
             <a:pPr algn="ctr"/>
             <a:r>
-              <a:rPr kumimoji="1" lang="en-US" altLang="ja-JP" dirty="0" smtClean="0">
+              <a:rPr kumimoji="1" lang="ja-JP" altLang="en-US" sz="1400" dirty="0" smtClean="0">
                 <a:solidFill>
-                  <a:schemeClr val="tx1"/>
+                  <a:srgbClr val="000000"/>
                 </a:solidFill>
               </a:rPr>
-              <a:t>Trump</a:t>
-            </a:r>
-            <a:endParaRPr kumimoji="1" lang="ja-JP" altLang="en-US" dirty="0">
+              <a:t>開始</a:t>
+            </a:r>
+            <a:endParaRPr kumimoji="1" lang="ja-JP" altLang="en-US" sz="1400" dirty="0">
               <a:solidFill>
-                <a:schemeClr val="tx1"/>
+                <a:srgbClr val="000000"/>
               </a:solidFill>
             </a:endParaRPr>
           </a:p>
@@ -5703,24 +5697,24 @@
       </p:sp>
       <p:sp>
         <p:nvSpPr>
-          <p:cNvPr id="4" name="正方形/長方形 3"/>
+          <p:cNvPr id="5" name="角丸四角形 4"/>
           <p:cNvSpPr/>
           <p:nvPr/>
         </p:nvSpPr>
         <p:spPr>
           <a:xfrm>
-            <a:off x="2008130" y="4479437"/>
-            <a:ext cx="1587449" cy="599671"/>
-          </a:xfrm>
-          <a:prstGeom prst="rect">
+            <a:off x="7028799" y="5585165"/>
+            <a:ext cx="1681520" cy="271355"/>
+          </a:xfrm>
+          <a:prstGeom prst="roundRect">
             <a:avLst/>
           </a:prstGeom>
           <a:solidFill>
-            <a:schemeClr val="bg1"/>
+            <a:srgbClr val="FFFFFF"/>
           </a:solidFill>
           <a:ln>
             <a:solidFill>
-              <a:schemeClr val="tx1"/>
+              <a:srgbClr val="000000"/>
             </a:solidFill>
           </a:ln>
         </p:spPr>
@@ -5744,16 +5738,16 @@
           <a:p>
             <a:pPr algn="ctr"/>
             <a:r>
-              <a:rPr kumimoji="1" lang="en-US" altLang="ja-JP" dirty="0" smtClean="0">
+              <a:rPr kumimoji="1" lang="ja-JP" altLang="en-US" sz="1400" dirty="0" smtClean="0">
                 <a:solidFill>
-                  <a:schemeClr val="tx1"/>
+                  <a:srgbClr val="000000"/>
                 </a:solidFill>
               </a:rPr>
-              <a:t>Dealer</a:t>
-            </a:r>
-            <a:endParaRPr kumimoji="1" lang="ja-JP" altLang="en-US" dirty="0">
+              <a:t>終了</a:t>
+            </a:r>
+            <a:endParaRPr kumimoji="1" lang="ja-JP" altLang="en-US" sz="1400" dirty="0">
               <a:solidFill>
-                <a:schemeClr val="tx1"/>
+                <a:srgbClr val="000000"/>
               </a:solidFill>
             </a:endParaRPr>
           </a:p>
@@ -5761,24 +5755,27 @@
       </p:sp>
       <p:sp>
         <p:nvSpPr>
-          <p:cNvPr id="5" name="正方形/長方形 4"/>
+          <p:cNvPr id="6" name="正方形/長方形 5"/>
           <p:cNvSpPr/>
           <p:nvPr/>
         </p:nvSpPr>
         <p:spPr>
           <a:xfrm>
-            <a:off x="6194759" y="4479437"/>
-            <a:ext cx="1587449" cy="599671"/>
+            <a:off x="2692550" y="2405063"/>
+            <a:ext cx="3915709" cy="352748"/>
           </a:xfrm>
           <a:prstGeom prst="rect">
             <a:avLst/>
           </a:prstGeom>
           <a:solidFill>
-            <a:schemeClr val="bg1"/>
+            <a:schemeClr val="accent1">
+              <a:lumMod val="20000"/>
+              <a:lumOff val="80000"/>
+            </a:schemeClr>
           </a:solidFill>
           <a:ln>
             <a:solidFill>
-              <a:schemeClr val="tx1"/>
+              <a:srgbClr val="000000"/>
             </a:solidFill>
           </a:ln>
         </p:spPr>
@@ -5802,16 +5799,24 @@
           <a:p>
             <a:pPr algn="ctr"/>
             <a:r>
-              <a:rPr kumimoji="1" lang="en-US" altLang="ja-JP" dirty="0" smtClean="0">
+              <a:rPr kumimoji="1" lang="ja-JP" altLang="en-US" sz="1400" dirty="0" smtClean="0">
                 <a:solidFill>
-                  <a:schemeClr val="tx1"/>
+                  <a:srgbClr val="000000"/>
                 </a:solidFill>
               </a:rPr>
-              <a:t>Player</a:t>
-            </a:r>
-            <a:endParaRPr kumimoji="1" lang="ja-JP" altLang="en-US" dirty="0">
+              <a:t>トランプからカードを一枚引く（カード</a:t>
+            </a:r>
+            <a:r>
+              <a:rPr kumimoji="1" lang="en-US" altLang="ja-JP" sz="1400" dirty="0" smtClean="0">
+                <a:solidFill>
+                  <a:srgbClr val="000000"/>
+                </a:solidFill>
+              </a:rPr>
+              <a:t>A)</a:t>
+            </a:r>
+            <a:endParaRPr kumimoji="1" lang="ja-JP" altLang="en-US" sz="1400" dirty="0">
               <a:solidFill>
-                <a:schemeClr val="tx1"/>
+                <a:srgbClr val="000000"/>
               </a:solidFill>
             </a:endParaRPr>
           </a:p>
@@ -5825,18 +5830,21 @@
         </p:nvSpPr>
         <p:spPr>
           <a:xfrm>
-            <a:off x="2008130" y="3232605"/>
-            <a:ext cx="1587449" cy="599671"/>
+            <a:off x="2698429" y="3038184"/>
+            <a:ext cx="3903949" cy="352748"/>
           </a:xfrm>
           <a:prstGeom prst="rect">
             <a:avLst/>
           </a:prstGeom>
           <a:solidFill>
-            <a:schemeClr val="bg1"/>
+            <a:schemeClr val="accent3">
+              <a:lumMod val="40000"/>
+              <a:lumOff val="60000"/>
+            </a:schemeClr>
           </a:solidFill>
           <a:ln>
             <a:solidFill>
-              <a:schemeClr val="tx1"/>
+              <a:srgbClr val="000000"/>
             </a:solidFill>
           </a:ln>
         </p:spPr>
@@ -5860,16 +5868,16 @@
           <a:p>
             <a:pPr algn="ctr"/>
             <a:r>
-              <a:rPr kumimoji="1" lang="en-US" altLang="ja-JP" dirty="0" smtClean="0">
+              <a:rPr kumimoji="1" lang="ja-JP" altLang="en-US" sz="1400" dirty="0" smtClean="0">
                 <a:solidFill>
-                  <a:schemeClr val="tx1"/>
+                  <a:srgbClr val="000000"/>
                 </a:solidFill>
               </a:rPr>
-              <a:t>Card</a:t>
-            </a:r>
-            <a:endParaRPr kumimoji="1" lang="ja-JP" altLang="en-US" dirty="0">
+              <a:t>ユーザーがチップを賭ける</a:t>
+            </a:r>
+            <a:endParaRPr kumimoji="1" lang="ja-JP" altLang="en-US" sz="1400" dirty="0">
               <a:solidFill>
-                <a:schemeClr val="tx1"/>
+                <a:srgbClr val="000000"/>
               </a:solidFill>
             </a:endParaRPr>
           </a:p>
@@ -5883,18 +5891,21 @@
         </p:nvSpPr>
         <p:spPr>
           <a:xfrm>
-            <a:off x="6194759" y="3232605"/>
-            <a:ext cx="1587449" cy="599671"/>
+            <a:off x="3129518" y="1034733"/>
+            <a:ext cx="3045551" cy="352748"/>
           </a:xfrm>
           <a:prstGeom prst="rect">
             <a:avLst/>
           </a:prstGeom>
           <a:solidFill>
-            <a:schemeClr val="bg1"/>
+            <a:schemeClr val="accent1">
+              <a:lumMod val="20000"/>
+              <a:lumOff val="80000"/>
+            </a:schemeClr>
           </a:solidFill>
           <a:ln>
             <a:solidFill>
-              <a:schemeClr val="tx1"/>
+              <a:srgbClr val="000000"/>
             </a:solidFill>
           </a:ln>
         </p:spPr>
@@ -5918,16 +5929,16 @@
           <a:p>
             <a:pPr algn="ctr"/>
             <a:r>
-              <a:rPr kumimoji="1" lang="en-US" altLang="ja-JP" dirty="0" smtClean="0">
+              <a:rPr kumimoji="1" lang="ja-JP" altLang="en-US" sz="1400" dirty="0" smtClean="0">
                 <a:solidFill>
-                  <a:schemeClr val="tx1"/>
+                  <a:srgbClr val="000000"/>
                 </a:solidFill>
               </a:rPr>
-              <a:t>Card</a:t>
-            </a:r>
-            <a:endParaRPr kumimoji="1" lang="ja-JP" altLang="en-US" dirty="0">
+              <a:t>トランプをシャッフルする</a:t>
+            </a:r>
+            <a:endParaRPr kumimoji="1" lang="ja-JP" altLang="en-US" sz="1400" dirty="0">
               <a:solidFill>
-                <a:schemeClr val="tx1"/>
+                <a:srgbClr val="000000"/>
               </a:solidFill>
             </a:endParaRPr>
           </a:p>
@@ -5941,18 +5952,21 @@
         </p:nvSpPr>
         <p:spPr>
           <a:xfrm>
-            <a:off x="4066399" y="5054679"/>
-            <a:ext cx="1587449" cy="599671"/>
+            <a:off x="2704309" y="4056641"/>
+            <a:ext cx="3915709" cy="352748"/>
           </a:xfrm>
           <a:prstGeom prst="rect">
             <a:avLst/>
           </a:prstGeom>
           <a:solidFill>
-            <a:schemeClr val="bg1"/>
+            <a:schemeClr val="accent1">
+              <a:lumMod val="20000"/>
+              <a:lumOff val="80000"/>
+            </a:schemeClr>
           </a:solidFill>
           <a:ln>
             <a:solidFill>
-              <a:schemeClr val="tx1"/>
+              <a:srgbClr val="000000"/>
             </a:solidFill>
           </a:ln>
         </p:spPr>
@@ -5976,16 +5990,40 @@
           <a:p>
             <a:pPr algn="ctr"/>
             <a:r>
-              <a:rPr kumimoji="1" lang="en-US" altLang="ja-JP" dirty="0" smtClean="0">
+              <a:rPr kumimoji="1" lang="ja-JP" altLang="en-US" sz="1400" dirty="0" smtClean="0">
                 <a:solidFill>
-                  <a:schemeClr val="tx1"/>
+                  <a:srgbClr val="000000"/>
                 </a:solidFill>
               </a:rPr>
-              <a:t>Chip</a:t>
-            </a:r>
-            <a:endParaRPr kumimoji="1" lang="ja-JP" altLang="en-US" dirty="0">
+              <a:t>トランプからカードを一枚引く</a:t>
+            </a:r>
+            <a:r>
+              <a:rPr kumimoji="1" lang="en-US" altLang="ja-JP" sz="1400" dirty="0" smtClean="0">
+                <a:solidFill>
+                  <a:srgbClr val="000000"/>
+                </a:solidFill>
+              </a:rPr>
+              <a:t>( </a:t>
+            </a:r>
+            <a:r>
+              <a:rPr kumimoji="1" lang="ja-JP" altLang="en-US" sz="1400" dirty="0" smtClean="0">
+                <a:solidFill>
+                  <a:srgbClr val="000000"/>
+                </a:solidFill>
+              </a:rPr>
+              <a:t>カード</a:t>
+            </a:r>
+            <a:r>
+              <a:rPr kumimoji="1" lang="en-US" altLang="ja-JP" sz="1400" dirty="0" smtClean="0">
+                <a:solidFill>
+                  <a:srgbClr val="000000"/>
+                </a:solidFill>
+              </a:rPr>
+              <a:t>B)</a:t>
+            </a:r>
+            <a:endParaRPr kumimoji="1" lang="ja-JP" altLang="en-US" sz="1400" dirty="0">
               <a:solidFill>
-                <a:schemeClr val="tx1"/>
+                <a:srgbClr val="000000"/>
               </a:solidFill>
             </a:endParaRPr>
           </a:p>
@@ -5993,24 +6031,24 @@
       </p:sp>
       <p:sp>
         <p:nvSpPr>
-          <p:cNvPr id="10" name="正方形/長方形 9"/>
+          <p:cNvPr id="10" name="フローチャート: 判断 9"/>
           <p:cNvSpPr/>
           <p:nvPr/>
         </p:nvSpPr>
         <p:spPr>
           <a:xfrm>
-            <a:off x="6194759" y="5824875"/>
-            <a:ext cx="1587449" cy="599671"/>
-          </a:xfrm>
-          <a:prstGeom prst="rect">
+            <a:off x="2723837" y="5479344"/>
+            <a:ext cx="3880431" cy="470330"/>
+          </a:xfrm>
+          <a:prstGeom prst="flowChartDecision">
             <a:avLst/>
           </a:prstGeom>
           <a:solidFill>
-            <a:schemeClr val="bg1"/>
+            <a:srgbClr val="D7E4BD"/>
           </a:solidFill>
           <a:ln>
             <a:solidFill>
-              <a:schemeClr val="tx1"/>
+              <a:srgbClr val="000000"/>
             </a:solidFill>
           </a:ln>
         </p:spPr>
@@ -6034,110 +6072,328 @@
           <a:p>
             <a:pPr algn="ctr"/>
             <a:r>
-              <a:rPr kumimoji="1" lang="en-US" altLang="ja-JP" dirty="0" smtClean="0">
+              <a:rPr kumimoji="1" lang="ja-JP" altLang="en-US" sz="1400" dirty="0" smtClean="0">
                 <a:solidFill>
-                  <a:schemeClr val="tx1"/>
+                  <a:srgbClr val="000000"/>
                 </a:solidFill>
               </a:rPr>
-              <a:t>Chip</a:t>
-            </a:r>
-            <a:endParaRPr kumimoji="1" lang="ja-JP" altLang="en-US" dirty="0">
+              <a:t>獲得したチップでゲームを継続</a:t>
+            </a:r>
+            <a:r>
+              <a:rPr kumimoji="1" lang="en-US" altLang="ja-JP" sz="1400" dirty="0" smtClean="0">
+                <a:solidFill>
+                  <a:srgbClr val="000000"/>
+                </a:solidFill>
+              </a:rPr>
+              <a:t>?</a:t>
+            </a:r>
+            <a:endParaRPr kumimoji="1" lang="ja-JP" altLang="en-US" sz="1400" dirty="0">
               <a:solidFill>
-                <a:schemeClr val="tx1"/>
+                <a:srgbClr val="000000"/>
               </a:solidFill>
             </a:endParaRPr>
           </a:p>
         </p:txBody>
       </p:sp>
+      <p:sp>
+        <p:nvSpPr>
+          <p:cNvPr id="11" name="正方形/長方形 10"/>
+          <p:cNvSpPr/>
+          <p:nvPr/>
+        </p:nvSpPr>
+        <p:spPr>
+          <a:xfrm>
+            <a:off x="2698429" y="3385460"/>
+            <a:ext cx="3903949" cy="334707"/>
+          </a:xfrm>
+          <a:prstGeom prst="rect">
+            <a:avLst/>
+          </a:prstGeom>
+          <a:solidFill>
+            <a:schemeClr val="accent3">
+              <a:lumMod val="40000"/>
+              <a:lumOff val="60000"/>
+            </a:schemeClr>
+          </a:solidFill>
+          <a:ln>
+            <a:solidFill>
+              <a:srgbClr val="000000"/>
+            </a:solidFill>
+          </a:ln>
+        </p:spPr>
+        <p:style>
+          <a:lnRef idx="1">
+            <a:schemeClr val="accent1"/>
+          </a:lnRef>
+          <a:fillRef idx="3">
+            <a:schemeClr val="accent1"/>
+          </a:fillRef>
+          <a:effectRef idx="2">
+            <a:schemeClr val="accent1"/>
+          </a:effectRef>
+          <a:fontRef idx="minor">
+            <a:schemeClr val="lt1"/>
+          </a:fontRef>
+        </p:style>
+        <p:txBody>
+          <a:bodyPr rtlCol="0" anchor="ctr"/>
+          <a:lstStyle/>
+          <a:p>
+            <a:pPr algn="ctr"/>
+            <a:r>
+              <a:rPr kumimoji="1" lang="ja-JP" altLang="en-US" sz="1400" dirty="0" smtClean="0">
+                <a:solidFill>
+                  <a:srgbClr val="000000"/>
+                </a:solidFill>
+              </a:rPr>
+              <a:t>カード</a:t>
+            </a:r>
+            <a:r>
+              <a:rPr kumimoji="1" lang="en-US" altLang="ja-JP" sz="1400" dirty="0" smtClean="0">
+                <a:solidFill>
+                  <a:srgbClr val="000000"/>
+                </a:solidFill>
+              </a:rPr>
+              <a:t>A</a:t>
+            </a:r>
+            <a:r>
+              <a:rPr kumimoji="1" lang="ja-JP" altLang="en-US" sz="1400" dirty="0" smtClean="0">
+                <a:solidFill>
+                  <a:srgbClr val="000000"/>
+                </a:solidFill>
+              </a:rPr>
+              <a:t>がカード</a:t>
+            </a:r>
+            <a:r>
+              <a:rPr kumimoji="1" lang="en-US" altLang="ja-JP" sz="1400" dirty="0" smtClean="0">
+                <a:solidFill>
+                  <a:srgbClr val="000000"/>
+                </a:solidFill>
+              </a:rPr>
+              <a:t>B</a:t>
+            </a:r>
+            <a:r>
+              <a:rPr kumimoji="1" lang="ja-JP" altLang="en-US" sz="1400" dirty="0" smtClean="0">
+                <a:solidFill>
+                  <a:srgbClr val="000000"/>
+                </a:solidFill>
+              </a:rPr>
+              <a:t>より大きいか小さいか選択する</a:t>
+            </a:r>
+            <a:endParaRPr kumimoji="1" lang="ja-JP" altLang="en-US" sz="1400" dirty="0">
+              <a:solidFill>
+                <a:srgbClr val="000000"/>
+              </a:solidFill>
+            </a:endParaRPr>
+          </a:p>
+        </p:txBody>
+      </p:sp>
+      <p:sp>
+        <p:nvSpPr>
+          <p:cNvPr id="12" name="フローチャート: 判断 11"/>
+          <p:cNvSpPr/>
+          <p:nvPr/>
+        </p:nvSpPr>
+        <p:spPr>
+          <a:xfrm>
+            <a:off x="2723837" y="6197509"/>
+            <a:ext cx="3880431" cy="470330"/>
+          </a:xfrm>
+          <a:prstGeom prst="flowChartDecision">
+            <a:avLst/>
+          </a:prstGeom>
+          <a:solidFill>
+            <a:srgbClr val="D7E4BD"/>
+          </a:solidFill>
+          <a:ln>
+            <a:solidFill>
+              <a:srgbClr val="000000"/>
+            </a:solidFill>
+          </a:ln>
+        </p:spPr>
+        <p:style>
+          <a:lnRef idx="1">
+            <a:schemeClr val="accent1"/>
+          </a:lnRef>
+          <a:fillRef idx="3">
+            <a:schemeClr val="accent1"/>
+          </a:fillRef>
+          <a:effectRef idx="2">
+            <a:schemeClr val="accent1"/>
+          </a:effectRef>
+          <a:fontRef idx="minor">
+            <a:schemeClr val="lt1"/>
+          </a:fontRef>
+        </p:style>
+        <p:txBody>
+          <a:bodyPr rtlCol="0" anchor="ctr"/>
+          <a:lstStyle/>
+          <a:p>
+            <a:pPr algn="ctr"/>
+            <a:r>
+              <a:rPr kumimoji="1" lang="ja-JP" altLang="en-US" sz="1400" dirty="0" smtClean="0">
+                <a:solidFill>
+                  <a:srgbClr val="000000"/>
+                </a:solidFill>
+              </a:rPr>
+              <a:t>新しいゲームを開始</a:t>
+            </a:r>
+            <a:r>
+              <a:rPr kumimoji="1" lang="en-US" altLang="ja-JP" sz="1400" dirty="0" smtClean="0">
+                <a:solidFill>
+                  <a:srgbClr val="000000"/>
+                </a:solidFill>
+              </a:rPr>
+              <a:t>?</a:t>
+            </a:r>
+            <a:endParaRPr kumimoji="1" lang="ja-JP" altLang="en-US" sz="1400" dirty="0">
+              <a:solidFill>
+                <a:srgbClr val="000000"/>
+              </a:solidFill>
+            </a:endParaRPr>
+          </a:p>
+        </p:txBody>
+      </p:sp>
+      <p:sp>
+        <p:nvSpPr>
+          <p:cNvPr id="13" name="正方形/長方形 12"/>
+          <p:cNvSpPr/>
+          <p:nvPr/>
+        </p:nvSpPr>
+        <p:spPr>
+          <a:xfrm>
+            <a:off x="3139388" y="4731829"/>
+            <a:ext cx="3045551" cy="352748"/>
+          </a:xfrm>
+          <a:prstGeom prst="rect">
+            <a:avLst/>
+          </a:prstGeom>
+          <a:solidFill>
+            <a:srgbClr val="DCE6F2"/>
+          </a:solidFill>
+          <a:ln>
+            <a:solidFill>
+              <a:srgbClr val="000000"/>
+            </a:solidFill>
+          </a:ln>
+        </p:spPr>
+        <p:style>
+          <a:lnRef idx="1">
+            <a:schemeClr val="accent1"/>
+          </a:lnRef>
+          <a:fillRef idx="3">
+            <a:schemeClr val="accent1"/>
+          </a:fillRef>
+          <a:effectRef idx="2">
+            <a:schemeClr val="accent1"/>
+          </a:effectRef>
+          <a:fontRef idx="minor">
+            <a:schemeClr val="lt1"/>
+          </a:fontRef>
+        </p:style>
+        <p:txBody>
+          <a:bodyPr rtlCol="0" anchor="ctr"/>
+          <a:lstStyle/>
+          <a:p>
+            <a:pPr algn="ctr"/>
+            <a:r>
+              <a:rPr kumimoji="1" lang="ja-JP" altLang="en-US" sz="1400" dirty="0" smtClean="0">
+                <a:solidFill>
+                  <a:srgbClr val="000000"/>
+                </a:solidFill>
+              </a:rPr>
+              <a:t>判定・チップ数更新</a:t>
+            </a:r>
+            <a:endParaRPr kumimoji="1" lang="ja-JP" altLang="en-US" sz="1400" dirty="0">
+              <a:solidFill>
+                <a:srgbClr val="000000"/>
+              </a:solidFill>
+            </a:endParaRPr>
+          </a:p>
+        </p:txBody>
+      </p:sp>
+      <p:sp>
+        <p:nvSpPr>
+          <p:cNvPr id="14" name="フローチャート: 判断 13"/>
+          <p:cNvSpPr/>
+          <p:nvPr/>
+        </p:nvSpPr>
+        <p:spPr>
+          <a:xfrm>
+            <a:off x="2706198" y="1650128"/>
+            <a:ext cx="3880431" cy="470330"/>
+          </a:xfrm>
+          <a:prstGeom prst="flowChartDecision">
+            <a:avLst/>
+          </a:prstGeom>
+          <a:solidFill>
+            <a:schemeClr val="accent3">
+              <a:lumMod val="40000"/>
+              <a:lumOff val="60000"/>
+            </a:schemeClr>
+          </a:solidFill>
+          <a:ln>
+            <a:solidFill>
+              <a:srgbClr val="000000"/>
+            </a:solidFill>
+          </a:ln>
+        </p:spPr>
+        <p:style>
+          <a:lnRef idx="1">
+            <a:schemeClr val="accent1"/>
+          </a:lnRef>
+          <a:fillRef idx="3">
+            <a:schemeClr val="accent1"/>
+          </a:fillRef>
+          <a:effectRef idx="2">
+            <a:schemeClr val="accent1"/>
+          </a:effectRef>
+          <a:fontRef idx="minor">
+            <a:schemeClr val="lt1"/>
+          </a:fontRef>
+        </p:style>
+        <p:txBody>
+          <a:bodyPr rtlCol="0" anchor="ctr"/>
+          <a:lstStyle/>
+          <a:p>
+            <a:pPr algn="ctr"/>
+            <a:r>
+              <a:rPr lang="ja-JP" altLang="en-US" sz="1400" dirty="0" smtClean="0">
+                <a:solidFill>
+                  <a:srgbClr val="000000"/>
+                </a:solidFill>
+              </a:rPr>
+              <a:t>チップを持っている</a:t>
+            </a:r>
+            <a:r>
+              <a:rPr kumimoji="1" lang="en-US" altLang="ja-JP" sz="1400" dirty="0" smtClean="0">
+                <a:solidFill>
+                  <a:srgbClr val="000000"/>
+                </a:solidFill>
+              </a:rPr>
+              <a:t>?</a:t>
+            </a:r>
+            <a:endParaRPr kumimoji="1" lang="ja-JP" altLang="en-US" sz="1400" dirty="0">
+              <a:solidFill>
+                <a:srgbClr val="000000"/>
+              </a:solidFill>
+            </a:endParaRPr>
+          </a:p>
+        </p:txBody>
+      </p:sp>
       <p:cxnSp>
         <p:nvCxnSpPr>
-          <p:cNvPr id="12" name="直線矢印コネクタ 11"/>
+          <p:cNvPr id="16" name="カギ線コネクタ 15"/>
           <p:cNvCxnSpPr>
-            <a:stCxn id="5" idx="2"/>
-            <a:endCxn id="10" idx="0"/>
+            <a:stCxn id="14" idx="3"/>
+            <a:endCxn id="5" idx="0"/>
           </p:cNvCxnSpPr>
           <p:nvPr/>
         </p:nvCxnSpPr>
         <p:spPr>
           <a:xfrm>
-            <a:off x="6988484" y="5079108"/>
-            <a:ext cx="0" cy="745767"/>
-          </a:xfrm>
-          <a:prstGeom prst="straightConnector1">
-            <a:avLst/>
-          </a:prstGeom>
-          <a:ln>
-            <a:solidFill>
-              <a:schemeClr val="tx1"/>
-            </a:solidFill>
-            <a:tailEnd type="arrow"/>
-          </a:ln>
-        </p:spPr>
-        <p:style>
-          <a:lnRef idx="2">
-            <a:schemeClr val="accent1"/>
-          </a:lnRef>
-          <a:fillRef idx="0">
-            <a:schemeClr val="accent1"/>
-          </a:fillRef>
-          <a:effectRef idx="1">
-            <a:schemeClr val="accent1"/>
-          </a:effectRef>
-          <a:fontRef idx="minor">
-            <a:schemeClr val="tx1"/>
-          </a:fontRef>
-        </p:style>
-      </p:cxnSp>
-      <p:sp>
-        <p:nvSpPr>
-          <p:cNvPr id="16" name="正方形/長方形 15"/>
-          <p:cNvSpPr/>
-          <p:nvPr/>
-        </p:nvSpPr>
-        <p:spPr>
-          <a:xfrm>
-            <a:off x="7178933" y="5243237"/>
-            <a:ext cx="1441420" cy="369332"/>
-          </a:xfrm>
-          <a:prstGeom prst="rect">
-            <a:avLst/>
-          </a:prstGeom>
-        </p:spPr>
-        <p:txBody>
-          <a:bodyPr wrap="none">
-            <a:spAutoFit/>
-          </a:bodyPr>
-          <a:lstStyle/>
-          <a:p>
-            <a:r>
-              <a:rPr lang="en-US" altLang="ja-JP" dirty="0" smtClean="0"/>
-              <a:t>4. choice,</a:t>
-            </a:r>
-            <a:r>
-              <a:rPr lang="ja-JP" altLang="en-US" dirty="0" smtClean="0"/>
-              <a:t> </a:t>
-            </a:r>
-            <a:r>
-              <a:rPr lang="en-US" altLang="ja-JP" dirty="0" smtClean="0"/>
-              <a:t>bet</a:t>
-            </a:r>
-            <a:endParaRPr lang="ja-JP" altLang="en-US" dirty="0"/>
-          </a:p>
-        </p:txBody>
-      </p:sp>
-      <p:cxnSp>
-        <p:nvCxnSpPr>
-          <p:cNvPr id="17" name="カギ線コネクタ 16"/>
-          <p:cNvCxnSpPr>
-            <a:stCxn id="3" idx="2"/>
-            <a:endCxn id="8" idx="1"/>
-          </p:cNvCxnSpPr>
-          <p:nvPr/>
-        </p:nvCxnSpPr>
-        <p:spPr>
-          <a:xfrm rot="16200000" flipH="1">
-            <a:off x="5007597" y="2345278"/>
-            <a:ext cx="1039691" cy="1334634"/>
+            <a:off x="6586629" y="1885293"/>
+            <a:ext cx="1282930" cy="3699872"/>
           </a:xfrm>
           <a:prstGeom prst="bentConnector2">
             <a:avLst/>
@@ -6166,21 +6422,21 @@
       </p:cxnSp>
       <p:cxnSp>
         <p:nvCxnSpPr>
-          <p:cNvPr id="20" name="カギ線コネクタ 19"/>
+          <p:cNvPr id="17" name="カギ線コネクタ 16"/>
           <p:cNvCxnSpPr>
-            <a:stCxn id="4" idx="1"/>
-            <a:endCxn id="3" idx="1"/>
+            <a:stCxn id="12" idx="1"/>
+            <a:endCxn id="8" idx="1"/>
           </p:cNvCxnSpPr>
           <p:nvPr/>
         </p:nvCxnSpPr>
         <p:spPr>
           <a:xfrm rot="10800000" flipH="1">
-            <a:off x="2008130" y="2192915"/>
-            <a:ext cx="2058270" cy="2586358"/>
+            <a:off x="2723836" y="1211108"/>
+            <a:ext cx="405681" cy="5221567"/>
           </a:xfrm>
           <a:prstGeom prst="bentConnector3">
             <a:avLst>
-              <a:gd name="adj1" fmla="val -11106"/>
+              <a:gd name="adj1" fmla="val -375945"/>
             </a:avLst>
           </a:prstGeom>
           <a:ln>
@@ -6207,158 +6463,19 @@
       </p:cxnSp>
       <p:cxnSp>
         <p:nvCxnSpPr>
-          <p:cNvPr id="23" name="カギ線コネクタ 22"/>
+          <p:cNvPr id="21" name="直線矢印コネクタ 20"/>
           <p:cNvCxnSpPr>
-            <a:stCxn id="3" idx="2"/>
-            <a:endCxn id="7" idx="3"/>
+            <a:stCxn id="4" idx="1"/>
+            <a:endCxn id="8" idx="3"/>
           </p:cNvCxnSpPr>
           <p:nvPr/>
         </p:nvCxnSpPr>
         <p:spPr>
-          <a:xfrm rot="5400000">
-            <a:off x="3708007" y="2380322"/>
-            <a:ext cx="1039691" cy="1264546"/>
-          </a:xfrm>
-          <a:prstGeom prst="bentConnector2">
-            <a:avLst/>
-          </a:prstGeom>
-          <a:ln>
-            <a:solidFill>
-              <a:srgbClr val="000000"/>
-            </a:solidFill>
-            <a:tailEnd type="arrow"/>
-          </a:ln>
-        </p:spPr>
-        <p:style>
-          <a:lnRef idx="2">
-            <a:schemeClr val="accent1"/>
-          </a:lnRef>
-          <a:fillRef idx="0">
-            <a:schemeClr val="accent1"/>
-          </a:fillRef>
-          <a:effectRef idx="1">
-            <a:schemeClr val="accent1"/>
-          </a:effectRef>
-          <a:fontRef idx="minor">
-            <a:schemeClr val="tx1"/>
-          </a:fontRef>
-        </p:style>
-      </p:cxnSp>
-      <p:sp>
-        <p:nvSpPr>
-          <p:cNvPr id="27" name="正方形/長方形 26"/>
-          <p:cNvSpPr/>
-          <p:nvPr/>
-        </p:nvSpPr>
-        <p:spPr>
-          <a:xfrm>
-            <a:off x="2008128" y="2492750"/>
-            <a:ext cx="889449" cy="369332"/>
-          </a:xfrm>
-          <a:prstGeom prst="rect">
-            <a:avLst/>
-          </a:prstGeom>
-        </p:spPr>
-        <p:txBody>
-          <a:bodyPr wrap="none">
-            <a:spAutoFit/>
-          </a:bodyPr>
-          <a:lstStyle/>
-          <a:p>
-            <a:r>
-              <a:rPr lang="en-US" altLang="ja-JP" dirty="0" smtClean="0"/>
-              <a:t>2. draw</a:t>
-            </a:r>
-            <a:endParaRPr lang="ja-JP" altLang="en-US" dirty="0"/>
-          </a:p>
-        </p:txBody>
-      </p:sp>
-      <p:cxnSp>
-        <p:nvCxnSpPr>
-          <p:cNvPr id="28" name="カギ線コネクタ 27"/>
-          <p:cNvCxnSpPr>
-            <a:stCxn id="4" idx="1"/>
-            <a:endCxn id="3" idx="0"/>
-          </p:cNvCxnSpPr>
-          <p:nvPr/>
-        </p:nvCxnSpPr>
-        <p:spPr>
-          <a:xfrm rot="10800000" flipH="1">
-            <a:off x="2008129" y="1893079"/>
-            <a:ext cx="2851995" cy="2886194"/>
-          </a:xfrm>
-          <a:prstGeom prst="bentConnector4">
-            <a:avLst>
-              <a:gd name="adj1" fmla="val -26568"/>
-              <a:gd name="adj2" fmla="val 107920"/>
-            </a:avLst>
-          </a:prstGeom>
-          <a:ln>
-            <a:solidFill>
-              <a:srgbClr val="000000"/>
-            </a:solidFill>
-            <a:tailEnd type="arrow"/>
-          </a:ln>
-        </p:spPr>
-        <p:style>
-          <a:lnRef idx="2">
-            <a:schemeClr val="accent1"/>
-          </a:lnRef>
-          <a:fillRef idx="0">
-            <a:schemeClr val="accent1"/>
-          </a:fillRef>
-          <a:effectRef idx="1">
-            <a:schemeClr val="accent1"/>
-          </a:effectRef>
-          <a:fontRef idx="minor">
-            <a:schemeClr val="tx1"/>
-          </a:fontRef>
-        </p:style>
-      </p:cxnSp>
-      <p:sp>
-        <p:nvSpPr>
-          <p:cNvPr id="31" name="正方形/長方形 30"/>
-          <p:cNvSpPr/>
-          <p:nvPr/>
-        </p:nvSpPr>
-        <p:spPr>
-          <a:xfrm>
-            <a:off x="174986" y="2848495"/>
-            <a:ext cx="1046230" cy="369332"/>
-          </a:xfrm>
-          <a:prstGeom prst="rect">
-            <a:avLst/>
-          </a:prstGeom>
-        </p:spPr>
-        <p:txBody>
-          <a:bodyPr wrap="none">
-            <a:spAutoFit/>
-          </a:bodyPr>
-          <a:lstStyle/>
-          <a:p>
-            <a:r>
-              <a:rPr lang="en-US" altLang="ja-JP" dirty="0" smtClean="0"/>
-              <a:t>1. shuffle</a:t>
-            </a:r>
-            <a:endParaRPr lang="ja-JP" altLang="en-US" dirty="0"/>
-          </a:p>
-        </p:txBody>
-      </p:sp>
-      <p:cxnSp>
-        <p:nvCxnSpPr>
-          <p:cNvPr id="35" name="カギ線コネクタ 34"/>
-          <p:cNvCxnSpPr>
-            <a:stCxn id="10" idx="1"/>
-            <a:endCxn id="9" idx="2"/>
-          </p:cNvCxnSpPr>
-          <p:nvPr/>
-        </p:nvCxnSpPr>
-        <p:spPr>
-          <a:xfrm rot="10800000">
-            <a:off x="4860125" y="5654351"/>
-            <a:ext cx="1334635" cy="470361"/>
-          </a:xfrm>
-          <a:prstGeom prst="bentConnector2">
+          <a:xfrm flipH="1">
+            <a:off x="6175069" y="1200567"/>
+            <a:ext cx="853730" cy="10540"/>
+          </a:xfrm>
+          <a:prstGeom prst="straightConnector1">
             <a:avLst/>
           </a:prstGeom>
           <a:ln>
@@ -6385,19 +6502,19 @@
       </p:cxnSp>
       <p:cxnSp>
         <p:nvCxnSpPr>
-          <p:cNvPr id="40" name="カギ線コネクタ 39"/>
+          <p:cNvPr id="25" name="直線矢印コネクタ 24"/>
           <p:cNvCxnSpPr>
-            <a:stCxn id="4" idx="3"/>
-            <a:endCxn id="9" idx="0"/>
+            <a:stCxn id="14" idx="2"/>
+            <a:endCxn id="6" idx="0"/>
           </p:cNvCxnSpPr>
           <p:nvPr/>
         </p:nvCxnSpPr>
         <p:spPr>
           <a:xfrm>
-            <a:off x="3595579" y="4779273"/>
-            <a:ext cx="1264545" cy="275406"/>
-          </a:xfrm>
-          <a:prstGeom prst="bentConnector2">
+            <a:off x="4646414" y="2120458"/>
+            <a:ext cx="3991" cy="284605"/>
+          </a:xfrm>
+          <a:prstGeom prst="straightConnector1">
             <a:avLst/>
           </a:prstGeom>
           <a:ln>
@@ -6422,54 +6539,296 @@
           </a:fontRef>
         </p:style>
       </p:cxnSp>
-      <p:sp>
-        <p:nvSpPr>
-          <p:cNvPr id="43" name="正方形/長方形 42"/>
-          <p:cNvSpPr/>
+      <p:cxnSp>
+        <p:nvCxnSpPr>
+          <p:cNvPr id="39" name="カギ線コネクタ 38"/>
+          <p:cNvCxnSpPr>
+            <a:stCxn id="10" idx="1"/>
+            <a:endCxn id="7" idx="1"/>
+          </p:cNvCxnSpPr>
           <p:nvPr/>
-        </p:nvSpPr>
-        <p:spPr>
-          <a:xfrm>
-            <a:off x="4497342" y="4294771"/>
-            <a:ext cx="933406" cy="369332"/>
-          </a:xfrm>
-          <a:prstGeom prst="rect">
-            <a:avLst/>
-          </a:prstGeom>
-        </p:spPr>
-        <p:txBody>
-          <a:bodyPr wrap="none">
-            <a:spAutoFit/>
-          </a:bodyPr>
-          <a:lstStyle/>
-          <a:p>
-            <a:r>
-              <a:rPr lang="en-US" altLang="ja-JP" dirty="0"/>
-              <a:t>5</a:t>
-            </a:r>
-            <a:r>
-              <a:rPr lang="en-US" altLang="ja-JP" dirty="0" smtClean="0"/>
-              <a:t>. judge</a:t>
-            </a:r>
-            <a:endParaRPr lang="ja-JP" altLang="en-US" dirty="0"/>
-          </a:p>
-        </p:txBody>
-      </p:sp>
+        </p:nvCxnSpPr>
+        <p:spPr>
+          <a:xfrm rot="10800000">
+            <a:off x="2698429" y="3214559"/>
+            <a:ext cx="25408" cy="2499951"/>
+          </a:xfrm>
+          <a:prstGeom prst="bentConnector3">
+            <a:avLst>
+              <a:gd name="adj1" fmla="val 999717"/>
+            </a:avLst>
+          </a:prstGeom>
+          <a:ln>
+            <a:solidFill>
+              <a:srgbClr val="000000"/>
+            </a:solidFill>
+            <a:tailEnd type="arrow"/>
+          </a:ln>
+        </p:spPr>
+        <p:style>
+          <a:lnRef idx="2">
+            <a:schemeClr val="accent1"/>
+          </a:lnRef>
+          <a:fillRef idx="0">
+            <a:schemeClr val="accent1"/>
+          </a:fillRef>
+          <a:effectRef idx="1">
+            <a:schemeClr val="accent1"/>
+          </a:effectRef>
+          <a:fontRef idx="minor">
+            <a:schemeClr val="tx1"/>
+          </a:fontRef>
+        </p:style>
+      </p:cxnSp>
       <p:cxnSp>
         <p:nvCxnSpPr>
           <p:cNvPr id="44" name="カギ線コネクタ 43"/>
           <p:cNvCxnSpPr>
-            <a:stCxn id="9" idx="3"/>
+            <a:stCxn id="12" idx="3"/>
+            <a:endCxn id="5" idx="2"/>
+          </p:cNvCxnSpPr>
+          <p:nvPr/>
+        </p:nvCxnSpPr>
+        <p:spPr>
+          <a:xfrm flipV="1">
+            <a:off x="6604268" y="5856520"/>
+            <a:ext cx="1265291" cy="576154"/>
+          </a:xfrm>
+          <a:prstGeom prst="bentConnector2">
+            <a:avLst/>
+          </a:prstGeom>
+          <a:ln>
+            <a:solidFill>
+              <a:srgbClr val="000000"/>
+            </a:solidFill>
+            <a:tailEnd type="arrow"/>
+          </a:ln>
+        </p:spPr>
+        <p:style>
+          <a:lnRef idx="2">
+            <a:schemeClr val="accent1"/>
+          </a:lnRef>
+          <a:fillRef idx="0">
+            <a:schemeClr val="accent1"/>
+          </a:fillRef>
+          <a:effectRef idx="1">
+            <a:schemeClr val="accent1"/>
+          </a:effectRef>
+          <a:fontRef idx="minor">
+            <a:schemeClr val="tx1"/>
+          </a:fontRef>
+        </p:style>
+      </p:cxnSp>
+      <p:cxnSp>
+        <p:nvCxnSpPr>
+          <p:cNvPr id="49" name="直線矢印コネクタ 48"/>
+          <p:cNvCxnSpPr>
+            <a:stCxn id="10" idx="2"/>
+            <a:endCxn id="12" idx="0"/>
+          </p:cNvCxnSpPr>
+          <p:nvPr/>
+        </p:nvCxnSpPr>
+        <p:spPr>
+          <a:xfrm>
+            <a:off x="4664053" y="5949674"/>
+            <a:ext cx="0" cy="247835"/>
+          </a:xfrm>
+          <a:prstGeom prst="straightConnector1">
+            <a:avLst/>
+          </a:prstGeom>
+          <a:ln>
+            <a:solidFill>
+              <a:srgbClr val="000000"/>
+            </a:solidFill>
+            <a:tailEnd type="arrow"/>
+          </a:ln>
+        </p:spPr>
+        <p:style>
+          <a:lnRef idx="2">
+            <a:schemeClr val="accent1"/>
+          </a:lnRef>
+          <a:fillRef idx="0">
+            <a:schemeClr val="accent1"/>
+          </a:fillRef>
+          <a:effectRef idx="1">
+            <a:schemeClr val="accent1"/>
+          </a:effectRef>
+          <a:fontRef idx="minor">
+            <a:schemeClr val="tx1"/>
+          </a:fontRef>
+        </p:style>
+      </p:cxnSp>
+      <p:cxnSp>
+        <p:nvCxnSpPr>
+          <p:cNvPr id="57" name="直線矢印コネクタ 56"/>
+          <p:cNvCxnSpPr>
+            <a:stCxn id="8" idx="2"/>
+            <a:endCxn id="14" idx="0"/>
+          </p:cNvCxnSpPr>
+          <p:nvPr/>
+        </p:nvCxnSpPr>
+        <p:spPr>
+          <a:xfrm flipH="1">
+            <a:off x="4646414" y="1387481"/>
+            <a:ext cx="5880" cy="262647"/>
+          </a:xfrm>
+          <a:prstGeom prst="straightConnector1">
+            <a:avLst/>
+          </a:prstGeom>
+          <a:ln>
+            <a:solidFill>
+              <a:srgbClr val="000000"/>
+            </a:solidFill>
+            <a:tailEnd type="arrow"/>
+          </a:ln>
+        </p:spPr>
+        <p:style>
+          <a:lnRef idx="2">
+            <a:schemeClr val="accent1"/>
+          </a:lnRef>
+          <a:fillRef idx="0">
+            <a:schemeClr val="accent1"/>
+          </a:fillRef>
+          <a:effectRef idx="1">
+            <a:schemeClr val="accent1"/>
+          </a:effectRef>
+          <a:fontRef idx="minor">
+            <a:schemeClr val="tx1"/>
+          </a:fontRef>
+        </p:style>
+      </p:cxnSp>
+      <p:cxnSp>
+        <p:nvCxnSpPr>
+          <p:cNvPr id="61" name="直線矢印コネクタ 60"/>
+          <p:cNvCxnSpPr>
+            <a:stCxn id="6" idx="2"/>
+            <a:endCxn id="7" idx="0"/>
+          </p:cNvCxnSpPr>
+          <p:nvPr/>
+        </p:nvCxnSpPr>
+        <p:spPr>
+          <a:xfrm flipH="1">
+            <a:off x="4650404" y="2757811"/>
+            <a:ext cx="1" cy="280373"/>
+          </a:xfrm>
+          <a:prstGeom prst="straightConnector1">
+            <a:avLst/>
+          </a:prstGeom>
+          <a:ln>
+            <a:solidFill>
+              <a:srgbClr val="000000"/>
+            </a:solidFill>
+            <a:tailEnd type="arrow"/>
+          </a:ln>
+        </p:spPr>
+        <p:style>
+          <a:lnRef idx="2">
+            <a:schemeClr val="accent1"/>
+          </a:lnRef>
+          <a:fillRef idx="0">
+            <a:schemeClr val="accent1"/>
+          </a:fillRef>
+          <a:effectRef idx="1">
+            <a:schemeClr val="accent1"/>
+          </a:effectRef>
+          <a:fontRef idx="minor">
+            <a:schemeClr val="tx1"/>
+          </a:fontRef>
+        </p:style>
+      </p:cxnSp>
+      <p:cxnSp>
+        <p:nvCxnSpPr>
+          <p:cNvPr id="66" name="直線矢印コネクタ 65"/>
+          <p:cNvCxnSpPr>
+            <a:stCxn id="11" idx="2"/>
+            <a:endCxn id="9" idx="0"/>
+          </p:cNvCxnSpPr>
+          <p:nvPr/>
+        </p:nvCxnSpPr>
+        <p:spPr>
+          <a:xfrm>
+            <a:off x="4650404" y="3720167"/>
+            <a:ext cx="11760" cy="336474"/>
+          </a:xfrm>
+          <a:prstGeom prst="straightConnector1">
+            <a:avLst/>
+          </a:prstGeom>
+          <a:ln>
+            <a:solidFill>
+              <a:srgbClr val="000000"/>
+            </a:solidFill>
+            <a:tailEnd type="arrow"/>
+          </a:ln>
+        </p:spPr>
+        <p:style>
+          <a:lnRef idx="2">
+            <a:schemeClr val="accent1"/>
+          </a:lnRef>
+          <a:fillRef idx="0">
+            <a:schemeClr val="accent1"/>
+          </a:fillRef>
+          <a:effectRef idx="1">
+            <a:schemeClr val="accent1"/>
+          </a:effectRef>
+          <a:fontRef idx="minor">
+            <a:schemeClr val="tx1"/>
+          </a:fontRef>
+        </p:style>
+      </p:cxnSp>
+      <p:cxnSp>
+        <p:nvCxnSpPr>
+          <p:cNvPr id="69" name="直線矢印コネクタ 68"/>
+          <p:cNvCxnSpPr>
+            <a:stCxn id="9" idx="2"/>
+            <a:endCxn id="13" idx="0"/>
+          </p:cNvCxnSpPr>
+          <p:nvPr/>
+        </p:nvCxnSpPr>
+        <p:spPr>
+          <a:xfrm>
+            <a:off x="4662164" y="4409389"/>
+            <a:ext cx="0" cy="322440"/>
+          </a:xfrm>
+          <a:prstGeom prst="straightConnector1">
+            <a:avLst/>
+          </a:prstGeom>
+          <a:ln>
+            <a:solidFill>
+              <a:srgbClr val="000000"/>
+            </a:solidFill>
+            <a:tailEnd type="arrow"/>
+          </a:ln>
+        </p:spPr>
+        <p:style>
+          <a:lnRef idx="2">
+            <a:schemeClr val="accent1"/>
+          </a:lnRef>
+          <a:fillRef idx="0">
+            <a:schemeClr val="accent1"/>
+          </a:fillRef>
+          <a:effectRef idx="1">
+            <a:schemeClr val="accent1"/>
+          </a:effectRef>
+          <a:fontRef idx="minor">
+            <a:schemeClr val="tx1"/>
+          </a:fontRef>
+        </p:style>
+      </p:cxnSp>
+      <p:cxnSp>
+        <p:nvCxnSpPr>
+          <p:cNvPr id="40" name="直線矢印コネクタ 39"/>
+          <p:cNvCxnSpPr>
+            <a:stCxn id="13" idx="2"/>
             <a:endCxn id="10" idx="0"/>
           </p:cNvCxnSpPr>
           <p:nvPr/>
         </p:nvCxnSpPr>
         <p:spPr>
           <a:xfrm>
-            <a:off x="5653848" y="5354515"/>
-            <a:ext cx="1334636" cy="470360"/>
-          </a:xfrm>
-          <a:prstGeom prst="bentConnector2">
+            <a:off x="4662164" y="5084577"/>
+            <a:ext cx="1889" cy="394767"/>
+          </a:xfrm>
+          <a:prstGeom prst="straightConnector1">
             <a:avLst/>
           </a:prstGeom>
           <a:ln>
@@ -6497,7 +6856,7 @@
     </p:spTree>
     <p:extLst>
       <p:ext uri="{BB962C8B-B14F-4D97-AF65-F5344CB8AC3E}">
-        <p14:creationId xmlns:p14="http://schemas.microsoft.com/office/powerpoint/2010/main" val="2466178541"/>
+        <p14:creationId xmlns:p14="http://schemas.microsoft.com/office/powerpoint/2010/main" val="2417370493"/>
       </p:ext>
     </p:extLst>
   </p:cSld>
@@ -6526,6 +6885,58 @@
       </p:grpSpPr>
       <p:sp>
         <p:nvSpPr>
+          <p:cNvPr id="78" name="角丸四角形 77"/>
+          <p:cNvSpPr/>
+          <p:nvPr/>
+        </p:nvSpPr>
+        <p:spPr>
+          <a:xfrm>
+            <a:off x="2347415" y="3342847"/>
+            <a:ext cx="4590772" cy="2498720"/>
+          </a:xfrm>
+          <a:prstGeom prst="roundRect">
+            <a:avLst/>
+          </a:prstGeom>
+          <a:solidFill>
+            <a:schemeClr val="accent6">
+              <a:lumMod val="20000"/>
+              <a:lumOff val="80000"/>
+            </a:schemeClr>
+          </a:solidFill>
+          <a:ln>
+            <a:solidFill>
+              <a:schemeClr val="accent6">
+                <a:lumMod val="50000"/>
+              </a:schemeClr>
+            </a:solidFill>
+            <a:prstDash val="dash"/>
+          </a:ln>
+        </p:spPr>
+        <p:style>
+          <a:lnRef idx="1">
+            <a:schemeClr val="accent1"/>
+          </a:lnRef>
+          <a:fillRef idx="3">
+            <a:schemeClr val="accent1"/>
+          </a:fillRef>
+          <a:effectRef idx="2">
+            <a:schemeClr val="accent1"/>
+          </a:effectRef>
+          <a:fontRef idx="minor">
+            <a:schemeClr val="lt1"/>
+          </a:fontRef>
+        </p:style>
+        <p:txBody>
+          <a:bodyPr rtlCol="0" anchor="ctr"/>
+          <a:lstStyle/>
+          <a:p>
+            <a:pPr algn="ctr"/>
+            <a:endParaRPr kumimoji="1" lang="ja-JP" altLang="en-US"/>
+          </a:p>
+        </p:txBody>
+      </p:sp>
+      <p:sp>
+        <p:nvSpPr>
           <p:cNvPr id="2" name="タイトル 1"/>
           <p:cNvSpPr>
             <a:spLocks noGrp="1"/>
@@ -6534,26 +6945,25 @@
             <p:ph type="title"/>
           </p:nvPr>
         </p:nvSpPr>
-        <p:spPr/>
-        <p:txBody>
-          <a:bodyPr/>
+        <p:spPr>
+          <a:xfrm>
+            <a:off x="457200" y="274639"/>
+            <a:ext cx="8229600" cy="489648"/>
+          </a:xfrm>
+        </p:spPr>
+        <p:txBody>
+          <a:bodyPr>
+            <a:normAutofit fontScale="90000"/>
+          </a:bodyPr>
           <a:lstStyle/>
           <a:p>
             <a:r>
               <a:rPr kumimoji="1" lang="ja-JP" altLang="en-US" dirty="0" smtClean="0"/>
-              <a:t>クラス図</a:t>
+              <a:t>フローチャート</a:t>
             </a:r>
             <a:r>
               <a:rPr kumimoji="1" lang="en-US" altLang="ja-JP" dirty="0" smtClean="0"/>
-              <a:t>(</a:t>
-            </a:r>
-            <a:r>
-              <a:rPr kumimoji="1" lang="ja-JP" altLang="en-US" dirty="0" smtClean="0"/>
-              <a:t>作成中</a:t>
-            </a:r>
-            <a:r>
-              <a:rPr kumimoji="1" lang="en-US" altLang="ja-JP" dirty="0" smtClean="0"/>
-              <a:t>)</a:t>
+              <a:t>(Final)</a:t>
             </a:r>
             <a:endParaRPr kumimoji="1" lang="ja-JP" altLang="en-US" dirty="0"/>
           </a:p>
@@ -6561,13 +6971,1780 @@
       </p:sp>
       <p:sp>
         <p:nvSpPr>
-          <p:cNvPr id="3" name="正方形/長方形 2"/>
+          <p:cNvPr id="4" name="角丸四角形 3"/>
           <p:cNvSpPr/>
           <p:nvPr/>
         </p:nvSpPr>
         <p:spPr>
           <a:xfrm>
-            <a:off x="4066400" y="1893079"/>
+            <a:off x="7332023" y="951608"/>
+            <a:ext cx="1681520" cy="271355"/>
+          </a:xfrm>
+          <a:prstGeom prst="roundRect">
+            <a:avLst/>
+          </a:prstGeom>
+          <a:solidFill>
+            <a:srgbClr val="FFFFFF"/>
+          </a:solidFill>
+          <a:ln>
+            <a:solidFill>
+              <a:srgbClr val="000000"/>
+            </a:solidFill>
+          </a:ln>
+        </p:spPr>
+        <p:style>
+          <a:lnRef idx="1">
+            <a:schemeClr val="accent1"/>
+          </a:lnRef>
+          <a:fillRef idx="3">
+            <a:schemeClr val="accent1"/>
+          </a:fillRef>
+          <a:effectRef idx="2">
+            <a:schemeClr val="accent1"/>
+          </a:effectRef>
+          <a:fontRef idx="minor">
+            <a:schemeClr val="lt1"/>
+          </a:fontRef>
+        </p:style>
+        <p:txBody>
+          <a:bodyPr rtlCol="0" anchor="ctr"/>
+          <a:lstStyle/>
+          <a:p>
+            <a:pPr algn="ctr"/>
+            <a:r>
+              <a:rPr kumimoji="1" lang="ja-JP" altLang="en-US" sz="1400" dirty="0" smtClean="0">
+                <a:solidFill>
+                  <a:srgbClr val="000000"/>
+                </a:solidFill>
+              </a:rPr>
+              <a:t>開始</a:t>
+            </a:r>
+            <a:endParaRPr kumimoji="1" lang="ja-JP" altLang="en-US" sz="1400" dirty="0">
+              <a:solidFill>
+                <a:srgbClr val="000000"/>
+              </a:solidFill>
+            </a:endParaRPr>
+          </a:p>
+        </p:txBody>
+      </p:sp>
+      <p:sp>
+        <p:nvSpPr>
+          <p:cNvPr id="5" name="角丸四角形 4"/>
+          <p:cNvSpPr/>
+          <p:nvPr/>
+        </p:nvSpPr>
+        <p:spPr>
+          <a:xfrm>
+            <a:off x="7332023" y="5444588"/>
+            <a:ext cx="1681520" cy="271355"/>
+          </a:xfrm>
+          <a:prstGeom prst="roundRect">
+            <a:avLst/>
+          </a:prstGeom>
+          <a:solidFill>
+            <a:srgbClr val="FFFFFF"/>
+          </a:solidFill>
+          <a:ln>
+            <a:solidFill>
+              <a:srgbClr val="000000"/>
+            </a:solidFill>
+          </a:ln>
+        </p:spPr>
+        <p:style>
+          <a:lnRef idx="1">
+            <a:schemeClr val="accent1"/>
+          </a:lnRef>
+          <a:fillRef idx="3">
+            <a:schemeClr val="accent1"/>
+          </a:fillRef>
+          <a:effectRef idx="2">
+            <a:schemeClr val="accent1"/>
+          </a:effectRef>
+          <a:fontRef idx="minor">
+            <a:schemeClr val="lt1"/>
+          </a:fontRef>
+        </p:style>
+        <p:txBody>
+          <a:bodyPr rtlCol="0" anchor="ctr"/>
+          <a:lstStyle/>
+          <a:p>
+            <a:pPr algn="ctr"/>
+            <a:r>
+              <a:rPr kumimoji="1" lang="ja-JP" altLang="en-US" sz="1400" dirty="0" smtClean="0">
+                <a:solidFill>
+                  <a:srgbClr val="000000"/>
+                </a:solidFill>
+              </a:rPr>
+              <a:t>終了</a:t>
+            </a:r>
+            <a:endParaRPr kumimoji="1" lang="ja-JP" altLang="en-US" sz="1400" dirty="0">
+              <a:solidFill>
+                <a:srgbClr val="000000"/>
+              </a:solidFill>
+            </a:endParaRPr>
+          </a:p>
+        </p:txBody>
+      </p:sp>
+      <p:sp>
+        <p:nvSpPr>
+          <p:cNvPr id="6" name="正方形/長方形 5"/>
+          <p:cNvSpPr/>
+          <p:nvPr/>
+        </p:nvSpPr>
+        <p:spPr>
+          <a:xfrm>
+            <a:off x="2692550" y="2159955"/>
+            <a:ext cx="3915709" cy="324895"/>
+          </a:xfrm>
+          <a:prstGeom prst="rect">
+            <a:avLst/>
+          </a:prstGeom>
+          <a:solidFill>
+            <a:schemeClr val="accent1">
+              <a:lumMod val="20000"/>
+              <a:lumOff val="80000"/>
+            </a:schemeClr>
+          </a:solidFill>
+          <a:ln>
+            <a:solidFill>
+              <a:srgbClr val="000000"/>
+            </a:solidFill>
+          </a:ln>
+        </p:spPr>
+        <p:style>
+          <a:lnRef idx="1">
+            <a:schemeClr val="accent1"/>
+          </a:lnRef>
+          <a:fillRef idx="3">
+            <a:schemeClr val="accent1"/>
+          </a:fillRef>
+          <a:effectRef idx="2">
+            <a:schemeClr val="accent1"/>
+          </a:effectRef>
+          <a:fontRef idx="minor">
+            <a:schemeClr val="lt1"/>
+          </a:fontRef>
+        </p:style>
+        <p:txBody>
+          <a:bodyPr rtlCol="0" anchor="ctr"/>
+          <a:lstStyle/>
+          <a:p>
+            <a:pPr algn="ctr"/>
+            <a:r>
+              <a:rPr kumimoji="1" lang="ja-JP" altLang="en-US" sz="1400" dirty="0" smtClean="0">
+                <a:solidFill>
+                  <a:srgbClr val="000000"/>
+                </a:solidFill>
+              </a:rPr>
+              <a:t>トランプからカードを一枚引く（カード</a:t>
+            </a:r>
+            <a:r>
+              <a:rPr kumimoji="1" lang="en-US" altLang="ja-JP" sz="1400" dirty="0" smtClean="0">
+                <a:solidFill>
+                  <a:srgbClr val="000000"/>
+                </a:solidFill>
+              </a:rPr>
+              <a:t>A)</a:t>
+            </a:r>
+            <a:endParaRPr kumimoji="1" lang="ja-JP" altLang="en-US" sz="1400" dirty="0">
+              <a:solidFill>
+                <a:srgbClr val="000000"/>
+              </a:solidFill>
+            </a:endParaRPr>
+          </a:p>
+        </p:txBody>
+      </p:sp>
+      <p:sp>
+        <p:nvSpPr>
+          <p:cNvPr id="8" name="正方形/長方形 7"/>
+          <p:cNvSpPr/>
+          <p:nvPr/>
+        </p:nvSpPr>
+        <p:spPr>
+          <a:xfrm>
+            <a:off x="3129518" y="939753"/>
+            <a:ext cx="3045551" cy="324895"/>
+          </a:xfrm>
+          <a:prstGeom prst="rect">
+            <a:avLst/>
+          </a:prstGeom>
+          <a:solidFill>
+            <a:schemeClr val="accent1">
+              <a:lumMod val="20000"/>
+              <a:lumOff val="80000"/>
+            </a:schemeClr>
+          </a:solidFill>
+          <a:ln>
+            <a:solidFill>
+              <a:srgbClr val="000000"/>
+            </a:solidFill>
+          </a:ln>
+        </p:spPr>
+        <p:style>
+          <a:lnRef idx="1">
+            <a:schemeClr val="accent1"/>
+          </a:lnRef>
+          <a:fillRef idx="3">
+            <a:schemeClr val="accent1"/>
+          </a:fillRef>
+          <a:effectRef idx="2">
+            <a:schemeClr val="accent1"/>
+          </a:effectRef>
+          <a:fontRef idx="minor">
+            <a:schemeClr val="lt1"/>
+          </a:fontRef>
+        </p:style>
+        <p:txBody>
+          <a:bodyPr rtlCol="0" anchor="ctr"/>
+          <a:lstStyle/>
+          <a:p>
+            <a:pPr algn="ctr"/>
+            <a:r>
+              <a:rPr kumimoji="1" lang="ja-JP" altLang="en-US" sz="1400" dirty="0" smtClean="0">
+                <a:solidFill>
+                  <a:srgbClr val="000000"/>
+                </a:solidFill>
+              </a:rPr>
+              <a:t>トランプをシャッフルする</a:t>
+            </a:r>
+            <a:endParaRPr kumimoji="1" lang="ja-JP" altLang="en-US" sz="1400" dirty="0">
+              <a:solidFill>
+                <a:srgbClr val="000000"/>
+              </a:solidFill>
+            </a:endParaRPr>
+          </a:p>
+        </p:txBody>
+      </p:sp>
+      <p:sp>
+        <p:nvSpPr>
+          <p:cNvPr id="9" name="正方形/長方形 8"/>
+          <p:cNvSpPr/>
+          <p:nvPr/>
+        </p:nvSpPr>
+        <p:spPr>
+          <a:xfrm>
+            <a:off x="2704309" y="3375596"/>
+            <a:ext cx="3915709" cy="324895"/>
+          </a:xfrm>
+          <a:prstGeom prst="rect">
+            <a:avLst/>
+          </a:prstGeom>
+          <a:solidFill>
+            <a:schemeClr val="accent1">
+              <a:lumMod val="20000"/>
+              <a:lumOff val="80000"/>
+            </a:schemeClr>
+          </a:solidFill>
+          <a:ln>
+            <a:solidFill>
+              <a:srgbClr val="000000"/>
+            </a:solidFill>
+          </a:ln>
+        </p:spPr>
+        <p:style>
+          <a:lnRef idx="1">
+            <a:schemeClr val="accent1"/>
+          </a:lnRef>
+          <a:fillRef idx="3">
+            <a:schemeClr val="accent1"/>
+          </a:fillRef>
+          <a:effectRef idx="2">
+            <a:schemeClr val="accent1"/>
+          </a:effectRef>
+          <a:fontRef idx="minor">
+            <a:schemeClr val="lt1"/>
+          </a:fontRef>
+        </p:style>
+        <p:txBody>
+          <a:bodyPr rtlCol="0" anchor="ctr"/>
+          <a:lstStyle/>
+          <a:p>
+            <a:pPr algn="ctr"/>
+            <a:r>
+              <a:rPr kumimoji="1" lang="ja-JP" altLang="en-US" sz="1400" dirty="0" smtClean="0">
+                <a:solidFill>
+                  <a:srgbClr val="000000"/>
+                </a:solidFill>
+              </a:rPr>
+              <a:t>トランプからカードを一枚引く</a:t>
+            </a:r>
+            <a:r>
+              <a:rPr kumimoji="1" lang="en-US" altLang="ja-JP" sz="1400" dirty="0" smtClean="0">
+                <a:solidFill>
+                  <a:srgbClr val="000000"/>
+                </a:solidFill>
+              </a:rPr>
+              <a:t>( </a:t>
+            </a:r>
+            <a:r>
+              <a:rPr kumimoji="1" lang="ja-JP" altLang="en-US" sz="1400" dirty="0" smtClean="0">
+                <a:solidFill>
+                  <a:srgbClr val="000000"/>
+                </a:solidFill>
+              </a:rPr>
+              <a:t>カード</a:t>
+            </a:r>
+            <a:r>
+              <a:rPr kumimoji="1" lang="en-US" altLang="ja-JP" sz="1400" dirty="0" smtClean="0">
+                <a:solidFill>
+                  <a:srgbClr val="000000"/>
+                </a:solidFill>
+              </a:rPr>
+              <a:t>B)</a:t>
+            </a:r>
+            <a:endParaRPr kumimoji="1" lang="ja-JP" altLang="en-US" sz="1400" dirty="0">
+              <a:solidFill>
+                <a:srgbClr val="000000"/>
+              </a:solidFill>
+            </a:endParaRPr>
+          </a:p>
+        </p:txBody>
+      </p:sp>
+      <p:sp>
+        <p:nvSpPr>
+          <p:cNvPr id="10" name="フローチャート: 判断 9"/>
+          <p:cNvSpPr/>
+          <p:nvPr/>
+        </p:nvSpPr>
+        <p:spPr>
+          <a:xfrm>
+            <a:off x="2723837" y="5042608"/>
+            <a:ext cx="3880431" cy="470330"/>
+          </a:xfrm>
+          <a:prstGeom prst="flowChartDecision">
+            <a:avLst/>
+          </a:prstGeom>
+          <a:solidFill>
+            <a:srgbClr val="D7E4BD"/>
+          </a:solidFill>
+          <a:ln>
+            <a:solidFill>
+              <a:srgbClr val="000000"/>
+            </a:solidFill>
+          </a:ln>
+        </p:spPr>
+        <p:style>
+          <a:lnRef idx="1">
+            <a:schemeClr val="accent1"/>
+          </a:lnRef>
+          <a:fillRef idx="3">
+            <a:schemeClr val="accent1"/>
+          </a:fillRef>
+          <a:effectRef idx="2">
+            <a:schemeClr val="accent1"/>
+          </a:effectRef>
+          <a:fontRef idx="minor">
+            <a:schemeClr val="lt1"/>
+          </a:fontRef>
+        </p:style>
+        <p:txBody>
+          <a:bodyPr rtlCol="0" anchor="ctr"/>
+          <a:lstStyle/>
+          <a:p>
+            <a:pPr algn="ctr"/>
+            <a:r>
+              <a:rPr kumimoji="1" lang="en-US" altLang="ja-JP" sz="1400" dirty="0" smtClean="0">
+                <a:solidFill>
+                  <a:srgbClr val="000000"/>
+                </a:solidFill>
+              </a:rPr>
+              <a:t>DU</a:t>
+            </a:r>
+            <a:r>
+              <a:rPr kumimoji="1" lang="ja-JP" altLang="en-US" sz="1400" dirty="0" smtClean="0">
+                <a:solidFill>
+                  <a:srgbClr val="000000"/>
+                </a:solidFill>
+              </a:rPr>
+              <a:t>ゲーム継続</a:t>
+            </a:r>
+            <a:r>
+              <a:rPr kumimoji="1" lang="en-US" altLang="ja-JP" sz="1400" dirty="0" smtClean="0">
+                <a:solidFill>
+                  <a:srgbClr val="000000"/>
+                </a:solidFill>
+              </a:rPr>
+              <a:t>?</a:t>
+            </a:r>
+            <a:endParaRPr kumimoji="1" lang="ja-JP" altLang="en-US" sz="1400" dirty="0">
+              <a:solidFill>
+                <a:srgbClr val="000000"/>
+              </a:solidFill>
+            </a:endParaRPr>
+          </a:p>
+        </p:txBody>
+      </p:sp>
+      <p:sp>
+        <p:nvSpPr>
+          <p:cNvPr id="12" name="フローチャート: 判断 11"/>
+          <p:cNvSpPr/>
+          <p:nvPr/>
+        </p:nvSpPr>
+        <p:spPr>
+          <a:xfrm>
+            <a:off x="2723837" y="6293045"/>
+            <a:ext cx="3880431" cy="470330"/>
+          </a:xfrm>
+          <a:prstGeom prst="flowChartDecision">
+            <a:avLst/>
+          </a:prstGeom>
+          <a:solidFill>
+            <a:srgbClr val="D7E4BD"/>
+          </a:solidFill>
+          <a:ln>
+            <a:solidFill>
+              <a:srgbClr val="000000"/>
+            </a:solidFill>
+          </a:ln>
+        </p:spPr>
+        <p:style>
+          <a:lnRef idx="1">
+            <a:schemeClr val="accent1"/>
+          </a:lnRef>
+          <a:fillRef idx="3">
+            <a:schemeClr val="accent1"/>
+          </a:fillRef>
+          <a:effectRef idx="2">
+            <a:schemeClr val="accent1"/>
+          </a:effectRef>
+          <a:fontRef idx="minor">
+            <a:schemeClr val="lt1"/>
+          </a:fontRef>
+        </p:style>
+        <p:txBody>
+          <a:bodyPr rtlCol="0" anchor="ctr"/>
+          <a:lstStyle/>
+          <a:p>
+            <a:pPr algn="ctr"/>
+            <a:r>
+              <a:rPr kumimoji="1" lang="ja-JP" altLang="en-US" sz="1400" dirty="0" smtClean="0">
+                <a:solidFill>
+                  <a:srgbClr val="000000"/>
+                </a:solidFill>
+              </a:rPr>
+              <a:t>新しいゲームを開始</a:t>
+            </a:r>
+            <a:r>
+              <a:rPr kumimoji="1" lang="en-US" altLang="ja-JP" sz="1400" dirty="0" smtClean="0">
+                <a:solidFill>
+                  <a:srgbClr val="000000"/>
+                </a:solidFill>
+              </a:rPr>
+              <a:t>?</a:t>
+            </a:r>
+            <a:endParaRPr kumimoji="1" lang="ja-JP" altLang="en-US" sz="1400" dirty="0">
+              <a:solidFill>
+                <a:srgbClr val="000000"/>
+              </a:solidFill>
+            </a:endParaRPr>
+          </a:p>
+        </p:txBody>
+      </p:sp>
+      <p:sp>
+        <p:nvSpPr>
+          <p:cNvPr id="14" name="フローチャート: 判断 13"/>
+          <p:cNvSpPr/>
+          <p:nvPr/>
+        </p:nvSpPr>
+        <p:spPr>
+          <a:xfrm>
+            <a:off x="2706198" y="1459056"/>
+            <a:ext cx="3880431" cy="470330"/>
+          </a:xfrm>
+          <a:prstGeom prst="flowChartDecision">
+            <a:avLst/>
+          </a:prstGeom>
+          <a:solidFill>
+            <a:schemeClr val="accent3">
+              <a:lumMod val="40000"/>
+              <a:lumOff val="60000"/>
+            </a:schemeClr>
+          </a:solidFill>
+          <a:ln>
+            <a:solidFill>
+              <a:srgbClr val="000000"/>
+            </a:solidFill>
+          </a:ln>
+        </p:spPr>
+        <p:style>
+          <a:lnRef idx="1">
+            <a:schemeClr val="accent1"/>
+          </a:lnRef>
+          <a:fillRef idx="3">
+            <a:schemeClr val="accent1"/>
+          </a:fillRef>
+          <a:effectRef idx="2">
+            <a:schemeClr val="accent1"/>
+          </a:effectRef>
+          <a:fontRef idx="minor">
+            <a:schemeClr val="lt1"/>
+          </a:fontRef>
+        </p:style>
+        <p:txBody>
+          <a:bodyPr rtlCol="0" anchor="ctr"/>
+          <a:lstStyle/>
+          <a:p>
+            <a:pPr algn="ctr"/>
+            <a:r>
+              <a:rPr lang="ja-JP" altLang="en-US" sz="1400" dirty="0" smtClean="0">
+                <a:solidFill>
+                  <a:srgbClr val="000000"/>
+                </a:solidFill>
+              </a:rPr>
+              <a:t>チップを持っている</a:t>
+            </a:r>
+            <a:r>
+              <a:rPr kumimoji="1" lang="en-US" altLang="ja-JP" sz="1400" dirty="0" smtClean="0">
+                <a:solidFill>
+                  <a:srgbClr val="000000"/>
+                </a:solidFill>
+              </a:rPr>
+              <a:t>?</a:t>
+            </a:r>
+            <a:endParaRPr kumimoji="1" lang="ja-JP" altLang="en-US" sz="1400" dirty="0">
+              <a:solidFill>
+                <a:srgbClr val="000000"/>
+              </a:solidFill>
+            </a:endParaRPr>
+          </a:p>
+        </p:txBody>
+      </p:sp>
+      <p:cxnSp>
+        <p:nvCxnSpPr>
+          <p:cNvPr id="16" name="カギ線コネクタ 15"/>
+          <p:cNvCxnSpPr>
+            <a:stCxn id="14" idx="3"/>
+            <a:endCxn id="5" idx="0"/>
+          </p:cNvCxnSpPr>
+          <p:nvPr/>
+        </p:nvCxnSpPr>
+        <p:spPr>
+          <a:xfrm>
+            <a:off x="6586629" y="1694221"/>
+            <a:ext cx="1586154" cy="3750367"/>
+          </a:xfrm>
+          <a:prstGeom prst="bentConnector2">
+            <a:avLst/>
+          </a:prstGeom>
+          <a:ln>
+            <a:solidFill>
+              <a:srgbClr val="000000"/>
+            </a:solidFill>
+            <a:tailEnd type="arrow"/>
+          </a:ln>
+        </p:spPr>
+        <p:style>
+          <a:lnRef idx="2">
+            <a:schemeClr val="accent1"/>
+          </a:lnRef>
+          <a:fillRef idx="0">
+            <a:schemeClr val="accent1"/>
+          </a:fillRef>
+          <a:effectRef idx="1">
+            <a:schemeClr val="accent1"/>
+          </a:effectRef>
+          <a:fontRef idx="minor">
+            <a:schemeClr val="tx1"/>
+          </a:fontRef>
+        </p:style>
+      </p:cxnSp>
+      <p:cxnSp>
+        <p:nvCxnSpPr>
+          <p:cNvPr id="17" name="カギ線コネクタ 16"/>
+          <p:cNvCxnSpPr>
+            <a:stCxn id="12" idx="1"/>
+            <a:endCxn id="8" idx="1"/>
+          </p:cNvCxnSpPr>
+          <p:nvPr/>
+        </p:nvCxnSpPr>
+        <p:spPr>
+          <a:xfrm rot="10800000" flipH="1">
+            <a:off x="2723836" y="1102202"/>
+            <a:ext cx="405681" cy="5426009"/>
+          </a:xfrm>
+          <a:prstGeom prst="bentConnector3">
+            <a:avLst>
+              <a:gd name="adj1" fmla="val -355760"/>
+            </a:avLst>
+          </a:prstGeom>
+          <a:ln>
+            <a:solidFill>
+              <a:srgbClr val="000000"/>
+            </a:solidFill>
+            <a:tailEnd type="arrow"/>
+          </a:ln>
+        </p:spPr>
+        <p:style>
+          <a:lnRef idx="2">
+            <a:schemeClr val="accent1"/>
+          </a:lnRef>
+          <a:fillRef idx="0">
+            <a:schemeClr val="accent1"/>
+          </a:fillRef>
+          <a:effectRef idx="1">
+            <a:schemeClr val="accent1"/>
+          </a:effectRef>
+          <a:fontRef idx="minor">
+            <a:schemeClr val="tx1"/>
+          </a:fontRef>
+        </p:style>
+      </p:cxnSp>
+      <p:cxnSp>
+        <p:nvCxnSpPr>
+          <p:cNvPr id="21" name="直線矢印コネクタ 20"/>
+          <p:cNvCxnSpPr>
+            <a:stCxn id="4" idx="1"/>
+            <a:endCxn id="8" idx="3"/>
+          </p:cNvCxnSpPr>
+          <p:nvPr/>
+        </p:nvCxnSpPr>
+        <p:spPr>
+          <a:xfrm flipH="1">
+            <a:off x="6175069" y="1087286"/>
+            <a:ext cx="1156954" cy="14915"/>
+          </a:xfrm>
+          <a:prstGeom prst="straightConnector1">
+            <a:avLst/>
+          </a:prstGeom>
+          <a:ln>
+            <a:solidFill>
+              <a:srgbClr val="000000"/>
+            </a:solidFill>
+            <a:tailEnd type="arrow"/>
+          </a:ln>
+        </p:spPr>
+        <p:style>
+          <a:lnRef idx="2">
+            <a:schemeClr val="accent1"/>
+          </a:lnRef>
+          <a:fillRef idx="0">
+            <a:schemeClr val="accent1"/>
+          </a:fillRef>
+          <a:effectRef idx="1">
+            <a:schemeClr val="accent1"/>
+          </a:effectRef>
+          <a:fontRef idx="minor">
+            <a:schemeClr val="tx1"/>
+          </a:fontRef>
+        </p:style>
+      </p:cxnSp>
+      <p:cxnSp>
+        <p:nvCxnSpPr>
+          <p:cNvPr id="25" name="直線矢印コネクタ 24"/>
+          <p:cNvCxnSpPr>
+            <a:stCxn id="14" idx="2"/>
+            <a:endCxn id="6" idx="0"/>
+          </p:cNvCxnSpPr>
+          <p:nvPr/>
+        </p:nvCxnSpPr>
+        <p:spPr>
+          <a:xfrm>
+            <a:off x="4646414" y="1929386"/>
+            <a:ext cx="3991" cy="230569"/>
+          </a:xfrm>
+          <a:prstGeom prst="straightConnector1">
+            <a:avLst/>
+          </a:prstGeom>
+          <a:ln>
+            <a:solidFill>
+              <a:srgbClr val="000000"/>
+            </a:solidFill>
+            <a:tailEnd type="arrow"/>
+          </a:ln>
+        </p:spPr>
+        <p:style>
+          <a:lnRef idx="2">
+            <a:schemeClr val="accent1"/>
+          </a:lnRef>
+          <a:fillRef idx="0">
+            <a:schemeClr val="accent1"/>
+          </a:fillRef>
+          <a:effectRef idx="1">
+            <a:schemeClr val="accent1"/>
+          </a:effectRef>
+          <a:fontRef idx="minor">
+            <a:schemeClr val="tx1"/>
+          </a:fontRef>
+        </p:style>
+      </p:cxnSp>
+      <p:cxnSp>
+        <p:nvCxnSpPr>
+          <p:cNvPr id="39" name="カギ線コネクタ 38"/>
+          <p:cNvCxnSpPr>
+            <a:stCxn id="10" idx="1"/>
+            <a:endCxn id="26" idx="1"/>
+          </p:cNvCxnSpPr>
+          <p:nvPr/>
+        </p:nvCxnSpPr>
+        <p:spPr>
+          <a:xfrm rot="10800000">
+            <a:off x="2713637" y="2907631"/>
+            <a:ext cx="10201" cy="2370143"/>
+          </a:xfrm>
+          <a:prstGeom prst="bentConnector3">
+            <a:avLst>
+              <a:gd name="adj1" fmla="val 7424919"/>
+            </a:avLst>
+          </a:prstGeom>
+          <a:ln>
+            <a:solidFill>
+              <a:srgbClr val="000000"/>
+            </a:solidFill>
+            <a:tailEnd type="arrow"/>
+          </a:ln>
+        </p:spPr>
+        <p:style>
+          <a:lnRef idx="2">
+            <a:schemeClr val="accent1"/>
+          </a:lnRef>
+          <a:fillRef idx="0">
+            <a:schemeClr val="accent1"/>
+          </a:fillRef>
+          <a:effectRef idx="1">
+            <a:schemeClr val="accent1"/>
+          </a:effectRef>
+          <a:fontRef idx="minor">
+            <a:schemeClr val="tx1"/>
+          </a:fontRef>
+        </p:style>
+      </p:cxnSp>
+      <p:cxnSp>
+        <p:nvCxnSpPr>
+          <p:cNvPr id="44" name="カギ線コネクタ 43"/>
+          <p:cNvCxnSpPr>
+            <a:stCxn id="12" idx="3"/>
+            <a:endCxn id="5" idx="2"/>
+          </p:cNvCxnSpPr>
+          <p:nvPr/>
+        </p:nvCxnSpPr>
+        <p:spPr>
+          <a:xfrm flipV="1">
+            <a:off x="6604268" y="5715943"/>
+            <a:ext cx="1568515" cy="812267"/>
+          </a:xfrm>
+          <a:prstGeom prst="bentConnector2">
+            <a:avLst/>
+          </a:prstGeom>
+          <a:ln>
+            <a:solidFill>
+              <a:srgbClr val="000000"/>
+            </a:solidFill>
+            <a:tailEnd type="arrow"/>
+          </a:ln>
+        </p:spPr>
+        <p:style>
+          <a:lnRef idx="2">
+            <a:schemeClr val="accent1"/>
+          </a:lnRef>
+          <a:fillRef idx="0">
+            <a:schemeClr val="accent1"/>
+          </a:fillRef>
+          <a:effectRef idx="1">
+            <a:schemeClr val="accent1"/>
+          </a:effectRef>
+          <a:fontRef idx="minor">
+            <a:schemeClr val="tx1"/>
+          </a:fontRef>
+        </p:style>
+      </p:cxnSp>
+      <p:cxnSp>
+        <p:nvCxnSpPr>
+          <p:cNvPr id="49" name="直線矢印コネクタ 48"/>
+          <p:cNvCxnSpPr>
+            <a:stCxn id="10" idx="2"/>
+            <a:endCxn id="93" idx="0"/>
+          </p:cNvCxnSpPr>
+          <p:nvPr/>
+        </p:nvCxnSpPr>
+        <p:spPr>
+          <a:xfrm flipH="1">
+            <a:off x="4652294" y="5512938"/>
+            <a:ext cx="11759" cy="192417"/>
+          </a:xfrm>
+          <a:prstGeom prst="straightConnector1">
+            <a:avLst/>
+          </a:prstGeom>
+          <a:ln>
+            <a:solidFill>
+              <a:srgbClr val="000000"/>
+            </a:solidFill>
+            <a:tailEnd type="arrow"/>
+          </a:ln>
+        </p:spPr>
+        <p:style>
+          <a:lnRef idx="2">
+            <a:schemeClr val="accent1"/>
+          </a:lnRef>
+          <a:fillRef idx="0">
+            <a:schemeClr val="accent1"/>
+          </a:fillRef>
+          <a:effectRef idx="1">
+            <a:schemeClr val="accent1"/>
+          </a:effectRef>
+          <a:fontRef idx="minor">
+            <a:schemeClr val="tx1"/>
+          </a:fontRef>
+        </p:style>
+      </p:cxnSp>
+      <p:cxnSp>
+        <p:nvCxnSpPr>
+          <p:cNvPr id="57" name="直線矢印コネクタ 56"/>
+          <p:cNvCxnSpPr>
+            <a:stCxn id="8" idx="2"/>
+            <a:endCxn id="14" idx="0"/>
+          </p:cNvCxnSpPr>
+          <p:nvPr/>
+        </p:nvCxnSpPr>
+        <p:spPr>
+          <a:xfrm flipH="1">
+            <a:off x="4646414" y="1264648"/>
+            <a:ext cx="5880" cy="194408"/>
+          </a:xfrm>
+          <a:prstGeom prst="straightConnector1">
+            <a:avLst/>
+          </a:prstGeom>
+          <a:ln>
+            <a:solidFill>
+              <a:srgbClr val="000000"/>
+            </a:solidFill>
+            <a:tailEnd type="arrow"/>
+          </a:ln>
+        </p:spPr>
+        <p:style>
+          <a:lnRef idx="2">
+            <a:schemeClr val="accent1"/>
+          </a:lnRef>
+          <a:fillRef idx="0">
+            <a:schemeClr val="accent1"/>
+          </a:fillRef>
+          <a:effectRef idx="1">
+            <a:schemeClr val="accent1"/>
+          </a:effectRef>
+          <a:fontRef idx="minor">
+            <a:schemeClr val="tx1"/>
+          </a:fontRef>
+        </p:style>
+      </p:cxnSp>
+      <p:cxnSp>
+        <p:nvCxnSpPr>
+          <p:cNvPr id="61" name="直線矢印コネクタ 60"/>
+          <p:cNvCxnSpPr>
+            <a:stCxn id="6" idx="2"/>
+            <a:endCxn id="26" idx="0"/>
+          </p:cNvCxnSpPr>
+          <p:nvPr/>
+        </p:nvCxnSpPr>
+        <p:spPr>
+          <a:xfrm>
+            <a:off x="4650405" y="2484850"/>
+            <a:ext cx="3447" cy="187615"/>
+          </a:xfrm>
+          <a:prstGeom prst="straightConnector1">
+            <a:avLst/>
+          </a:prstGeom>
+          <a:ln>
+            <a:solidFill>
+              <a:srgbClr val="000000"/>
+            </a:solidFill>
+            <a:tailEnd type="arrow"/>
+          </a:ln>
+        </p:spPr>
+        <p:style>
+          <a:lnRef idx="2">
+            <a:schemeClr val="accent1"/>
+          </a:lnRef>
+          <a:fillRef idx="0">
+            <a:schemeClr val="accent1"/>
+          </a:fillRef>
+          <a:effectRef idx="1">
+            <a:schemeClr val="accent1"/>
+          </a:effectRef>
+          <a:fontRef idx="minor">
+            <a:schemeClr val="tx1"/>
+          </a:fontRef>
+        </p:style>
+      </p:cxnSp>
+      <p:cxnSp>
+        <p:nvCxnSpPr>
+          <p:cNvPr id="66" name="直線矢印コネクタ 65"/>
+          <p:cNvCxnSpPr>
+            <a:stCxn id="26" idx="2"/>
+            <a:endCxn id="9" idx="0"/>
+          </p:cNvCxnSpPr>
+          <p:nvPr/>
+        </p:nvCxnSpPr>
+        <p:spPr>
+          <a:xfrm>
+            <a:off x="4653852" y="3142795"/>
+            <a:ext cx="8312" cy="232801"/>
+          </a:xfrm>
+          <a:prstGeom prst="straightConnector1">
+            <a:avLst/>
+          </a:prstGeom>
+          <a:ln>
+            <a:solidFill>
+              <a:srgbClr val="000000"/>
+            </a:solidFill>
+            <a:tailEnd type="arrow"/>
+          </a:ln>
+        </p:spPr>
+        <p:style>
+          <a:lnRef idx="2">
+            <a:schemeClr val="accent1"/>
+          </a:lnRef>
+          <a:fillRef idx="0">
+            <a:schemeClr val="accent1"/>
+          </a:fillRef>
+          <a:effectRef idx="1">
+            <a:schemeClr val="accent1"/>
+          </a:effectRef>
+          <a:fontRef idx="minor">
+            <a:schemeClr val="tx1"/>
+          </a:fontRef>
+        </p:style>
+      </p:cxnSp>
+      <p:cxnSp>
+        <p:nvCxnSpPr>
+          <p:cNvPr id="69" name="直線矢印コネクタ 68"/>
+          <p:cNvCxnSpPr>
+            <a:stCxn id="9" idx="2"/>
+            <a:endCxn id="41" idx="0"/>
+          </p:cNvCxnSpPr>
+          <p:nvPr/>
+        </p:nvCxnSpPr>
+        <p:spPr>
+          <a:xfrm>
+            <a:off x="4662164" y="3700491"/>
+            <a:ext cx="1889" cy="196867"/>
+          </a:xfrm>
+          <a:prstGeom prst="straightConnector1">
+            <a:avLst/>
+          </a:prstGeom>
+          <a:ln>
+            <a:solidFill>
+              <a:srgbClr val="000000"/>
+            </a:solidFill>
+            <a:tailEnd type="arrow"/>
+          </a:ln>
+        </p:spPr>
+        <p:style>
+          <a:lnRef idx="2">
+            <a:schemeClr val="accent1"/>
+          </a:lnRef>
+          <a:fillRef idx="0">
+            <a:schemeClr val="accent1"/>
+          </a:fillRef>
+          <a:effectRef idx="1">
+            <a:schemeClr val="accent1"/>
+          </a:effectRef>
+          <a:fontRef idx="minor">
+            <a:schemeClr val="tx1"/>
+          </a:fontRef>
+        </p:style>
+      </p:cxnSp>
+      <p:cxnSp>
+        <p:nvCxnSpPr>
+          <p:cNvPr id="40" name="直線矢印コネクタ 39"/>
+          <p:cNvCxnSpPr>
+            <a:stCxn id="29" idx="2"/>
+            <a:endCxn id="10" idx="0"/>
+          </p:cNvCxnSpPr>
+          <p:nvPr/>
+        </p:nvCxnSpPr>
+        <p:spPr>
+          <a:xfrm flipH="1">
+            <a:off x="4664053" y="4841875"/>
+            <a:ext cx="3990" cy="200733"/>
+          </a:xfrm>
+          <a:prstGeom prst="straightConnector1">
+            <a:avLst/>
+          </a:prstGeom>
+          <a:ln>
+            <a:solidFill>
+              <a:srgbClr val="000000"/>
+            </a:solidFill>
+            <a:tailEnd type="arrow"/>
+          </a:ln>
+        </p:spPr>
+        <p:style>
+          <a:lnRef idx="2">
+            <a:schemeClr val="accent1"/>
+          </a:lnRef>
+          <a:fillRef idx="0">
+            <a:schemeClr val="accent1"/>
+          </a:fillRef>
+          <a:effectRef idx="1">
+            <a:schemeClr val="accent1"/>
+          </a:effectRef>
+          <a:fontRef idx="minor">
+            <a:schemeClr val="tx1"/>
+          </a:fontRef>
+        </p:style>
+      </p:cxnSp>
+      <p:sp>
+        <p:nvSpPr>
+          <p:cNvPr id="26" name="フローチャート: 判断 25"/>
+          <p:cNvSpPr/>
+          <p:nvPr/>
+        </p:nvSpPr>
+        <p:spPr>
+          <a:xfrm>
+            <a:off x="2713636" y="2672465"/>
+            <a:ext cx="3880431" cy="470330"/>
+          </a:xfrm>
+          <a:prstGeom prst="flowChartDecision">
+            <a:avLst/>
+          </a:prstGeom>
+          <a:solidFill>
+            <a:srgbClr val="D7E4BD"/>
+          </a:solidFill>
+          <a:ln>
+            <a:solidFill>
+              <a:srgbClr val="000000"/>
+            </a:solidFill>
+          </a:ln>
+        </p:spPr>
+        <p:style>
+          <a:lnRef idx="1">
+            <a:schemeClr val="accent1"/>
+          </a:lnRef>
+          <a:fillRef idx="3">
+            <a:schemeClr val="accent1"/>
+          </a:fillRef>
+          <a:effectRef idx="2">
+            <a:schemeClr val="accent1"/>
+          </a:effectRef>
+          <a:fontRef idx="minor">
+            <a:schemeClr val="lt1"/>
+          </a:fontRef>
+        </p:style>
+        <p:txBody>
+          <a:bodyPr rtlCol="0" anchor="ctr"/>
+          <a:lstStyle/>
+          <a:p>
+            <a:pPr algn="ctr"/>
+            <a:r>
+              <a:rPr kumimoji="1" lang="en-US" altLang="ja-JP" sz="1400" dirty="0" smtClean="0">
+                <a:solidFill>
+                  <a:srgbClr val="000000"/>
+                </a:solidFill>
+              </a:rPr>
+              <a:t>DU8</a:t>
+            </a:r>
+            <a:r>
+              <a:rPr kumimoji="1" lang="ja-JP" altLang="en-US" sz="1400" dirty="0" smtClean="0">
+                <a:solidFill>
+                  <a:srgbClr val="000000"/>
+                </a:solidFill>
+              </a:rPr>
+              <a:t>回以上継続</a:t>
+            </a:r>
+            <a:r>
+              <a:rPr kumimoji="1" lang="en-US" altLang="ja-JP" sz="1400" dirty="0" smtClean="0">
+                <a:solidFill>
+                  <a:srgbClr val="000000"/>
+                </a:solidFill>
+              </a:rPr>
+              <a:t>?</a:t>
+            </a:r>
+            <a:endParaRPr kumimoji="1" lang="ja-JP" altLang="en-US" sz="1400" dirty="0">
+              <a:solidFill>
+                <a:srgbClr val="000000"/>
+              </a:solidFill>
+            </a:endParaRPr>
+          </a:p>
+        </p:txBody>
+      </p:sp>
+      <p:sp>
+        <p:nvSpPr>
+          <p:cNvPr id="29" name="フローチャート: 判断 28"/>
+          <p:cNvSpPr/>
+          <p:nvPr/>
+        </p:nvSpPr>
+        <p:spPr>
+          <a:xfrm>
+            <a:off x="2727827" y="4425573"/>
+            <a:ext cx="3880431" cy="416302"/>
+          </a:xfrm>
+          <a:prstGeom prst="flowChartDecision">
+            <a:avLst/>
+          </a:prstGeom>
+          <a:solidFill>
+            <a:schemeClr val="accent5">
+              <a:lumMod val="20000"/>
+              <a:lumOff val="80000"/>
+            </a:schemeClr>
+          </a:solidFill>
+          <a:ln>
+            <a:solidFill>
+              <a:srgbClr val="000000"/>
+            </a:solidFill>
+          </a:ln>
+        </p:spPr>
+        <p:style>
+          <a:lnRef idx="1">
+            <a:schemeClr val="accent1"/>
+          </a:lnRef>
+          <a:fillRef idx="3">
+            <a:schemeClr val="accent1"/>
+          </a:fillRef>
+          <a:effectRef idx="2">
+            <a:schemeClr val="accent1"/>
+          </a:effectRef>
+          <a:fontRef idx="minor">
+            <a:schemeClr val="lt1"/>
+          </a:fontRef>
+        </p:style>
+        <p:txBody>
+          <a:bodyPr rtlCol="0" anchor="ctr"/>
+          <a:lstStyle/>
+          <a:p>
+            <a:pPr algn="ctr"/>
+            <a:r>
+              <a:rPr kumimoji="1" lang="ja-JP" altLang="en-US" sz="1400" dirty="0" smtClean="0">
+                <a:solidFill>
+                  <a:srgbClr val="000000"/>
+                </a:solidFill>
+              </a:rPr>
+              <a:t>判定</a:t>
+            </a:r>
+            <a:endParaRPr kumimoji="1" lang="ja-JP" altLang="en-US" sz="1400" dirty="0">
+              <a:solidFill>
+                <a:srgbClr val="000000"/>
+              </a:solidFill>
+            </a:endParaRPr>
+          </a:p>
+        </p:txBody>
+      </p:sp>
+      <p:cxnSp>
+        <p:nvCxnSpPr>
+          <p:cNvPr id="34" name="カギ線コネクタ 33"/>
+          <p:cNvCxnSpPr>
+            <a:stCxn id="26" idx="3"/>
+            <a:endCxn id="56" idx="3"/>
+          </p:cNvCxnSpPr>
+          <p:nvPr/>
+        </p:nvCxnSpPr>
+        <p:spPr>
+          <a:xfrm flipH="1">
+            <a:off x="4664051" y="2907630"/>
+            <a:ext cx="1930016" cy="3245816"/>
+          </a:xfrm>
+          <a:prstGeom prst="bentConnector3">
+            <a:avLst>
+              <a:gd name="adj1" fmla="val -33765"/>
+            </a:avLst>
+          </a:prstGeom>
+          <a:ln>
+            <a:solidFill>
+              <a:srgbClr val="000000"/>
+            </a:solidFill>
+            <a:tailEnd type="arrow"/>
+          </a:ln>
+        </p:spPr>
+        <p:style>
+          <a:lnRef idx="2">
+            <a:schemeClr val="accent1"/>
+          </a:lnRef>
+          <a:fillRef idx="0">
+            <a:schemeClr val="accent1"/>
+          </a:fillRef>
+          <a:effectRef idx="1">
+            <a:schemeClr val="accent1"/>
+          </a:effectRef>
+          <a:fontRef idx="minor">
+            <a:schemeClr val="tx1"/>
+          </a:fontRef>
+        </p:style>
+      </p:cxnSp>
+      <p:sp>
+        <p:nvSpPr>
+          <p:cNvPr id="41" name="正方形/長方形 40"/>
+          <p:cNvSpPr/>
+          <p:nvPr/>
+        </p:nvSpPr>
+        <p:spPr>
+          <a:xfrm>
+            <a:off x="2706198" y="3897358"/>
+            <a:ext cx="3915709" cy="352748"/>
+          </a:xfrm>
+          <a:prstGeom prst="rect">
+            <a:avLst/>
+          </a:prstGeom>
+          <a:solidFill>
+            <a:schemeClr val="accent3">
+              <a:lumMod val="40000"/>
+              <a:lumOff val="60000"/>
+            </a:schemeClr>
+          </a:solidFill>
+          <a:ln>
+            <a:solidFill>
+              <a:srgbClr val="000000"/>
+            </a:solidFill>
+          </a:ln>
+        </p:spPr>
+        <p:style>
+          <a:lnRef idx="1">
+            <a:schemeClr val="accent1"/>
+          </a:lnRef>
+          <a:fillRef idx="3">
+            <a:schemeClr val="accent1"/>
+          </a:fillRef>
+          <a:effectRef idx="2">
+            <a:schemeClr val="accent1"/>
+          </a:effectRef>
+          <a:fontRef idx="minor">
+            <a:schemeClr val="lt1"/>
+          </a:fontRef>
+        </p:style>
+        <p:txBody>
+          <a:bodyPr rtlCol="0" anchor="ctr"/>
+          <a:lstStyle/>
+          <a:p>
+            <a:pPr algn="ctr"/>
+            <a:r>
+              <a:rPr kumimoji="1" lang="ja-JP" altLang="en-US" sz="1400" dirty="0" smtClean="0">
+                <a:solidFill>
+                  <a:srgbClr val="000000"/>
+                </a:solidFill>
+              </a:rPr>
+              <a:t>チップを掛ける・大小を決定</a:t>
+            </a:r>
+            <a:endParaRPr kumimoji="1" lang="ja-JP" altLang="en-US" sz="1400" dirty="0">
+              <a:solidFill>
+                <a:srgbClr val="000000"/>
+              </a:solidFill>
+            </a:endParaRPr>
+          </a:p>
+        </p:txBody>
+      </p:sp>
+      <p:cxnSp>
+        <p:nvCxnSpPr>
+          <p:cNvPr id="42" name="直線矢印コネクタ 41"/>
+          <p:cNvCxnSpPr>
+            <a:stCxn id="41" idx="2"/>
+            <a:endCxn id="29" idx="0"/>
+          </p:cNvCxnSpPr>
+          <p:nvPr/>
+        </p:nvCxnSpPr>
+        <p:spPr>
+          <a:xfrm>
+            <a:off x="4664053" y="4250106"/>
+            <a:ext cx="3990" cy="175467"/>
+          </a:xfrm>
+          <a:prstGeom prst="straightConnector1">
+            <a:avLst/>
+          </a:prstGeom>
+          <a:ln>
+            <a:solidFill>
+              <a:srgbClr val="000000"/>
+            </a:solidFill>
+            <a:tailEnd type="arrow"/>
+          </a:ln>
+        </p:spPr>
+        <p:style>
+          <a:lnRef idx="2">
+            <a:schemeClr val="accent1"/>
+          </a:lnRef>
+          <a:fillRef idx="0">
+            <a:schemeClr val="accent1"/>
+          </a:fillRef>
+          <a:effectRef idx="1">
+            <a:schemeClr val="accent1"/>
+          </a:effectRef>
+          <a:fontRef idx="minor">
+            <a:schemeClr val="tx1"/>
+          </a:fontRef>
+        </p:style>
+      </p:cxnSp>
+      <p:sp>
+        <p:nvSpPr>
+          <p:cNvPr id="56" name="正方形/長方形 55"/>
+          <p:cNvSpPr/>
+          <p:nvPr/>
+        </p:nvSpPr>
+        <p:spPr>
+          <a:xfrm>
+            <a:off x="4418391" y="6046287"/>
+            <a:ext cx="245660" cy="214318"/>
+          </a:xfrm>
+          <a:prstGeom prst="rect">
+            <a:avLst/>
+          </a:prstGeom>
+          <a:noFill/>
+          <a:ln>
+            <a:noFill/>
+          </a:ln>
+        </p:spPr>
+        <p:style>
+          <a:lnRef idx="1">
+            <a:schemeClr val="accent1"/>
+          </a:lnRef>
+          <a:fillRef idx="3">
+            <a:schemeClr val="accent1"/>
+          </a:fillRef>
+          <a:effectRef idx="2">
+            <a:schemeClr val="accent1"/>
+          </a:effectRef>
+          <a:fontRef idx="minor">
+            <a:schemeClr val="lt1"/>
+          </a:fontRef>
+        </p:style>
+        <p:txBody>
+          <a:bodyPr rtlCol="0" anchor="ctr"/>
+          <a:lstStyle/>
+          <a:p>
+            <a:pPr algn="ctr"/>
+            <a:endParaRPr kumimoji="1" lang="ja-JP" altLang="en-US"/>
+          </a:p>
+        </p:txBody>
+      </p:sp>
+      <p:cxnSp>
+        <p:nvCxnSpPr>
+          <p:cNvPr id="62" name="カギ線コネクタ 61"/>
+          <p:cNvCxnSpPr>
+            <a:stCxn id="29" idx="3"/>
+            <a:endCxn id="56" idx="3"/>
+          </p:cNvCxnSpPr>
+          <p:nvPr/>
+        </p:nvCxnSpPr>
+        <p:spPr>
+          <a:xfrm flipH="1">
+            <a:off x="4664051" y="4633724"/>
+            <a:ext cx="1944207" cy="1519722"/>
+          </a:xfrm>
+          <a:prstGeom prst="bentConnector3">
+            <a:avLst>
+              <a:gd name="adj1" fmla="val -32817"/>
+            </a:avLst>
+          </a:prstGeom>
+          <a:ln>
+            <a:solidFill>
+              <a:srgbClr val="000000"/>
+            </a:solidFill>
+            <a:tailEnd type="arrow"/>
+          </a:ln>
+        </p:spPr>
+        <p:style>
+          <a:lnRef idx="2">
+            <a:schemeClr val="accent1"/>
+          </a:lnRef>
+          <a:fillRef idx="0">
+            <a:schemeClr val="accent1"/>
+          </a:fillRef>
+          <a:effectRef idx="1">
+            <a:schemeClr val="accent1"/>
+          </a:effectRef>
+          <a:fontRef idx="minor">
+            <a:schemeClr val="tx1"/>
+          </a:fontRef>
+        </p:style>
+      </p:cxnSp>
+      <p:sp>
+        <p:nvSpPr>
+          <p:cNvPr id="67" name="正方形/長方形 66"/>
+          <p:cNvSpPr/>
+          <p:nvPr/>
+        </p:nvSpPr>
+        <p:spPr>
+          <a:xfrm>
+            <a:off x="6586629" y="2580430"/>
+            <a:ext cx="485518" cy="369332"/>
+          </a:xfrm>
+          <a:prstGeom prst="rect">
+            <a:avLst/>
+          </a:prstGeom>
+        </p:spPr>
+        <p:txBody>
+          <a:bodyPr wrap="none">
+            <a:spAutoFit/>
+          </a:bodyPr>
+          <a:lstStyle/>
+          <a:p>
+            <a:r>
+              <a:rPr lang="en-US" altLang="ja-JP" dirty="0" smtClean="0">
+                <a:solidFill>
+                  <a:srgbClr val="000000"/>
+                </a:solidFill>
+              </a:rPr>
+              <a:t>Yes</a:t>
+            </a:r>
+            <a:endParaRPr lang="ja-JP" altLang="en-US" dirty="0"/>
+          </a:p>
+        </p:txBody>
+      </p:sp>
+      <p:sp>
+        <p:nvSpPr>
+          <p:cNvPr id="70" name="正方形/長方形 69"/>
+          <p:cNvSpPr/>
+          <p:nvPr/>
+        </p:nvSpPr>
+        <p:spPr>
+          <a:xfrm>
+            <a:off x="3878652" y="3039161"/>
+            <a:ext cx="455574" cy="369332"/>
+          </a:xfrm>
+          <a:prstGeom prst="rect">
+            <a:avLst/>
+          </a:prstGeom>
+        </p:spPr>
+        <p:txBody>
+          <a:bodyPr wrap="none">
+            <a:spAutoFit/>
+          </a:bodyPr>
+          <a:lstStyle/>
+          <a:p>
+            <a:r>
+              <a:rPr lang="en-US" altLang="ja-JP" dirty="0" smtClean="0">
+                <a:solidFill>
+                  <a:srgbClr val="000000"/>
+                </a:solidFill>
+              </a:rPr>
+              <a:t>No</a:t>
+            </a:r>
+            <a:endParaRPr lang="ja-JP" altLang="en-US" dirty="0"/>
+          </a:p>
+        </p:txBody>
+      </p:sp>
+      <p:sp>
+        <p:nvSpPr>
+          <p:cNvPr id="71" name="正方形/長方形 70"/>
+          <p:cNvSpPr/>
+          <p:nvPr/>
+        </p:nvSpPr>
+        <p:spPr>
+          <a:xfrm>
+            <a:off x="3878652" y="4744287"/>
+            <a:ext cx="564578" cy="369332"/>
+          </a:xfrm>
+          <a:prstGeom prst="rect">
+            <a:avLst/>
+          </a:prstGeom>
+        </p:spPr>
+        <p:txBody>
+          <a:bodyPr wrap="none">
+            <a:spAutoFit/>
+          </a:bodyPr>
+          <a:lstStyle/>
+          <a:p>
+            <a:r>
+              <a:rPr lang="en-US" altLang="ja-JP" dirty="0" smtClean="0">
+                <a:solidFill>
+                  <a:srgbClr val="000000"/>
+                </a:solidFill>
+              </a:rPr>
+              <a:t>Win</a:t>
+            </a:r>
+            <a:endParaRPr lang="ja-JP" altLang="en-US" dirty="0"/>
+          </a:p>
+        </p:txBody>
+      </p:sp>
+      <p:sp>
+        <p:nvSpPr>
+          <p:cNvPr id="72" name="正方形/長方形 71"/>
+          <p:cNvSpPr/>
+          <p:nvPr/>
+        </p:nvSpPr>
+        <p:spPr>
+          <a:xfrm>
+            <a:off x="6154092" y="4757935"/>
+            <a:ext cx="609462" cy="369332"/>
+          </a:xfrm>
+          <a:prstGeom prst="rect">
+            <a:avLst/>
+          </a:prstGeom>
+        </p:spPr>
+        <p:txBody>
+          <a:bodyPr wrap="none">
+            <a:spAutoFit/>
+          </a:bodyPr>
+          <a:lstStyle/>
+          <a:p>
+            <a:r>
+              <a:rPr lang="en-US" altLang="ja-JP" dirty="0" smtClean="0">
+                <a:solidFill>
+                  <a:srgbClr val="000000"/>
+                </a:solidFill>
+              </a:rPr>
+              <a:t>Lose</a:t>
+            </a:r>
+            <a:endParaRPr lang="ja-JP" altLang="en-US" dirty="0"/>
+          </a:p>
+        </p:txBody>
+      </p:sp>
+      <p:sp>
+        <p:nvSpPr>
+          <p:cNvPr id="73" name="正方形/長方形 72"/>
+          <p:cNvSpPr/>
+          <p:nvPr/>
+        </p:nvSpPr>
+        <p:spPr>
+          <a:xfrm>
+            <a:off x="2347415" y="4914297"/>
+            <a:ext cx="485518" cy="369332"/>
+          </a:xfrm>
+          <a:prstGeom prst="rect">
+            <a:avLst/>
+          </a:prstGeom>
+        </p:spPr>
+        <p:txBody>
+          <a:bodyPr wrap="none">
+            <a:spAutoFit/>
+          </a:bodyPr>
+          <a:lstStyle/>
+          <a:p>
+            <a:r>
+              <a:rPr lang="en-US" altLang="ja-JP" dirty="0" smtClean="0">
+                <a:solidFill>
+                  <a:srgbClr val="000000"/>
+                </a:solidFill>
+              </a:rPr>
+              <a:t>Yes</a:t>
+            </a:r>
+            <a:endParaRPr lang="ja-JP" altLang="en-US" dirty="0"/>
+          </a:p>
+        </p:txBody>
+      </p:sp>
+      <p:sp>
+        <p:nvSpPr>
+          <p:cNvPr id="74" name="正方形/長方形 73"/>
+          <p:cNvSpPr/>
+          <p:nvPr/>
+        </p:nvSpPr>
+        <p:spPr>
+          <a:xfrm>
+            <a:off x="3689462" y="5430265"/>
+            <a:ext cx="455574" cy="369332"/>
+          </a:xfrm>
+          <a:prstGeom prst="rect">
+            <a:avLst/>
+          </a:prstGeom>
+        </p:spPr>
+        <p:txBody>
+          <a:bodyPr wrap="none">
+            <a:spAutoFit/>
+          </a:bodyPr>
+          <a:lstStyle/>
+          <a:p>
+            <a:r>
+              <a:rPr lang="en-US" altLang="ja-JP" dirty="0" smtClean="0">
+                <a:solidFill>
+                  <a:srgbClr val="000000"/>
+                </a:solidFill>
+              </a:rPr>
+              <a:t>No</a:t>
+            </a:r>
+            <a:endParaRPr lang="ja-JP" altLang="en-US" dirty="0"/>
+          </a:p>
+        </p:txBody>
+      </p:sp>
+      <p:sp>
+        <p:nvSpPr>
+          <p:cNvPr id="86" name="正方形/長方形 85"/>
+          <p:cNvSpPr/>
+          <p:nvPr/>
+        </p:nvSpPr>
+        <p:spPr>
+          <a:xfrm>
+            <a:off x="683222" y="674262"/>
+            <a:ext cx="1867819" cy="369332"/>
+          </a:xfrm>
+          <a:prstGeom prst="rect">
+            <a:avLst/>
+          </a:prstGeom>
+        </p:spPr>
+        <p:txBody>
+          <a:bodyPr wrap="none">
+            <a:spAutoFit/>
+          </a:bodyPr>
+          <a:lstStyle/>
+          <a:p>
+            <a:r>
+              <a:rPr lang="en-US" altLang="ja-JP" dirty="0" smtClean="0">
+                <a:solidFill>
+                  <a:srgbClr val="000000"/>
+                </a:solidFill>
+              </a:rPr>
+              <a:t>DU</a:t>
+            </a:r>
+            <a:r>
+              <a:rPr lang="ja-JP" altLang="en-US" dirty="0" smtClean="0">
+                <a:solidFill>
+                  <a:srgbClr val="000000"/>
+                </a:solidFill>
+              </a:rPr>
+              <a:t>：ダブルアップ</a:t>
+            </a:r>
+            <a:endParaRPr lang="ja-JP" altLang="en-US" dirty="0"/>
+          </a:p>
+        </p:txBody>
+      </p:sp>
+      <p:sp>
+        <p:nvSpPr>
+          <p:cNvPr id="93" name="正方形/長方形 92"/>
+          <p:cNvSpPr/>
+          <p:nvPr/>
+        </p:nvSpPr>
+        <p:spPr>
+          <a:xfrm>
+            <a:off x="2694439" y="5705355"/>
+            <a:ext cx="3915709" cy="324895"/>
+          </a:xfrm>
+          <a:prstGeom prst="rect">
+            <a:avLst/>
+          </a:prstGeom>
+          <a:solidFill>
+            <a:schemeClr val="accent1">
+              <a:lumMod val="20000"/>
+              <a:lumOff val="80000"/>
+            </a:schemeClr>
+          </a:solidFill>
+          <a:ln>
+            <a:solidFill>
+              <a:srgbClr val="000000"/>
+            </a:solidFill>
+          </a:ln>
+        </p:spPr>
+        <p:style>
+          <a:lnRef idx="1">
+            <a:schemeClr val="accent1"/>
+          </a:lnRef>
+          <a:fillRef idx="3">
+            <a:schemeClr val="accent1"/>
+          </a:fillRef>
+          <a:effectRef idx="2">
+            <a:schemeClr val="accent1"/>
+          </a:effectRef>
+          <a:fontRef idx="minor">
+            <a:schemeClr val="lt1"/>
+          </a:fontRef>
+        </p:style>
+        <p:txBody>
+          <a:bodyPr rtlCol="0" anchor="ctr"/>
+          <a:lstStyle/>
+          <a:p>
+            <a:pPr algn="ctr"/>
+            <a:r>
+              <a:rPr kumimoji="1" lang="ja-JP" altLang="en-US" sz="1400" dirty="0" smtClean="0">
+                <a:solidFill>
+                  <a:srgbClr val="000000"/>
+                </a:solidFill>
+              </a:rPr>
+              <a:t>チップ更新</a:t>
+            </a:r>
+            <a:endParaRPr kumimoji="1" lang="ja-JP" altLang="en-US" sz="1400" dirty="0">
+              <a:solidFill>
+                <a:srgbClr val="000000"/>
+              </a:solidFill>
+            </a:endParaRPr>
+          </a:p>
+        </p:txBody>
+      </p:sp>
+      <p:cxnSp>
+        <p:nvCxnSpPr>
+          <p:cNvPr id="102" name="直線矢印コネクタ 101"/>
+          <p:cNvCxnSpPr>
+            <a:stCxn id="93" idx="2"/>
+            <a:endCxn id="12" idx="0"/>
+          </p:cNvCxnSpPr>
+          <p:nvPr/>
+        </p:nvCxnSpPr>
+        <p:spPr>
+          <a:xfrm>
+            <a:off x="4652294" y="6030250"/>
+            <a:ext cx="11759" cy="262795"/>
+          </a:xfrm>
+          <a:prstGeom prst="straightConnector1">
+            <a:avLst/>
+          </a:prstGeom>
+          <a:ln>
+            <a:solidFill>
+              <a:srgbClr val="000000"/>
+            </a:solidFill>
+            <a:tailEnd type="arrow"/>
+          </a:ln>
+        </p:spPr>
+        <p:style>
+          <a:lnRef idx="2">
+            <a:schemeClr val="accent1"/>
+          </a:lnRef>
+          <a:fillRef idx="0">
+            <a:schemeClr val="accent1"/>
+          </a:fillRef>
+          <a:effectRef idx="1">
+            <a:schemeClr val="accent1"/>
+          </a:effectRef>
+          <a:fontRef idx="minor">
+            <a:schemeClr val="tx1"/>
+          </a:fontRef>
+        </p:style>
+      </p:cxnSp>
+    </p:spTree>
+    <p:extLst>
+      <p:ext uri="{BB962C8B-B14F-4D97-AF65-F5344CB8AC3E}">
+        <p14:creationId xmlns:p14="http://schemas.microsoft.com/office/powerpoint/2010/main" val="1333669114"/>
+      </p:ext>
+    </p:extLst>
+  </p:cSld>
+  <p:clrMapOvr>
+    <a:masterClrMapping/>
+  </p:clrMapOvr>
+</p:sld>
+</file>
+
+<file path=ppt/slides/slide7.xml><?xml version="1.0" encoding="utf-8"?>
+<p:sld xmlns:a="http://schemas.openxmlformats.org/drawingml/2006/main" xmlns:r="http://schemas.openxmlformats.org/officeDocument/2006/relationships" xmlns:p="http://schemas.openxmlformats.org/presentationml/2006/main">
+  <p:cSld>
+    <p:spTree>
+      <p:nvGrpSpPr>
+        <p:cNvPr id="1" name=""/>
+        <p:cNvGrpSpPr/>
+        <p:nvPr/>
+      </p:nvGrpSpPr>
+      <p:grpSpPr>
+        <a:xfrm>
+          <a:off x="0" y="0"/>
+          <a:ext cx="0" cy="0"/>
+          <a:chOff x="0" y="0"/>
+          <a:chExt cx="0" cy="0"/>
+        </a:xfrm>
+      </p:grpSpPr>
+      <p:sp>
+        <p:nvSpPr>
+          <p:cNvPr id="2" name="タイトル 1"/>
+          <p:cNvSpPr>
+            <a:spLocks noGrp="1"/>
+          </p:cNvSpPr>
+          <p:nvPr>
+            <p:ph type="title"/>
+          </p:nvPr>
+        </p:nvSpPr>
+        <p:spPr/>
+        <p:txBody>
+          <a:bodyPr/>
+          <a:lstStyle/>
+          <a:p>
+            <a:r>
+              <a:rPr kumimoji="1" lang="ja-JP" altLang="en-US" dirty="0" smtClean="0"/>
+              <a:t>クラス</a:t>
+            </a:r>
+            <a:r>
+              <a:rPr kumimoji="1" lang="ja-JP" altLang="en-US" dirty="0" smtClean="0"/>
+              <a:t>図</a:t>
+            </a:r>
+            <a:endParaRPr kumimoji="1" lang="ja-JP" altLang="en-US" dirty="0"/>
+          </a:p>
+        </p:txBody>
+      </p:sp>
+      <p:sp>
+        <p:nvSpPr>
+          <p:cNvPr id="4" name="正方形/長方形 3"/>
+          <p:cNvSpPr/>
+          <p:nvPr/>
+        </p:nvSpPr>
+        <p:spPr>
+          <a:xfrm>
+            <a:off x="940137" y="2407715"/>
             <a:ext cx="1587449" cy="599671"/>
           </a:xfrm>
           <a:prstGeom prst="rect">
@@ -6607,7 +8784,7 @@
                   <a:schemeClr val="tx1"/>
                 </a:solidFill>
               </a:rPr>
-              <a:t>Trump</a:t>
+              <a:t>Dealer</a:t>
             </a:r>
             <a:endParaRPr kumimoji="1" lang="ja-JP" altLang="en-US" dirty="0">
               <a:solidFill>
@@ -6619,13 +8796,13 @@
       </p:sp>
       <p:sp>
         <p:nvSpPr>
-          <p:cNvPr id="4" name="正方形/長方形 3"/>
+          <p:cNvPr id="5" name="正方形/長方形 4"/>
           <p:cNvSpPr/>
           <p:nvPr/>
         </p:nvSpPr>
         <p:spPr>
           <a:xfrm>
-            <a:off x="2008130" y="4479437"/>
+            <a:off x="940137" y="5810736"/>
             <a:ext cx="1587449" cy="599671"/>
           </a:xfrm>
           <a:prstGeom prst="rect">
@@ -6665,7 +8842,7 @@
                   <a:schemeClr val="tx1"/>
                 </a:solidFill>
               </a:rPr>
-              <a:t>Dealer</a:t>
+              <a:t>Player</a:t>
             </a:r>
             <a:endParaRPr kumimoji="1" lang="ja-JP" altLang="en-US" dirty="0">
               <a:solidFill>
@@ -6677,13 +8854,13 @@
       </p:sp>
       <p:sp>
         <p:nvSpPr>
-          <p:cNvPr id="5" name="正方形/長方形 4"/>
+          <p:cNvPr id="10" name="正方形/長方形 9"/>
           <p:cNvSpPr/>
           <p:nvPr/>
         </p:nvSpPr>
         <p:spPr>
           <a:xfrm>
-            <a:off x="6194759" y="4479437"/>
+            <a:off x="3343826" y="5810736"/>
             <a:ext cx="1587449" cy="599671"/>
           </a:xfrm>
           <a:prstGeom prst="rect">
@@ -6723,7 +8900,7 @@
                   <a:schemeClr val="tx1"/>
                 </a:solidFill>
               </a:rPr>
-              <a:t>Player</a:t>
+              <a:t>Chip</a:t>
             </a:r>
             <a:endParaRPr kumimoji="1" lang="ja-JP" altLang="en-US" dirty="0">
               <a:solidFill>
@@ -6733,15 +8910,952 @@
           </a:p>
         </p:txBody>
       </p:sp>
-      <p:sp>
-        <p:nvSpPr>
-          <p:cNvPr id="7" name="正方形/長方形 6"/>
+      <p:grpSp>
+        <p:nvGrpSpPr>
+          <p:cNvPr id="80" name="図形グループ 79"/>
+          <p:cNvGrpSpPr/>
+          <p:nvPr/>
+        </p:nvGrpSpPr>
+        <p:grpSpPr>
+          <a:xfrm>
+            <a:off x="3343826" y="2407715"/>
+            <a:ext cx="3799115" cy="706717"/>
+            <a:chOff x="2527586" y="1891452"/>
+            <a:chExt cx="3799115" cy="706717"/>
+          </a:xfrm>
+        </p:grpSpPr>
+        <p:sp>
+          <p:nvSpPr>
+            <p:cNvPr id="3" name="正方形/長方形 2"/>
+            <p:cNvSpPr/>
+            <p:nvPr/>
+          </p:nvSpPr>
+          <p:spPr>
+            <a:xfrm>
+              <a:off x="2527586" y="1893080"/>
+              <a:ext cx="1587449" cy="599671"/>
+            </a:xfrm>
+            <a:prstGeom prst="rect">
+              <a:avLst/>
+            </a:prstGeom>
+            <a:solidFill>
+              <a:schemeClr val="bg1"/>
+            </a:solidFill>
+            <a:ln>
+              <a:solidFill>
+                <a:schemeClr val="tx1"/>
+              </a:solidFill>
+            </a:ln>
+          </p:spPr>
+          <p:style>
+            <a:lnRef idx="1">
+              <a:schemeClr val="accent1"/>
+            </a:lnRef>
+            <a:fillRef idx="3">
+              <a:schemeClr val="accent1"/>
+            </a:fillRef>
+            <a:effectRef idx="2">
+              <a:schemeClr val="accent1"/>
+            </a:effectRef>
+            <a:fontRef idx="minor">
+              <a:schemeClr val="lt1"/>
+            </a:fontRef>
+          </p:style>
+          <p:txBody>
+            <a:bodyPr rtlCol="0" anchor="ctr"/>
+            <a:lstStyle/>
+            <a:p>
+              <a:pPr algn="ctr"/>
+              <a:r>
+                <a:rPr kumimoji="1" lang="en-US" altLang="ja-JP" dirty="0" smtClean="0">
+                  <a:solidFill>
+                    <a:schemeClr val="tx1"/>
+                  </a:solidFill>
+                </a:rPr>
+                <a:t>Trump</a:t>
+              </a:r>
+              <a:endParaRPr kumimoji="1" lang="ja-JP" altLang="en-US" dirty="0">
+                <a:solidFill>
+                  <a:schemeClr val="tx1"/>
+                </a:solidFill>
+              </a:endParaRPr>
+            </a:p>
+          </p:txBody>
+        </p:sp>
+        <p:grpSp>
+          <p:nvGrpSpPr>
+            <p:cNvPr id="79" name="図形グループ 78"/>
+            <p:cNvGrpSpPr/>
+            <p:nvPr/>
+          </p:nvGrpSpPr>
+          <p:grpSpPr>
+            <a:xfrm>
+              <a:off x="4601972" y="1891452"/>
+              <a:ext cx="1724729" cy="706717"/>
+              <a:chOff x="4601972" y="1891452"/>
+              <a:chExt cx="1724729" cy="706717"/>
+            </a:xfrm>
+          </p:grpSpPr>
+          <p:sp>
+            <p:nvSpPr>
+              <p:cNvPr id="70" name="正方形/長方形 69"/>
+              <p:cNvSpPr/>
+              <p:nvPr/>
+            </p:nvSpPr>
+            <p:spPr>
+              <a:xfrm>
+                <a:off x="4601972" y="1891452"/>
+                <a:ext cx="1587449" cy="599671"/>
+              </a:xfrm>
+              <a:prstGeom prst="rect">
+                <a:avLst/>
+              </a:prstGeom>
+              <a:solidFill>
+                <a:schemeClr val="bg1"/>
+              </a:solidFill>
+              <a:ln>
+                <a:solidFill>
+                  <a:schemeClr val="tx1"/>
+                </a:solidFill>
+              </a:ln>
+            </p:spPr>
+            <p:style>
+              <a:lnRef idx="1">
+                <a:schemeClr val="accent1"/>
+              </a:lnRef>
+              <a:fillRef idx="3">
+                <a:schemeClr val="accent1"/>
+              </a:fillRef>
+              <a:effectRef idx="2">
+                <a:schemeClr val="accent1"/>
+              </a:effectRef>
+              <a:fontRef idx="minor">
+                <a:schemeClr val="lt1"/>
+              </a:fontRef>
+            </p:style>
+            <p:txBody>
+              <a:bodyPr rtlCol="0" anchor="ctr"/>
+              <a:lstStyle/>
+              <a:p>
+                <a:pPr algn="ctr"/>
+                <a:r>
+                  <a:rPr kumimoji="1" lang="en-US" altLang="ja-JP" dirty="0" smtClean="0">
+                    <a:solidFill>
+                      <a:schemeClr val="tx1"/>
+                    </a:solidFill>
+                  </a:rPr>
+                  <a:t>Card</a:t>
+                </a:r>
+                <a:endParaRPr kumimoji="1" lang="ja-JP" altLang="en-US" dirty="0">
+                  <a:solidFill>
+                    <a:schemeClr val="tx1"/>
+                  </a:solidFill>
+                </a:endParaRPr>
+              </a:p>
+            </p:txBody>
+          </p:sp>
+          <p:sp>
+            <p:nvSpPr>
+              <p:cNvPr id="71" name="正方形/長方形 70"/>
+              <p:cNvSpPr/>
+              <p:nvPr/>
+            </p:nvSpPr>
+            <p:spPr>
+              <a:xfrm>
+                <a:off x="4739252" y="1998498"/>
+                <a:ext cx="1587449" cy="599671"/>
+              </a:xfrm>
+              <a:prstGeom prst="rect">
+                <a:avLst/>
+              </a:prstGeom>
+              <a:solidFill>
+                <a:schemeClr val="bg1"/>
+              </a:solidFill>
+              <a:ln>
+                <a:solidFill>
+                  <a:schemeClr val="tx1"/>
+                </a:solidFill>
+              </a:ln>
+            </p:spPr>
+            <p:style>
+              <a:lnRef idx="1">
+                <a:schemeClr val="accent1"/>
+              </a:lnRef>
+              <a:fillRef idx="3">
+                <a:schemeClr val="accent1"/>
+              </a:fillRef>
+              <a:effectRef idx="2">
+                <a:schemeClr val="accent1"/>
+              </a:effectRef>
+              <a:fontRef idx="minor">
+                <a:schemeClr val="lt1"/>
+              </a:fontRef>
+            </p:style>
+            <p:txBody>
+              <a:bodyPr rtlCol="0" anchor="ctr"/>
+              <a:lstStyle/>
+              <a:p>
+                <a:pPr algn="ctr"/>
+                <a:r>
+                  <a:rPr kumimoji="1" lang="en-US" altLang="ja-JP" dirty="0" smtClean="0">
+                    <a:solidFill>
+                      <a:schemeClr val="tx1"/>
+                    </a:solidFill>
+                  </a:rPr>
+                  <a:t>Card</a:t>
+                </a:r>
+                <a:endParaRPr kumimoji="1" lang="ja-JP" altLang="en-US" dirty="0">
+                  <a:solidFill>
+                    <a:schemeClr val="tx1"/>
+                  </a:solidFill>
+                </a:endParaRPr>
+              </a:p>
+            </p:txBody>
+          </p:sp>
+        </p:grpSp>
+        <p:cxnSp>
+          <p:nvCxnSpPr>
+            <p:cNvPr id="72" name="直線矢印コネクタ 71"/>
+            <p:cNvCxnSpPr>
+              <a:stCxn id="3" idx="3"/>
+              <a:endCxn id="70" idx="1"/>
+            </p:cNvCxnSpPr>
+            <p:nvPr/>
+          </p:nvCxnSpPr>
+          <p:spPr>
+            <a:xfrm flipV="1">
+              <a:off x="4115035" y="2191288"/>
+              <a:ext cx="486937" cy="1628"/>
+            </a:xfrm>
+            <a:prstGeom prst="straightConnector1">
+              <a:avLst/>
+            </a:prstGeom>
+            <a:ln>
+              <a:solidFill>
+                <a:srgbClr val="000000"/>
+              </a:solidFill>
+              <a:tailEnd type="arrow"/>
+            </a:ln>
+          </p:spPr>
+          <p:style>
+            <a:lnRef idx="2">
+              <a:schemeClr val="accent1"/>
+            </a:lnRef>
+            <a:fillRef idx="0">
+              <a:schemeClr val="accent1"/>
+            </a:fillRef>
+            <a:effectRef idx="1">
+              <a:schemeClr val="accent1"/>
+            </a:effectRef>
+            <a:fontRef idx="minor">
+              <a:schemeClr val="tx1"/>
+            </a:fontRef>
+          </p:style>
+        </p:cxnSp>
+      </p:grpSp>
+      <p:sp>
+        <p:nvSpPr>
+          <p:cNvPr id="76" name="正方形/長方形 75"/>
           <p:cNvSpPr/>
           <p:nvPr/>
         </p:nvSpPr>
         <p:spPr>
           <a:xfrm>
-            <a:off x="2008130" y="3232605"/>
+            <a:off x="7575269" y="1045050"/>
+            <a:ext cx="1079029" cy="369332"/>
+          </a:xfrm>
+          <a:prstGeom prst="rect">
+            <a:avLst/>
+          </a:prstGeom>
+        </p:spPr>
+        <p:txBody>
+          <a:bodyPr wrap="none">
+            <a:spAutoFit/>
+          </a:bodyPr>
+          <a:lstStyle/>
+          <a:p>
+            <a:r>
+              <a:rPr lang="en-US" altLang="ja-JP" dirty="0" err="1" smtClean="0"/>
+              <a:t>hasa</a:t>
+            </a:r>
+            <a:r>
+              <a:rPr lang="ja-JP" altLang="en-US" dirty="0" smtClean="0"/>
+              <a:t>関係</a:t>
+            </a:r>
+            <a:endParaRPr lang="ja-JP" altLang="en-US" dirty="0"/>
+          </a:p>
+        </p:txBody>
+      </p:sp>
+      <p:cxnSp>
+        <p:nvCxnSpPr>
+          <p:cNvPr id="81" name="直線矢印コネクタ 80"/>
+          <p:cNvCxnSpPr>
+            <a:stCxn id="4" idx="3"/>
+            <a:endCxn id="3" idx="1"/>
+          </p:cNvCxnSpPr>
+          <p:nvPr/>
+        </p:nvCxnSpPr>
+        <p:spPr>
+          <a:xfrm>
+            <a:off x="2527586" y="2707551"/>
+            <a:ext cx="816240" cy="1628"/>
+          </a:xfrm>
+          <a:prstGeom prst="straightConnector1">
+            <a:avLst/>
+          </a:prstGeom>
+          <a:ln>
+            <a:solidFill>
+              <a:srgbClr val="000000"/>
+            </a:solidFill>
+            <a:tailEnd type="arrow"/>
+          </a:ln>
+        </p:spPr>
+        <p:style>
+          <a:lnRef idx="2">
+            <a:schemeClr val="accent1"/>
+          </a:lnRef>
+          <a:fillRef idx="0">
+            <a:schemeClr val="accent1"/>
+          </a:fillRef>
+          <a:effectRef idx="1">
+            <a:schemeClr val="accent1"/>
+          </a:effectRef>
+          <a:fontRef idx="minor">
+            <a:schemeClr val="tx1"/>
+          </a:fontRef>
+        </p:style>
+      </p:cxnSp>
+      <p:cxnSp>
+        <p:nvCxnSpPr>
+          <p:cNvPr id="85" name="直線矢印コネクタ 84"/>
+          <p:cNvCxnSpPr/>
+          <p:nvPr/>
+        </p:nvCxnSpPr>
+        <p:spPr>
+          <a:xfrm>
+            <a:off x="6904875" y="1315421"/>
+            <a:ext cx="569352" cy="1628"/>
+          </a:xfrm>
+          <a:prstGeom prst="straightConnector1">
+            <a:avLst/>
+          </a:prstGeom>
+          <a:ln>
+            <a:solidFill>
+              <a:srgbClr val="000000"/>
+            </a:solidFill>
+            <a:tailEnd type="arrow"/>
+          </a:ln>
+        </p:spPr>
+        <p:style>
+          <a:lnRef idx="2">
+            <a:schemeClr val="accent1"/>
+          </a:lnRef>
+          <a:fillRef idx="0">
+            <a:schemeClr val="accent1"/>
+          </a:fillRef>
+          <a:effectRef idx="1">
+            <a:schemeClr val="accent1"/>
+          </a:effectRef>
+          <a:fontRef idx="minor">
+            <a:schemeClr val="tx1"/>
+          </a:fontRef>
+        </p:style>
+      </p:cxnSp>
+      <p:cxnSp>
+        <p:nvCxnSpPr>
+          <p:cNvPr id="87" name="直線矢印コネクタ 86"/>
+          <p:cNvCxnSpPr>
+            <a:stCxn id="5" idx="3"/>
+            <a:endCxn id="10" idx="1"/>
+          </p:cNvCxnSpPr>
+          <p:nvPr/>
+        </p:nvCxnSpPr>
+        <p:spPr>
+          <a:xfrm>
+            <a:off x="2527586" y="6110572"/>
+            <a:ext cx="816240" cy="0"/>
+          </a:xfrm>
+          <a:prstGeom prst="straightConnector1">
+            <a:avLst/>
+          </a:prstGeom>
+          <a:ln>
+            <a:solidFill>
+              <a:srgbClr val="000000"/>
+            </a:solidFill>
+            <a:tailEnd type="arrow"/>
+          </a:ln>
+        </p:spPr>
+        <p:style>
+          <a:lnRef idx="2">
+            <a:schemeClr val="accent1"/>
+          </a:lnRef>
+          <a:fillRef idx="0">
+            <a:schemeClr val="accent1"/>
+          </a:fillRef>
+          <a:effectRef idx="1">
+            <a:schemeClr val="accent1"/>
+          </a:effectRef>
+          <a:fontRef idx="minor">
+            <a:schemeClr val="tx1"/>
+          </a:fontRef>
+        </p:style>
+      </p:cxnSp>
+      <p:sp>
+        <p:nvSpPr>
+          <p:cNvPr id="93" name="正方形/長方形 92"/>
+          <p:cNvSpPr/>
+          <p:nvPr/>
+        </p:nvSpPr>
+        <p:spPr>
+          <a:xfrm>
+            <a:off x="7217385" y="5396769"/>
+            <a:ext cx="1224539" cy="369332"/>
+          </a:xfrm>
+          <a:prstGeom prst="rect">
+            <a:avLst/>
+          </a:prstGeom>
+        </p:spPr>
+        <p:txBody>
+          <a:bodyPr wrap="none">
+            <a:spAutoFit/>
+          </a:bodyPr>
+          <a:lstStyle/>
+          <a:p>
+            <a:r>
+              <a:rPr lang="ja-JP" altLang="en-US" dirty="0" smtClean="0"/>
+              <a:t>ゲーム</a:t>
+            </a:r>
+            <a:r>
+              <a:rPr lang="en-US" altLang="ja-JP" dirty="0" smtClean="0"/>
+              <a:t>(</a:t>
+            </a:r>
+            <a:r>
+              <a:rPr lang="ja-JP" altLang="en-US" dirty="0" smtClean="0"/>
+              <a:t>場</a:t>
+            </a:r>
+            <a:r>
+              <a:rPr lang="en-US" altLang="ja-JP" dirty="0" smtClean="0"/>
+              <a:t>)</a:t>
+            </a:r>
+            <a:endParaRPr lang="ja-JP" altLang="en-US" dirty="0"/>
+          </a:p>
+        </p:txBody>
+      </p:sp>
+      <p:sp>
+        <p:nvSpPr>
+          <p:cNvPr id="94" name="角丸四角形 93"/>
+          <p:cNvSpPr/>
+          <p:nvPr/>
+        </p:nvSpPr>
+        <p:spPr>
+          <a:xfrm>
+            <a:off x="457200" y="2176454"/>
+            <a:ext cx="7118069" cy="1058274"/>
+          </a:xfrm>
+          <a:prstGeom prst="roundRect">
+            <a:avLst/>
+          </a:prstGeom>
+          <a:noFill/>
+          <a:ln>
+            <a:solidFill>
+              <a:srgbClr val="FF0000"/>
+            </a:solidFill>
+          </a:ln>
+        </p:spPr>
+        <p:style>
+          <a:lnRef idx="1">
+            <a:schemeClr val="accent1"/>
+          </a:lnRef>
+          <a:fillRef idx="3">
+            <a:schemeClr val="accent1"/>
+          </a:fillRef>
+          <a:effectRef idx="2">
+            <a:schemeClr val="accent1"/>
+          </a:effectRef>
+          <a:fontRef idx="minor">
+            <a:schemeClr val="lt1"/>
+          </a:fontRef>
+        </p:style>
+        <p:txBody>
+          <a:bodyPr rtlCol="0" anchor="ctr"/>
+          <a:lstStyle/>
+          <a:p>
+            <a:pPr algn="ctr"/>
+            <a:endParaRPr kumimoji="1" lang="ja-JP" altLang="en-US"/>
+          </a:p>
+        </p:txBody>
+      </p:sp>
+      <p:sp>
+        <p:nvSpPr>
+          <p:cNvPr id="96" name="角丸四角形 95"/>
+          <p:cNvSpPr/>
+          <p:nvPr/>
+        </p:nvSpPr>
+        <p:spPr>
+          <a:xfrm>
+            <a:off x="609601" y="5581435"/>
+            <a:ext cx="4808612" cy="1058274"/>
+          </a:xfrm>
+          <a:prstGeom prst="roundRect">
+            <a:avLst/>
+          </a:prstGeom>
+          <a:noFill/>
+          <a:ln>
+            <a:solidFill>
+              <a:srgbClr val="FF0000"/>
+            </a:solidFill>
+          </a:ln>
+        </p:spPr>
+        <p:style>
+          <a:lnRef idx="1">
+            <a:schemeClr val="accent1"/>
+          </a:lnRef>
+          <a:fillRef idx="3">
+            <a:schemeClr val="accent1"/>
+          </a:fillRef>
+          <a:effectRef idx="2">
+            <a:schemeClr val="accent1"/>
+          </a:effectRef>
+          <a:fontRef idx="minor">
+            <a:schemeClr val="lt1"/>
+          </a:fontRef>
+        </p:style>
+        <p:txBody>
+          <a:bodyPr rtlCol="0" anchor="ctr"/>
+          <a:lstStyle/>
+          <a:p>
+            <a:pPr algn="ctr"/>
+            <a:endParaRPr kumimoji="1" lang="ja-JP" altLang="en-US"/>
+          </a:p>
+        </p:txBody>
+      </p:sp>
+      <p:sp>
+        <p:nvSpPr>
+          <p:cNvPr id="97" name="正方形/長方形 96"/>
+          <p:cNvSpPr/>
+          <p:nvPr/>
+        </p:nvSpPr>
+        <p:spPr>
+          <a:xfrm>
+            <a:off x="457200" y="1724875"/>
+            <a:ext cx="800407" cy="369332"/>
+          </a:xfrm>
+          <a:prstGeom prst="rect">
+            <a:avLst/>
+          </a:prstGeom>
+        </p:spPr>
+        <p:txBody>
+          <a:bodyPr wrap="none">
+            <a:spAutoFit/>
+          </a:bodyPr>
+          <a:lstStyle/>
+          <a:p>
+            <a:r>
+              <a:rPr lang="en-US" altLang="ja-JP" dirty="0" smtClean="0"/>
+              <a:t>Dealer</a:t>
+            </a:r>
+            <a:endParaRPr lang="ja-JP" altLang="en-US" dirty="0"/>
+          </a:p>
+        </p:txBody>
+      </p:sp>
+      <p:sp>
+        <p:nvSpPr>
+          <p:cNvPr id="98" name="正方形/長方形 97"/>
+          <p:cNvSpPr/>
+          <p:nvPr/>
+        </p:nvSpPr>
+        <p:spPr>
+          <a:xfrm>
+            <a:off x="539933" y="5129076"/>
+            <a:ext cx="767270" cy="369332"/>
+          </a:xfrm>
+          <a:prstGeom prst="rect">
+            <a:avLst/>
+          </a:prstGeom>
+        </p:spPr>
+        <p:txBody>
+          <a:bodyPr wrap="none">
+            <a:spAutoFit/>
+          </a:bodyPr>
+          <a:lstStyle/>
+          <a:p>
+            <a:r>
+              <a:rPr lang="en-US" altLang="ja-JP" dirty="0" smtClean="0"/>
+              <a:t>Player</a:t>
+            </a:r>
+            <a:endParaRPr lang="ja-JP" altLang="en-US" dirty="0"/>
+          </a:p>
+        </p:txBody>
+      </p:sp>
+      <p:grpSp>
+        <p:nvGrpSpPr>
+          <p:cNvPr id="100" name="図形グループ 99"/>
+          <p:cNvGrpSpPr/>
+          <p:nvPr/>
+        </p:nvGrpSpPr>
+        <p:grpSpPr>
+          <a:xfrm>
+            <a:off x="2676293" y="3507426"/>
+            <a:ext cx="5765631" cy="1723476"/>
+            <a:chOff x="2676293" y="3507426"/>
+            <a:chExt cx="5765631" cy="1723476"/>
+          </a:xfrm>
+        </p:grpSpPr>
+        <p:sp>
+          <p:nvSpPr>
+            <p:cNvPr id="7" name="正方形/長方形 6"/>
+            <p:cNvSpPr/>
+            <p:nvPr/>
+          </p:nvSpPr>
+          <p:spPr>
+            <a:xfrm>
+              <a:off x="4751428" y="3675853"/>
+              <a:ext cx="1587449" cy="599671"/>
+            </a:xfrm>
+            <a:prstGeom prst="rect">
+              <a:avLst/>
+            </a:prstGeom>
+            <a:solidFill>
+              <a:schemeClr val="bg1"/>
+            </a:solidFill>
+            <a:ln>
+              <a:solidFill>
+                <a:schemeClr val="tx1"/>
+              </a:solidFill>
+            </a:ln>
+          </p:spPr>
+          <p:style>
+            <a:lnRef idx="1">
+              <a:schemeClr val="accent1"/>
+            </a:lnRef>
+            <a:fillRef idx="3">
+              <a:schemeClr val="accent1"/>
+            </a:fillRef>
+            <a:effectRef idx="2">
+              <a:schemeClr val="accent1"/>
+            </a:effectRef>
+            <a:fontRef idx="minor">
+              <a:schemeClr val="lt1"/>
+            </a:fontRef>
+          </p:style>
+          <p:txBody>
+            <a:bodyPr rtlCol="0" anchor="ctr"/>
+            <a:lstStyle/>
+            <a:p>
+              <a:pPr algn="ctr"/>
+              <a:r>
+                <a:rPr kumimoji="1" lang="en-US" altLang="ja-JP" dirty="0" err="1" smtClean="0">
+                  <a:solidFill>
+                    <a:schemeClr val="tx1"/>
+                  </a:solidFill>
+                </a:rPr>
+                <a:t>CardA</a:t>
+              </a:r>
+              <a:endParaRPr kumimoji="1" lang="ja-JP" altLang="en-US" dirty="0">
+                <a:solidFill>
+                  <a:schemeClr val="tx1"/>
+                </a:solidFill>
+              </a:endParaRPr>
+            </a:p>
+          </p:txBody>
+        </p:sp>
+        <p:sp>
+          <p:nvSpPr>
+            <p:cNvPr id="8" name="正方形/長方形 7"/>
+            <p:cNvSpPr/>
+            <p:nvPr/>
+          </p:nvSpPr>
+          <p:spPr>
+            <a:xfrm>
+              <a:off x="6596105" y="3675853"/>
+              <a:ext cx="1587449" cy="599671"/>
+            </a:xfrm>
+            <a:prstGeom prst="rect">
+              <a:avLst/>
+            </a:prstGeom>
+            <a:solidFill>
+              <a:schemeClr val="bg1"/>
+            </a:solidFill>
+            <a:ln>
+              <a:solidFill>
+                <a:schemeClr val="tx1"/>
+              </a:solidFill>
+            </a:ln>
+          </p:spPr>
+          <p:style>
+            <a:lnRef idx="1">
+              <a:schemeClr val="accent1"/>
+            </a:lnRef>
+            <a:fillRef idx="3">
+              <a:schemeClr val="accent1"/>
+            </a:fillRef>
+            <a:effectRef idx="2">
+              <a:schemeClr val="accent1"/>
+            </a:effectRef>
+            <a:fontRef idx="minor">
+              <a:schemeClr val="lt1"/>
+            </a:fontRef>
+          </p:style>
+          <p:txBody>
+            <a:bodyPr rtlCol="0" anchor="ctr"/>
+            <a:lstStyle/>
+            <a:p>
+              <a:pPr algn="ctr"/>
+              <a:r>
+                <a:rPr kumimoji="1" lang="en-US" altLang="ja-JP" dirty="0" err="1" smtClean="0">
+                  <a:solidFill>
+                    <a:schemeClr val="tx1"/>
+                  </a:solidFill>
+                </a:rPr>
+                <a:t>CardB</a:t>
+              </a:r>
+              <a:endParaRPr kumimoji="1" lang="ja-JP" altLang="en-US" dirty="0">
+                <a:solidFill>
+                  <a:schemeClr val="tx1"/>
+                </a:solidFill>
+              </a:endParaRPr>
+            </a:p>
+          </p:txBody>
+        </p:sp>
+        <p:sp>
+          <p:nvSpPr>
+            <p:cNvPr id="9" name="正方形/長方形 8"/>
+            <p:cNvSpPr/>
+            <p:nvPr/>
+          </p:nvSpPr>
+          <p:spPr>
+            <a:xfrm>
+              <a:off x="5581937" y="4474940"/>
+              <a:ext cx="1587449" cy="599671"/>
+            </a:xfrm>
+            <a:prstGeom prst="rect">
+              <a:avLst/>
+            </a:prstGeom>
+            <a:solidFill>
+              <a:schemeClr val="bg1"/>
+            </a:solidFill>
+            <a:ln>
+              <a:solidFill>
+                <a:schemeClr val="tx1"/>
+              </a:solidFill>
+            </a:ln>
+          </p:spPr>
+          <p:style>
+            <a:lnRef idx="1">
+              <a:schemeClr val="accent1"/>
+            </a:lnRef>
+            <a:fillRef idx="3">
+              <a:schemeClr val="accent1"/>
+            </a:fillRef>
+            <a:effectRef idx="2">
+              <a:schemeClr val="accent1"/>
+            </a:effectRef>
+            <a:fontRef idx="minor">
+              <a:schemeClr val="lt1"/>
+            </a:fontRef>
+          </p:style>
+          <p:txBody>
+            <a:bodyPr rtlCol="0" anchor="ctr"/>
+            <a:lstStyle/>
+            <a:p>
+              <a:pPr algn="ctr"/>
+              <a:r>
+                <a:rPr kumimoji="1" lang="en-US" altLang="ja-JP" dirty="0" smtClean="0">
+                  <a:solidFill>
+                    <a:schemeClr val="tx1"/>
+                  </a:solidFill>
+                </a:rPr>
+                <a:t>Chip</a:t>
+              </a:r>
+              <a:endParaRPr kumimoji="1" lang="ja-JP" altLang="en-US" dirty="0">
+                <a:solidFill>
+                  <a:schemeClr val="tx1"/>
+                </a:solidFill>
+              </a:endParaRPr>
+            </a:p>
+          </p:txBody>
+        </p:sp>
+        <p:sp>
+          <p:nvSpPr>
+            <p:cNvPr id="77" name="角丸四角形 76"/>
+            <p:cNvSpPr/>
+            <p:nvPr/>
+          </p:nvSpPr>
+          <p:spPr>
+            <a:xfrm>
+              <a:off x="2676293" y="3507426"/>
+              <a:ext cx="5765631" cy="1723476"/>
+            </a:xfrm>
+            <a:prstGeom prst="roundRect">
+              <a:avLst/>
+            </a:prstGeom>
+            <a:noFill/>
+            <a:ln>
+              <a:solidFill>
+                <a:srgbClr val="FF0000"/>
+              </a:solidFill>
+            </a:ln>
+          </p:spPr>
+          <p:style>
+            <a:lnRef idx="1">
+              <a:schemeClr val="accent1"/>
+            </a:lnRef>
+            <a:fillRef idx="3">
+              <a:schemeClr val="accent1"/>
+            </a:fillRef>
+            <a:effectRef idx="2">
+              <a:schemeClr val="accent1"/>
+            </a:effectRef>
+            <a:fontRef idx="minor">
+              <a:schemeClr val="lt1"/>
+            </a:fontRef>
+          </p:style>
+          <p:txBody>
+            <a:bodyPr rtlCol="0" anchor="ctr"/>
+            <a:lstStyle/>
+            <a:p>
+              <a:pPr algn="ctr"/>
+              <a:endParaRPr kumimoji="1" lang="ja-JP" altLang="en-US"/>
+            </a:p>
+          </p:txBody>
+        </p:sp>
+        <p:sp>
+          <p:nvSpPr>
+            <p:cNvPr id="99" name="正方形/長方形 98"/>
+            <p:cNvSpPr/>
+            <p:nvPr/>
+          </p:nvSpPr>
+          <p:spPr>
+            <a:xfrm>
+              <a:off x="3108461" y="4491225"/>
+              <a:ext cx="1587449" cy="599671"/>
+            </a:xfrm>
+            <a:prstGeom prst="rect">
+              <a:avLst/>
+            </a:prstGeom>
+            <a:solidFill>
+              <a:schemeClr val="bg1"/>
+            </a:solidFill>
+            <a:ln>
+              <a:solidFill>
+                <a:schemeClr val="tx1"/>
+              </a:solidFill>
+            </a:ln>
+          </p:spPr>
+          <p:style>
+            <a:lnRef idx="1">
+              <a:schemeClr val="accent1"/>
+            </a:lnRef>
+            <a:fillRef idx="3">
+              <a:schemeClr val="accent1"/>
+            </a:fillRef>
+            <a:effectRef idx="2">
+              <a:schemeClr val="accent1"/>
+            </a:effectRef>
+            <a:fontRef idx="minor">
+              <a:schemeClr val="lt1"/>
+            </a:fontRef>
+          </p:style>
+          <p:txBody>
+            <a:bodyPr rtlCol="0" anchor="ctr"/>
+            <a:lstStyle/>
+            <a:p>
+              <a:pPr algn="ctr"/>
+              <a:r>
+                <a:rPr kumimoji="1" lang="en-US" altLang="ja-JP" dirty="0" smtClean="0">
+                  <a:solidFill>
+                    <a:schemeClr val="tx1"/>
+                  </a:solidFill>
+                </a:rPr>
+                <a:t>Choice</a:t>
+              </a:r>
+              <a:endParaRPr kumimoji="1" lang="ja-JP" altLang="en-US" dirty="0">
+                <a:solidFill>
+                  <a:schemeClr val="tx1"/>
+                </a:solidFill>
+              </a:endParaRPr>
+            </a:p>
+          </p:txBody>
+        </p:sp>
+      </p:grpSp>
+    </p:spTree>
+    <p:extLst>
+      <p:ext uri="{BB962C8B-B14F-4D97-AF65-F5344CB8AC3E}">
+        <p14:creationId xmlns:p14="http://schemas.microsoft.com/office/powerpoint/2010/main" val="2466178541"/>
+      </p:ext>
+    </p:extLst>
+  </p:cSld>
+  <p:clrMapOvr>
+    <a:masterClrMapping/>
+  </p:clrMapOvr>
+</p:sld>
+</file>
+
+<file path=ppt/slides/slide8.xml><?xml version="1.0" encoding="utf-8"?>
+<p:sld xmlns:a="http://schemas.openxmlformats.org/drawingml/2006/main" xmlns:r="http://schemas.openxmlformats.org/officeDocument/2006/relationships" xmlns:p="http://schemas.openxmlformats.org/presentationml/2006/main">
+  <p:cSld>
+    <p:spTree>
+      <p:nvGrpSpPr>
+        <p:cNvPr id="1" name=""/>
+        <p:cNvGrpSpPr/>
+        <p:nvPr/>
+      </p:nvGrpSpPr>
+      <p:grpSpPr>
+        <a:xfrm>
+          <a:off x="0" y="0"/>
+          <a:ext cx="0" cy="0"/>
+          <a:chOff x="0" y="0"/>
+          <a:chExt cx="0" cy="0"/>
+        </a:xfrm>
+      </p:grpSpPr>
+      <p:sp>
+        <p:nvSpPr>
+          <p:cNvPr id="2" name="タイトル 1"/>
+          <p:cNvSpPr>
+            <a:spLocks noGrp="1"/>
+          </p:cNvSpPr>
+          <p:nvPr>
+            <p:ph type="title"/>
+          </p:nvPr>
+        </p:nvSpPr>
+        <p:spPr/>
+        <p:txBody>
+          <a:bodyPr/>
+          <a:lstStyle/>
+          <a:p>
+            <a:r>
+              <a:rPr kumimoji="1" lang="ja-JP" altLang="en-US" dirty="0" smtClean="0"/>
+              <a:t>クラス</a:t>
+            </a:r>
+            <a:r>
+              <a:rPr kumimoji="1" lang="ja-JP" altLang="en-US" dirty="0" smtClean="0"/>
+              <a:t>図</a:t>
+            </a:r>
+            <a:r>
+              <a:rPr kumimoji="1" lang="en-US" altLang="ja-JP" dirty="0" smtClean="0"/>
+              <a:t>(</a:t>
+            </a:r>
+            <a:r>
+              <a:rPr kumimoji="1" lang="ja-JP" altLang="en-US" smtClean="0"/>
+              <a:t>処理</a:t>
+            </a:r>
+            <a:r>
+              <a:rPr kumimoji="1" lang="en-US" altLang="ja-JP" smtClean="0"/>
+              <a:t>)</a:t>
+            </a:r>
+            <a:endParaRPr kumimoji="1" lang="ja-JP" altLang="en-US" dirty="0"/>
+          </a:p>
+        </p:txBody>
+      </p:sp>
+      <p:sp>
+        <p:nvSpPr>
+          <p:cNvPr id="4" name="正方形/長方形 3"/>
+          <p:cNvSpPr/>
+          <p:nvPr/>
+        </p:nvSpPr>
+        <p:spPr>
+          <a:xfrm>
+            <a:off x="940137" y="2180373"/>
             <a:ext cx="1587449" cy="599671"/>
           </a:xfrm>
           <a:prstGeom prst="rect">
@@ -6781,7 +9895,7 @@
                   <a:schemeClr val="tx1"/>
                 </a:solidFill>
               </a:rPr>
-              <a:t>Card</a:t>
+              <a:t>Dealer</a:t>
             </a:r>
             <a:endParaRPr kumimoji="1" lang="ja-JP" altLang="en-US" dirty="0">
               <a:solidFill>
@@ -6793,13 +9907,13 @@
       </p:sp>
       <p:sp>
         <p:nvSpPr>
-          <p:cNvPr id="8" name="正方形/長方形 7"/>
+          <p:cNvPr id="5" name="正方形/長方形 4"/>
           <p:cNvSpPr/>
           <p:nvPr/>
         </p:nvSpPr>
         <p:spPr>
           <a:xfrm>
-            <a:off x="6194759" y="3232605"/>
+            <a:off x="940137" y="5810736"/>
             <a:ext cx="1587449" cy="599671"/>
           </a:xfrm>
           <a:prstGeom prst="rect">
@@ -6839,7 +9953,7 @@
                   <a:schemeClr val="tx1"/>
                 </a:solidFill>
               </a:rPr>
-              <a:t>Card</a:t>
+              <a:t>Player</a:t>
             </a:r>
             <a:endParaRPr kumimoji="1" lang="ja-JP" altLang="en-US" dirty="0">
               <a:solidFill>
@@ -6851,13 +9965,13 @@
       </p:sp>
       <p:sp>
         <p:nvSpPr>
-          <p:cNvPr id="9" name="正方形/長方形 8"/>
+          <p:cNvPr id="10" name="正方形/長方形 9"/>
           <p:cNvSpPr/>
           <p:nvPr/>
         </p:nvSpPr>
         <p:spPr>
           <a:xfrm>
-            <a:off x="4066399" y="5054679"/>
+            <a:off x="3343826" y="5810736"/>
             <a:ext cx="1587449" cy="599671"/>
           </a:xfrm>
           <a:prstGeom prst="rect">
@@ -6907,147 +10021,264 @@
           </a:p>
         </p:txBody>
       </p:sp>
-      <p:sp>
-        <p:nvSpPr>
-          <p:cNvPr id="10" name="正方形/長方形 9"/>
-          <p:cNvSpPr/>
+      <p:grpSp>
+        <p:nvGrpSpPr>
+          <p:cNvPr id="80" name="図形グループ 79"/>
+          <p:cNvGrpSpPr/>
           <p:nvPr/>
-        </p:nvSpPr>
-        <p:spPr>
-          <a:xfrm>
-            <a:off x="6194759" y="5824875"/>
-            <a:ext cx="1587449" cy="599671"/>
-          </a:xfrm>
-          <a:prstGeom prst="rect">
-            <a:avLst/>
-          </a:prstGeom>
-          <a:solidFill>
-            <a:schemeClr val="bg1"/>
-          </a:solidFill>
-          <a:ln>
+        </p:nvGrpSpPr>
+        <p:grpSpPr>
+          <a:xfrm>
+            <a:off x="3343826" y="2180373"/>
+            <a:ext cx="3799115" cy="706717"/>
+            <a:chOff x="2527586" y="1891452"/>
+            <a:chExt cx="3799115" cy="706717"/>
+          </a:xfrm>
+        </p:grpSpPr>
+        <p:sp>
+          <p:nvSpPr>
+            <p:cNvPr id="3" name="正方形/長方形 2"/>
+            <p:cNvSpPr/>
+            <p:nvPr/>
+          </p:nvSpPr>
+          <p:spPr>
+            <a:xfrm>
+              <a:off x="2527586" y="1893080"/>
+              <a:ext cx="1587449" cy="599671"/>
+            </a:xfrm>
+            <a:prstGeom prst="rect">
+              <a:avLst/>
+            </a:prstGeom>
             <a:solidFill>
-              <a:schemeClr val="tx1"/>
+              <a:schemeClr val="bg1"/>
             </a:solidFill>
-          </a:ln>
-        </p:spPr>
-        <p:style>
-          <a:lnRef idx="1">
-            <a:schemeClr val="accent1"/>
-          </a:lnRef>
-          <a:fillRef idx="3">
-            <a:schemeClr val="accent1"/>
-          </a:fillRef>
-          <a:effectRef idx="2">
-            <a:schemeClr val="accent1"/>
-          </a:effectRef>
-          <a:fontRef idx="minor">
-            <a:schemeClr val="lt1"/>
-          </a:fontRef>
-        </p:style>
-        <p:txBody>
-          <a:bodyPr rtlCol="0" anchor="ctr"/>
-          <a:lstStyle/>
-          <a:p>
-            <a:pPr algn="ctr"/>
-            <a:r>
-              <a:rPr kumimoji="1" lang="en-US" altLang="ja-JP" dirty="0" smtClean="0">
+            <a:ln>
+              <a:solidFill>
+                <a:schemeClr val="tx1"/>
+              </a:solidFill>
+            </a:ln>
+          </p:spPr>
+          <p:style>
+            <a:lnRef idx="1">
+              <a:schemeClr val="accent1"/>
+            </a:lnRef>
+            <a:fillRef idx="3">
+              <a:schemeClr val="accent1"/>
+            </a:fillRef>
+            <a:effectRef idx="2">
+              <a:schemeClr val="accent1"/>
+            </a:effectRef>
+            <a:fontRef idx="minor">
+              <a:schemeClr val="lt1"/>
+            </a:fontRef>
+          </p:style>
+          <p:txBody>
+            <a:bodyPr rtlCol="0" anchor="ctr"/>
+            <a:lstStyle/>
+            <a:p>
+              <a:pPr algn="ctr"/>
+              <a:r>
+                <a:rPr kumimoji="1" lang="en-US" altLang="ja-JP" dirty="0" smtClean="0">
+                  <a:solidFill>
+                    <a:schemeClr val="tx1"/>
+                  </a:solidFill>
+                </a:rPr>
+                <a:t>Trump</a:t>
+              </a:r>
+              <a:endParaRPr kumimoji="1" lang="ja-JP" altLang="en-US" dirty="0">
                 <a:solidFill>
                   <a:schemeClr val="tx1"/>
                 </a:solidFill>
-              </a:rPr>
-              <a:t>Chip</a:t>
-            </a:r>
-            <a:endParaRPr kumimoji="1" lang="ja-JP" altLang="en-US" dirty="0">
+              </a:endParaRPr>
+            </a:p>
+          </p:txBody>
+        </p:sp>
+        <p:grpSp>
+          <p:nvGrpSpPr>
+            <p:cNvPr id="79" name="図形グループ 78"/>
+            <p:cNvGrpSpPr/>
+            <p:nvPr/>
+          </p:nvGrpSpPr>
+          <p:grpSpPr>
+            <a:xfrm>
+              <a:off x="4601972" y="1891452"/>
+              <a:ext cx="1724729" cy="706717"/>
+              <a:chOff x="4601972" y="1891452"/>
+              <a:chExt cx="1724729" cy="706717"/>
+            </a:xfrm>
+          </p:grpSpPr>
+          <p:sp>
+            <p:nvSpPr>
+              <p:cNvPr id="70" name="正方形/長方形 69"/>
+              <p:cNvSpPr/>
+              <p:nvPr/>
+            </p:nvSpPr>
+            <p:spPr>
+              <a:xfrm>
+                <a:off x="4601972" y="1891452"/>
+                <a:ext cx="1587449" cy="599671"/>
+              </a:xfrm>
+              <a:prstGeom prst="rect">
+                <a:avLst/>
+              </a:prstGeom>
               <a:solidFill>
-                <a:schemeClr val="tx1"/>
+                <a:schemeClr val="bg1"/>
               </a:solidFill>
-            </a:endParaRPr>
-          </a:p>
-        </p:txBody>
-      </p:sp>
+              <a:ln>
+                <a:solidFill>
+                  <a:schemeClr val="tx1"/>
+                </a:solidFill>
+              </a:ln>
+            </p:spPr>
+            <p:style>
+              <a:lnRef idx="1">
+                <a:schemeClr val="accent1"/>
+              </a:lnRef>
+              <a:fillRef idx="3">
+                <a:schemeClr val="accent1"/>
+              </a:fillRef>
+              <a:effectRef idx="2">
+                <a:schemeClr val="accent1"/>
+              </a:effectRef>
+              <a:fontRef idx="minor">
+                <a:schemeClr val="lt1"/>
+              </a:fontRef>
+            </p:style>
+            <p:txBody>
+              <a:bodyPr rtlCol="0" anchor="ctr"/>
+              <a:lstStyle/>
+              <a:p>
+                <a:pPr algn="ctr"/>
+                <a:r>
+                  <a:rPr kumimoji="1" lang="en-US" altLang="ja-JP" dirty="0" smtClean="0">
+                    <a:solidFill>
+                      <a:schemeClr val="tx1"/>
+                    </a:solidFill>
+                  </a:rPr>
+                  <a:t>Card</a:t>
+                </a:r>
+                <a:endParaRPr kumimoji="1" lang="ja-JP" altLang="en-US" dirty="0">
+                  <a:solidFill>
+                    <a:schemeClr val="tx1"/>
+                  </a:solidFill>
+                </a:endParaRPr>
+              </a:p>
+            </p:txBody>
+          </p:sp>
+          <p:sp>
+            <p:nvSpPr>
+              <p:cNvPr id="71" name="正方形/長方形 70"/>
+              <p:cNvSpPr/>
+              <p:nvPr/>
+            </p:nvSpPr>
+            <p:spPr>
+              <a:xfrm>
+                <a:off x="4739252" y="1998498"/>
+                <a:ext cx="1587449" cy="599671"/>
+              </a:xfrm>
+              <a:prstGeom prst="rect">
+                <a:avLst/>
+              </a:prstGeom>
+              <a:solidFill>
+                <a:schemeClr val="bg1"/>
+              </a:solidFill>
+              <a:ln>
+                <a:solidFill>
+                  <a:schemeClr val="tx1"/>
+                </a:solidFill>
+              </a:ln>
+            </p:spPr>
+            <p:style>
+              <a:lnRef idx="1">
+                <a:schemeClr val="accent1"/>
+              </a:lnRef>
+              <a:fillRef idx="3">
+                <a:schemeClr val="accent1"/>
+              </a:fillRef>
+              <a:effectRef idx="2">
+                <a:schemeClr val="accent1"/>
+              </a:effectRef>
+              <a:fontRef idx="minor">
+                <a:schemeClr val="lt1"/>
+              </a:fontRef>
+            </p:style>
+            <p:txBody>
+              <a:bodyPr rtlCol="0" anchor="ctr"/>
+              <a:lstStyle/>
+              <a:p>
+                <a:pPr algn="ctr"/>
+                <a:r>
+                  <a:rPr kumimoji="1" lang="en-US" altLang="ja-JP" dirty="0" smtClean="0">
+                    <a:solidFill>
+                      <a:schemeClr val="tx1"/>
+                    </a:solidFill>
+                  </a:rPr>
+                  <a:t>Card</a:t>
+                </a:r>
+                <a:endParaRPr kumimoji="1" lang="ja-JP" altLang="en-US" dirty="0">
+                  <a:solidFill>
+                    <a:schemeClr val="tx1"/>
+                  </a:solidFill>
+                </a:endParaRPr>
+              </a:p>
+            </p:txBody>
+          </p:sp>
+        </p:grpSp>
+        <p:cxnSp>
+          <p:nvCxnSpPr>
+            <p:cNvPr id="72" name="直線矢印コネクタ 71"/>
+            <p:cNvCxnSpPr>
+              <a:stCxn id="3" idx="3"/>
+              <a:endCxn id="70" idx="1"/>
+            </p:cNvCxnSpPr>
+            <p:nvPr/>
+          </p:nvCxnSpPr>
+          <p:spPr>
+            <a:xfrm flipV="1">
+              <a:off x="4115035" y="2191288"/>
+              <a:ext cx="486937" cy="1628"/>
+            </a:xfrm>
+            <a:prstGeom prst="straightConnector1">
+              <a:avLst/>
+            </a:prstGeom>
+            <a:ln>
+              <a:solidFill>
+                <a:srgbClr val="000000"/>
+              </a:solidFill>
+              <a:tailEnd type="arrow"/>
+            </a:ln>
+          </p:spPr>
+          <p:style>
+            <a:lnRef idx="2">
+              <a:schemeClr val="accent1"/>
+            </a:lnRef>
+            <a:fillRef idx="0">
+              <a:schemeClr val="accent1"/>
+            </a:fillRef>
+            <a:effectRef idx="1">
+              <a:schemeClr val="accent1"/>
+            </a:effectRef>
+            <a:fontRef idx="minor">
+              <a:schemeClr val="tx1"/>
+            </a:fontRef>
+          </p:style>
+        </p:cxnSp>
+      </p:grpSp>
       <p:cxnSp>
         <p:nvCxnSpPr>
-          <p:cNvPr id="12" name="直線矢印コネクタ 11"/>
+          <p:cNvPr id="81" name="直線矢印コネクタ 80"/>
           <p:cNvCxnSpPr>
-            <a:stCxn id="5" idx="2"/>
-            <a:endCxn id="10" idx="0"/>
+            <a:stCxn id="4" idx="3"/>
+            <a:endCxn id="3" idx="1"/>
           </p:cNvCxnSpPr>
           <p:nvPr/>
         </p:nvCxnSpPr>
         <p:spPr>
           <a:xfrm>
-            <a:off x="6988484" y="5079108"/>
-            <a:ext cx="0" cy="745767"/>
+            <a:off x="2527586" y="2480209"/>
+            <a:ext cx="816240" cy="1628"/>
           </a:xfrm>
           <a:prstGeom prst="straightConnector1">
-            <a:avLst/>
-          </a:prstGeom>
-          <a:ln>
-            <a:solidFill>
-              <a:schemeClr val="tx1"/>
-            </a:solidFill>
-            <a:tailEnd type="arrow"/>
-          </a:ln>
-        </p:spPr>
-        <p:style>
-          <a:lnRef idx="2">
-            <a:schemeClr val="accent1"/>
-          </a:lnRef>
-          <a:fillRef idx="0">
-            <a:schemeClr val="accent1"/>
-          </a:fillRef>
-          <a:effectRef idx="1">
-            <a:schemeClr val="accent1"/>
-          </a:effectRef>
-          <a:fontRef idx="minor">
-            <a:schemeClr val="tx1"/>
-          </a:fontRef>
-        </p:style>
-      </p:cxnSp>
-      <p:sp>
-        <p:nvSpPr>
-          <p:cNvPr id="16" name="正方形/長方形 15"/>
-          <p:cNvSpPr/>
-          <p:nvPr/>
-        </p:nvSpPr>
-        <p:spPr>
-          <a:xfrm>
-            <a:off x="7178933" y="5243237"/>
-            <a:ext cx="725567" cy="369332"/>
-          </a:xfrm>
-          <a:prstGeom prst="rect">
-            <a:avLst/>
-          </a:prstGeom>
-        </p:spPr>
-        <p:txBody>
-          <a:bodyPr wrap="none">
-            <a:spAutoFit/>
-          </a:bodyPr>
-          <a:lstStyle/>
-          <a:p>
-            <a:r>
-              <a:rPr lang="en-US" altLang="ja-JP" dirty="0" smtClean="0"/>
-              <a:t>4. bet</a:t>
-            </a:r>
-            <a:endParaRPr lang="ja-JP" altLang="en-US" dirty="0"/>
-          </a:p>
-        </p:txBody>
-      </p:sp>
-      <p:cxnSp>
-        <p:nvCxnSpPr>
-          <p:cNvPr id="17" name="カギ線コネクタ 16"/>
-          <p:cNvCxnSpPr>
-            <a:stCxn id="3" idx="2"/>
-            <a:endCxn id="8" idx="1"/>
-          </p:cNvCxnSpPr>
-          <p:nvPr/>
-        </p:nvCxnSpPr>
-        <p:spPr>
-          <a:xfrm rot="16200000" flipH="1">
-            <a:off x="5007597" y="2345278"/>
-            <a:ext cx="1039691" cy="1334634"/>
-          </a:xfrm>
-          <a:prstGeom prst="bentConnector2">
             <a:avLst/>
           </a:prstGeom>
           <a:ln>
@@ -7074,21 +10305,276 @@
       </p:cxnSp>
       <p:cxnSp>
         <p:nvCxnSpPr>
-          <p:cNvPr id="20" name="カギ線コネクタ 19"/>
+          <p:cNvPr id="87" name="直線矢印コネクタ 86"/>
           <p:cNvCxnSpPr>
-            <a:stCxn id="4" idx="1"/>
-            <a:endCxn id="3" idx="1"/>
+            <a:stCxn id="5" idx="3"/>
+            <a:endCxn id="10" idx="1"/>
           </p:cNvCxnSpPr>
           <p:nvPr/>
         </p:nvCxnSpPr>
         <p:spPr>
-          <a:xfrm rot="10800000" flipH="1">
-            <a:off x="2008130" y="2192915"/>
-            <a:ext cx="2058270" cy="2586358"/>
+          <a:xfrm>
+            <a:off x="2527586" y="6110572"/>
+            <a:ext cx="816240" cy="0"/>
+          </a:xfrm>
+          <a:prstGeom prst="straightConnector1">
+            <a:avLst/>
+          </a:prstGeom>
+          <a:ln>
+            <a:solidFill>
+              <a:srgbClr val="000000"/>
+            </a:solidFill>
+            <a:tailEnd type="arrow"/>
+          </a:ln>
+        </p:spPr>
+        <p:style>
+          <a:lnRef idx="2">
+            <a:schemeClr val="accent1"/>
+          </a:lnRef>
+          <a:fillRef idx="0">
+            <a:schemeClr val="accent1"/>
+          </a:fillRef>
+          <a:effectRef idx="1">
+            <a:schemeClr val="accent1"/>
+          </a:effectRef>
+          <a:fontRef idx="minor">
+            <a:schemeClr val="tx1"/>
+          </a:fontRef>
+        </p:style>
+      </p:cxnSp>
+      <p:sp>
+        <p:nvSpPr>
+          <p:cNvPr id="93" name="正方形/長方形 92"/>
+          <p:cNvSpPr/>
+          <p:nvPr/>
+        </p:nvSpPr>
+        <p:spPr>
+          <a:xfrm>
+            <a:off x="7217385" y="5396769"/>
+            <a:ext cx="1224539" cy="369332"/>
+          </a:xfrm>
+          <a:prstGeom prst="rect">
+            <a:avLst/>
+          </a:prstGeom>
+        </p:spPr>
+        <p:txBody>
+          <a:bodyPr wrap="none">
+            <a:spAutoFit/>
+          </a:bodyPr>
+          <a:lstStyle/>
+          <a:p>
+            <a:r>
+              <a:rPr lang="ja-JP" altLang="en-US" dirty="0" smtClean="0"/>
+              <a:t>ゲーム</a:t>
+            </a:r>
+            <a:r>
+              <a:rPr lang="en-US" altLang="ja-JP" dirty="0" smtClean="0"/>
+              <a:t>(</a:t>
+            </a:r>
+            <a:r>
+              <a:rPr lang="ja-JP" altLang="en-US" dirty="0" smtClean="0"/>
+              <a:t>場</a:t>
+            </a:r>
+            <a:r>
+              <a:rPr lang="en-US" altLang="ja-JP" dirty="0" smtClean="0"/>
+              <a:t>)</a:t>
+            </a:r>
+            <a:endParaRPr lang="ja-JP" altLang="en-US" dirty="0"/>
+          </a:p>
+        </p:txBody>
+      </p:sp>
+      <p:sp>
+        <p:nvSpPr>
+          <p:cNvPr id="94" name="角丸四角形 93"/>
+          <p:cNvSpPr/>
+          <p:nvPr/>
+        </p:nvSpPr>
+        <p:spPr>
+          <a:xfrm>
+            <a:off x="457200" y="1949112"/>
+            <a:ext cx="7118069" cy="1058274"/>
+          </a:xfrm>
+          <a:prstGeom prst="roundRect">
+            <a:avLst/>
+          </a:prstGeom>
+          <a:noFill/>
+          <a:ln>
+            <a:solidFill>
+              <a:srgbClr val="FF0000"/>
+            </a:solidFill>
+          </a:ln>
+        </p:spPr>
+        <p:style>
+          <a:lnRef idx="1">
+            <a:schemeClr val="accent1"/>
+          </a:lnRef>
+          <a:fillRef idx="3">
+            <a:schemeClr val="accent1"/>
+          </a:fillRef>
+          <a:effectRef idx="2">
+            <a:schemeClr val="accent1"/>
+          </a:effectRef>
+          <a:fontRef idx="minor">
+            <a:schemeClr val="lt1"/>
+          </a:fontRef>
+        </p:style>
+        <p:txBody>
+          <a:bodyPr rtlCol="0" anchor="ctr"/>
+          <a:lstStyle/>
+          <a:p>
+            <a:pPr algn="ctr"/>
+            <a:endParaRPr kumimoji="1" lang="ja-JP" altLang="en-US"/>
+          </a:p>
+        </p:txBody>
+      </p:sp>
+      <p:sp>
+        <p:nvSpPr>
+          <p:cNvPr id="96" name="角丸四角形 95"/>
+          <p:cNvSpPr/>
+          <p:nvPr/>
+        </p:nvSpPr>
+        <p:spPr>
+          <a:xfrm>
+            <a:off x="609601" y="5581435"/>
+            <a:ext cx="4808612" cy="1058274"/>
+          </a:xfrm>
+          <a:prstGeom prst="roundRect">
+            <a:avLst/>
+          </a:prstGeom>
+          <a:noFill/>
+          <a:ln>
+            <a:solidFill>
+              <a:srgbClr val="FF0000"/>
+            </a:solidFill>
+          </a:ln>
+        </p:spPr>
+        <p:style>
+          <a:lnRef idx="1">
+            <a:schemeClr val="accent1"/>
+          </a:lnRef>
+          <a:fillRef idx="3">
+            <a:schemeClr val="accent1"/>
+          </a:fillRef>
+          <a:effectRef idx="2">
+            <a:schemeClr val="accent1"/>
+          </a:effectRef>
+          <a:fontRef idx="minor">
+            <a:schemeClr val="lt1"/>
+          </a:fontRef>
+        </p:style>
+        <p:txBody>
+          <a:bodyPr rtlCol="0" anchor="ctr"/>
+          <a:lstStyle/>
+          <a:p>
+            <a:pPr algn="ctr"/>
+            <a:endParaRPr kumimoji="1" lang="ja-JP" altLang="en-US"/>
+          </a:p>
+        </p:txBody>
+      </p:sp>
+      <p:sp>
+        <p:nvSpPr>
+          <p:cNvPr id="97" name="正方形/長方形 96"/>
+          <p:cNvSpPr/>
+          <p:nvPr/>
+        </p:nvSpPr>
+        <p:spPr>
+          <a:xfrm>
+            <a:off x="457200" y="1497533"/>
+            <a:ext cx="800407" cy="369332"/>
+          </a:xfrm>
+          <a:prstGeom prst="rect">
+            <a:avLst/>
+          </a:prstGeom>
+        </p:spPr>
+        <p:txBody>
+          <a:bodyPr wrap="none">
+            <a:spAutoFit/>
+          </a:bodyPr>
+          <a:lstStyle/>
+          <a:p>
+            <a:r>
+              <a:rPr lang="en-US" altLang="ja-JP" dirty="0" smtClean="0"/>
+              <a:t>Dealer</a:t>
+            </a:r>
+            <a:endParaRPr lang="ja-JP" altLang="en-US" dirty="0"/>
+          </a:p>
+        </p:txBody>
+      </p:sp>
+      <p:sp>
+        <p:nvSpPr>
+          <p:cNvPr id="98" name="正方形/長方形 97"/>
+          <p:cNvSpPr/>
+          <p:nvPr/>
+        </p:nvSpPr>
+        <p:spPr>
+          <a:xfrm>
+            <a:off x="539933" y="5129076"/>
+            <a:ext cx="767270" cy="369332"/>
+          </a:xfrm>
+          <a:prstGeom prst="rect">
+            <a:avLst/>
+          </a:prstGeom>
+        </p:spPr>
+        <p:txBody>
+          <a:bodyPr wrap="none">
+            <a:spAutoFit/>
+          </a:bodyPr>
+          <a:lstStyle/>
+          <a:p>
+            <a:r>
+              <a:rPr lang="en-US" altLang="ja-JP" dirty="0" smtClean="0"/>
+              <a:t>Player</a:t>
+            </a:r>
+            <a:endParaRPr lang="ja-JP" altLang="en-US" dirty="0"/>
+          </a:p>
+        </p:txBody>
+      </p:sp>
+      <p:sp>
+        <p:nvSpPr>
+          <p:cNvPr id="26" name="正方形/長方形 25"/>
+          <p:cNvSpPr/>
+          <p:nvPr/>
+        </p:nvSpPr>
+        <p:spPr>
+          <a:xfrm>
+            <a:off x="2304453" y="1481071"/>
+            <a:ext cx="818779" cy="369332"/>
+          </a:xfrm>
+          <a:prstGeom prst="rect">
+            <a:avLst/>
+          </a:prstGeom>
+        </p:spPr>
+        <p:txBody>
+          <a:bodyPr wrap="none">
+            <a:spAutoFit/>
+          </a:bodyPr>
+          <a:lstStyle/>
+          <a:p>
+            <a:r>
+              <a:rPr lang="en-US" altLang="ja-JP" dirty="0" smtClean="0"/>
+              <a:t>shuffle</a:t>
+            </a:r>
+            <a:endParaRPr lang="ja-JP" altLang="en-US" dirty="0"/>
+          </a:p>
+        </p:txBody>
+      </p:sp>
+      <p:cxnSp>
+        <p:nvCxnSpPr>
+          <p:cNvPr id="27" name="カギ線コネクタ 26"/>
+          <p:cNvCxnSpPr>
+            <a:stCxn id="71" idx="2"/>
+            <a:endCxn id="7" idx="0"/>
+          </p:cNvCxnSpPr>
+          <p:nvPr/>
+        </p:nvCxnSpPr>
+        <p:spPr>
+          <a:xfrm rot="5400000">
+            <a:off x="5552804" y="2879439"/>
+            <a:ext cx="788763" cy="804064"/>
           </a:xfrm>
           <a:prstGeom prst="bentConnector3">
             <a:avLst>
-              <a:gd name="adj1" fmla="val -11106"/>
+              <a:gd name="adj1" fmla="val 50000"/>
             </a:avLst>
           </a:prstGeom>
           <a:ln>
@@ -7115,20 +10601,22 @@
       </p:cxnSp>
       <p:cxnSp>
         <p:nvCxnSpPr>
-          <p:cNvPr id="23" name="カギ線コネクタ 22"/>
+          <p:cNvPr id="30" name="カギ線コネクタ 29"/>
           <p:cNvCxnSpPr>
-            <a:stCxn id="3" idx="2"/>
-            <a:endCxn id="7" idx="3"/>
+            <a:stCxn id="71" idx="2"/>
+            <a:endCxn id="8" idx="0"/>
           </p:cNvCxnSpPr>
           <p:nvPr/>
         </p:nvCxnSpPr>
         <p:spPr>
-          <a:xfrm rot="5400000">
-            <a:off x="3708007" y="2380322"/>
-            <a:ext cx="1039691" cy="1264546"/>
-          </a:xfrm>
-          <a:prstGeom prst="bentConnector2">
-            <a:avLst/>
+          <a:xfrm rot="16200000" flipH="1">
+            <a:off x="6475142" y="2761164"/>
+            <a:ext cx="788763" cy="1040613"/>
+          </a:xfrm>
+          <a:prstGeom prst="bentConnector3">
+            <a:avLst>
+              <a:gd name="adj1" fmla="val 50000"/>
+            </a:avLst>
           </a:prstGeom>
           <a:ln>
             <a:solidFill>
@@ -7154,14 +10642,14 @@
       </p:cxnSp>
       <p:sp>
         <p:nvSpPr>
-          <p:cNvPr id="27" name="正方形/長方形 26"/>
+          <p:cNvPr id="33" name="正方形/長方形 32"/>
           <p:cNvSpPr/>
           <p:nvPr/>
         </p:nvSpPr>
         <p:spPr>
           <a:xfrm>
-            <a:off x="2008128" y="2492750"/>
-            <a:ext cx="889449" cy="369332"/>
+            <a:off x="7509909" y="3071756"/>
+            <a:ext cx="661998" cy="369332"/>
           </a:xfrm>
           <a:prstGeom prst="rect">
             <a:avLst/>
@@ -7175,7 +10663,7 @@
           <a:p>
             <a:r>
               <a:rPr lang="en-US" altLang="ja-JP" dirty="0" smtClean="0"/>
-              <a:t>2. draw</a:t>
+              <a:t>draw</a:t>
             </a:r>
             <a:endParaRPr lang="ja-JP" altLang="en-US" dirty="0"/>
           </a:p>
@@ -7183,22 +10671,381 @@
       </p:sp>
       <p:cxnSp>
         <p:nvCxnSpPr>
-          <p:cNvPr id="28" name="カギ線コネクタ 27"/>
+          <p:cNvPr id="15" name="カギ線コネクタ 14"/>
           <p:cNvCxnSpPr>
-            <a:stCxn id="4" idx="1"/>
-            <a:endCxn id="3" idx="0"/>
+            <a:stCxn id="10" idx="3"/>
+            <a:endCxn id="9" idx="2"/>
           </p:cNvCxnSpPr>
           <p:nvPr/>
         </p:nvCxnSpPr>
         <p:spPr>
-          <a:xfrm rot="10800000" flipH="1">
-            <a:off x="2008129" y="1893079"/>
-            <a:ext cx="2851995" cy="2886194"/>
-          </a:xfrm>
-          <a:prstGeom prst="bentConnector4">
+          <a:xfrm flipV="1">
+            <a:off x="4931275" y="5074611"/>
+            <a:ext cx="1444387" cy="1035961"/>
+          </a:xfrm>
+          <a:prstGeom prst="bentConnector2">
+            <a:avLst/>
+          </a:prstGeom>
+          <a:ln>
+            <a:solidFill>
+              <a:schemeClr val="tx1"/>
+            </a:solidFill>
+            <a:headEnd type="arrow"/>
+            <a:tailEnd type="arrow"/>
+          </a:ln>
+        </p:spPr>
+        <p:style>
+          <a:lnRef idx="2">
+            <a:schemeClr val="accent1"/>
+          </a:lnRef>
+          <a:fillRef idx="0">
+            <a:schemeClr val="accent1"/>
+          </a:fillRef>
+          <a:effectRef idx="1">
+            <a:schemeClr val="accent1"/>
+          </a:effectRef>
+          <a:fontRef idx="minor">
+            <a:schemeClr val="tx1"/>
+          </a:fontRef>
+        </p:style>
+      </p:cxnSp>
+      <p:sp>
+        <p:nvSpPr>
+          <p:cNvPr id="36" name="正方形/長方形 35"/>
+          <p:cNvSpPr/>
+          <p:nvPr/>
+        </p:nvSpPr>
+        <p:spPr>
+          <a:xfrm>
+            <a:off x="6538162" y="5810736"/>
+            <a:ext cx="498116" cy="369332"/>
+          </a:xfrm>
+          <a:prstGeom prst="rect">
+            <a:avLst/>
+          </a:prstGeom>
+        </p:spPr>
+        <p:txBody>
+          <a:bodyPr wrap="none">
+            <a:spAutoFit/>
+          </a:bodyPr>
+          <a:lstStyle/>
+          <a:p>
+            <a:r>
+              <a:rPr lang="en-US" altLang="ja-JP" dirty="0" smtClean="0"/>
+              <a:t>bet</a:t>
+            </a:r>
+            <a:endParaRPr lang="ja-JP" altLang="en-US" dirty="0"/>
+          </a:p>
+        </p:txBody>
+      </p:sp>
+      <p:grpSp>
+        <p:nvGrpSpPr>
+          <p:cNvPr id="16" name="図形グループ 15"/>
+          <p:cNvGrpSpPr/>
+          <p:nvPr/>
+        </p:nvGrpSpPr>
+        <p:grpSpPr>
+          <a:xfrm>
+            <a:off x="2872857" y="3507426"/>
+            <a:ext cx="5569067" cy="1723476"/>
+            <a:chOff x="2872857" y="3507426"/>
+            <a:chExt cx="5569067" cy="1723476"/>
+          </a:xfrm>
+        </p:grpSpPr>
+        <p:sp>
+          <p:nvSpPr>
+            <p:cNvPr id="7" name="正方形/長方形 6"/>
+            <p:cNvSpPr/>
+            <p:nvPr/>
+          </p:nvSpPr>
+          <p:spPr>
+            <a:xfrm>
+              <a:off x="4751428" y="3675853"/>
+              <a:ext cx="1587449" cy="599671"/>
+            </a:xfrm>
+            <a:prstGeom prst="rect">
+              <a:avLst/>
+            </a:prstGeom>
+            <a:solidFill>
+              <a:schemeClr val="bg1"/>
+            </a:solidFill>
+            <a:ln>
+              <a:solidFill>
+                <a:schemeClr val="tx1"/>
+              </a:solidFill>
+            </a:ln>
+          </p:spPr>
+          <p:style>
+            <a:lnRef idx="1">
+              <a:schemeClr val="accent1"/>
+            </a:lnRef>
+            <a:fillRef idx="3">
+              <a:schemeClr val="accent1"/>
+            </a:fillRef>
+            <a:effectRef idx="2">
+              <a:schemeClr val="accent1"/>
+            </a:effectRef>
+            <a:fontRef idx="minor">
+              <a:schemeClr val="lt1"/>
+            </a:fontRef>
+          </p:style>
+          <p:txBody>
+            <a:bodyPr rtlCol="0" anchor="ctr"/>
+            <a:lstStyle/>
+            <a:p>
+              <a:pPr algn="ctr"/>
+              <a:r>
+                <a:rPr kumimoji="1" lang="en-US" altLang="ja-JP" dirty="0" err="1" smtClean="0">
+                  <a:solidFill>
+                    <a:schemeClr val="tx1"/>
+                  </a:solidFill>
+                </a:rPr>
+                <a:t>CardA</a:t>
+              </a:r>
+              <a:endParaRPr kumimoji="1" lang="ja-JP" altLang="en-US" dirty="0">
+                <a:solidFill>
+                  <a:schemeClr val="tx1"/>
+                </a:solidFill>
+              </a:endParaRPr>
+            </a:p>
+          </p:txBody>
+        </p:sp>
+        <p:sp>
+          <p:nvSpPr>
+            <p:cNvPr id="8" name="正方形/長方形 7"/>
+            <p:cNvSpPr/>
+            <p:nvPr/>
+          </p:nvSpPr>
+          <p:spPr>
+            <a:xfrm>
+              <a:off x="6596105" y="3675853"/>
+              <a:ext cx="1587449" cy="599671"/>
+            </a:xfrm>
+            <a:prstGeom prst="rect">
+              <a:avLst/>
+            </a:prstGeom>
+            <a:solidFill>
+              <a:schemeClr val="bg1"/>
+            </a:solidFill>
+            <a:ln>
+              <a:solidFill>
+                <a:schemeClr val="tx1"/>
+              </a:solidFill>
+            </a:ln>
+          </p:spPr>
+          <p:style>
+            <a:lnRef idx="1">
+              <a:schemeClr val="accent1"/>
+            </a:lnRef>
+            <a:fillRef idx="3">
+              <a:schemeClr val="accent1"/>
+            </a:fillRef>
+            <a:effectRef idx="2">
+              <a:schemeClr val="accent1"/>
+            </a:effectRef>
+            <a:fontRef idx="minor">
+              <a:schemeClr val="lt1"/>
+            </a:fontRef>
+          </p:style>
+          <p:txBody>
+            <a:bodyPr rtlCol="0" anchor="ctr"/>
+            <a:lstStyle/>
+            <a:p>
+              <a:pPr algn="ctr"/>
+              <a:r>
+                <a:rPr kumimoji="1" lang="en-US" altLang="ja-JP" dirty="0" err="1" smtClean="0">
+                  <a:solidFill>
+                    <a:schemeClr val="tx1"/>
+                  </a:solidFill>
+                </a:rPr>
+                <a:t>CardB</a:t>
+              </a:r>
+              <a:endParaRPr kumimoji="1" lang="ja-JP" altLang="en-US" dirty="0">
+                <a:solidFill>
+                  <a:schemeClr val="tx1"/>
+                </a:solidFill>
+              </a:endParaRPr>
+            </a:p>
+          </p:txBody>
+        </p:sp>
+        <p:sp>
+          <p:nvSpPr>
+            <p:cNvPr id="9" name="正方形/長方形 8"/>
+            <p:cNvSpPr/>
+            <p:nvPr/>
+          </p:nvSpPr>
+          <p:spPr>
+            <a:xfrm>
+              <a:off x="5581937" y="4474940"/>
+              <a:ext cx="1587449" cy="599671"/>
+            </a:xfrm>
+            <a:prstGeom prst="rect">
+              <a:avLst/>
+            </a:prstGeom>
+            <a:solidFill>
+              <a:schemeClr val="bg1"/>
+            </a:solidFill>
+            <a:ln>
+              <a:solidFill>
+                <a:schemeClr val="tx1"/>
+              </a:solidFill>
+            </a:ln>
+          </p:spPr>
+          <p:style>
+            <a:lnRef idx="1">
+              <a:schemeClr val="accent1"/>
+            </a:lnRef>
+            <a:fillRef idx="3">
+              <a:schemeClr val="accent1"/>
+            </a:fillRef>
+            <a:effectRef idx="2">
+              <a:schemeClr val="accent1"/>
+            </a:effectRef>
+            <a:fontRef idx="minor">
+              <a:schemeClr val="lt1"/>
+            </a:fontRef>
+          </p:style>
+          <p:txBody>
+            <a:bodyPr rtlCol="0" anchor="ctr"/>
+            <a:lstStyle/>
+            <a:p>
+              <a:pPr algn="ctr"/>
+              <a:r>
+                <a:rPr kumimoji="1" lang="en-US" altLang="ja-JP" dirty="0" smtClean="0">
+                  <a:solidFill>
+                    <a:schemeClr val="tx1"/>
+                  </a:solidFill>
+                </a:rPr>
+                <a:t>Chip</a:t>
+              </a:r>
+              <a:endParaRPr kumimoji="1" lang="ja-JP" altLang="en-US" dirty="0">
+                <a:solidFill>
+                  <a:schemeClr val="tx1"/>
+                </a:solidFill>
+              </a:endParaRPr>
+            </a:p>
+          </p:txBody>
+        </p:sp>
+        <p:sp>
+          <p:nvSpPr>
+            <p:cNvPr id="77" name="角丸四角形 76"/>
+            <p:cNvSpPr/>
+            <p:nvPr/>
+          </p:nvSpPr>
+          <p:spPr>
+            <a:xfrm>
+              <a:off x="2872857" y="3507426"/>
+              <a:ext cx="5569067" cy="1723476"/>
+            </a:xfrm>
+            <a:prstGeom prst="roundRect">
+              <a:avLst/>
+            </a:prstGeom>
+            <a:noFill/>
+            <a:ln>
+              <a:solidFill>
+                <a:srgbClr val="FF0000"/>
+              </a:solidFill>
+            </a:ln>
+          </p:spPr>
+          <p:style>
+            <a:lnRef idx="1">
+              <a:schemeClr val="accent1"/>
+            </a:lnRef>
+            <a:fillRef idx="3">
+              <a:schemeClr val="accent1"/>
+            </a:fillRef>
+            <a:effectRef idx="2">
+              <a:schemeClr val="accent1"/>
+            </a:effectRef>
+            <a:fontRef idx="minor">
+              <a:schemeClr val="lt1"/>
+            </a:fontRef>
+          </p:style>
+          <p:txBody>
+            <a:bodyPr rtlCol="0" anchor="ctr"/>
+            <a:lstStyle/>
+            <a:p>
+              <a:pPr algn="ctr"/>
+              <a:endParaRPr kumimoji="1" lang="ja-JP" altLang="en-US"/>
+            </a:p>
+          </p:txBody>
+        </p:sp>
+        <p:sp>
+          <p:nvSpPr>
+            <p:cNvPr id="37" name="正方形/長方形 36"/>
+            <p:cNvSpPr/>
+            <p:nvPr/>
+          </p:nvSpPr>
+          <p:spPr>
+            <a:xfrm>
+              <a:off x="3338722" y="4529405"/>
+              <a:ext cx="1587449" cy="599671"/>
+            </a:xfrm>
+            <a:prstGeom prst="rect">
+              <a:avLst/>
+            </a:prstGeom>
+            <a:solidFill>
+              <a:schemeClr val="bg1"/>
+            </a:solidFill>
+            <a:ln>
+              <a:solidFill>
+                <a:schemeClr val="tx1"/>
+              </a:solidFill>
+            </a:ln>
+          </p:spPr>
+          <p:style>
+            <a:lnRef idx="1">
+              <a:schemeClr val="accent1"/>
+            </a:lnRef>
+            <a:fillRef idx="3">
+              <a:schemeClr val="accent1"/>
+            </a:fillRef>
+            <a:effectRef idx="2">
+              <a:schemeClr val="accent1"/>
+            </a:effectRef>
+            <a:fontRef idx="minor">
+              <a:schemeClr val="lt1"/>
+            </a:fontRef>
+          </p:style>
+          <p:txBody>
+            <a:bodyPr rtlCol="0" anchor="ctr"/>
+            <a:lstStyle/>
+            <a:p>
+              <a:pPr algn="ctr"/>
+              <a:r>
+                <a:rPr kumimoji="1" lang="en-US" altLang="ja-JP" dirty="0" smtClean="0">
+                  <a:solidFill>
+                    <a:schemeClr val="tx1"/>
+                  </a:solidFill>
+                </a:rPr>
+                <a:t>Choice</a:t>
+              </a:r>
+              <a:endParaRPr kumimoji="1" lang="ja-JP" altLang="en-US" dirty="0">
+                <a:solidFill>
+                  <a:schemeClr val="tx1"/>
+                </a:solidFill>
+              </a:endParaRPr>
+            </a:p>
+          </p:txBody>
+        </p:sp>
+      </p:grpSp>
+      <p:cxnSp>
+        <p:nvCxnSpPr>
+          <p:cNvPr id="39" name="カギ線コネクタ 38"/>
+          <p:cNvCxnSpPr>
+            <a:stCxn id="5" idx="0"/>
+            <a:endCxn id="37" idx="2"/>
+          </p:cNvCxnSpPr>
+          <p:nvPr/>
+        </p:nvCxnSpPr>
+        <p:spPr>
+          <a:xfrm rot="5400000" flipH="1" flipV="1">
+            <a:off x="2592324" y="4270614"/>
+            <a:ext cx="681660" cy="2398585"/>
+          </a:xfrm>
+          <a:prstGeom prst="bentConnector3">
             <a:avLst>
-              <a:gd name="adj1" fmla="val -26568"/>
-              <a:gd name="adj2" fmla="val 107920"/>
+              <a:gd name="adj1" fmla="val 50000"/>
             </a:avLst>
           </a:prstGeom>
           <a:ln>
@@ -7225,14 +11072,14 @@
       </p:cxnSp>
       <p:sp>
         <p:nvSpPr>
-          <p:cNvPr id="31" name="正方形/長方形 30"/>
+          <p:cNvPr id="42" name="正方形/長方形 41"/>
           <p:cNvSpPr/>
           <p:nvPr/>
         </p:nvSpPr>
         <p:spPr>
           <a:xfrm>
-            <a:off x="174986" y="2848495"/>
-            <a:ext cx="1046230" cy="369332"/>
+            <a:off x="2036007" y="4944410"/>
+            <a:ext cx="790714" cy="369332"/>
           </a:xfrm>
           <a:prstGeom prst="rect">
             <a:avLst/>
@@ -7246,282 +11093,16 @@
           <a:p>
             <a:r>
               <a:rPr lang="en-US" altLang="ja-JP" dirty="0" smtClean="0"/>
-              <a:t>1. shuffle</a:t>
+              <a:t>choice</a:t>
             </a:r>
             <a:endParaRPr lang="ja-JP" altLang="en-US" dirty="0"/>
-          </a:p>
-        </p:txBody>
-      </p:sp>
-      <p:cxnSp>
-        <p:nvCxnSpPr>
-          <p:cNvPr id="35" name="カギ線コネクタ 34"/>
-          <p:cNvCxnSpPr>
-            <a:stCxn id="10" idx="1"/>
-            <a:endCxn id="9" idx="2"/>
-          </p:cNvCxnSpPr>
-          <p:nvPr/>
-        </p:nvCxnSpPr>
-        <p:spPr>
-          <a:xfrm rot="10800000">
-            <a:off x="4860125" y="5654351"/>
-            <a:ext cx="1334635" cy="470361"/>
-          </a:xfrm>
-          <a:prstGeom prst="bentConnector2">
-            <a:avLst/>
-          </a:prstGeom>
-          <a:ln>
-            <a:solidFill>
-              <a:srgbClr val="000000"/>
-            </a:solidFill>
-            <a:tailEnd type="arrow"/>
-          </a:ln>
-        </p:spPr>
-        <p:style>
-          <a:lnRef idx="2">
-            <a:schemeClr val="accent1"/>
-          </a:lnRef>
-          <a:fillRef idx="0">
-            <a:schemeClr val="accent1"/>
-          </a:fillRef>
-          <a:effectRef idx="1">
-            <a:schemeClr val="accent1"/>
-          </a:effectRef>
-          <a:fontRef idx="minor">
-            <a:schemeClr val="tx1"/>
-          </a:fontRef>
-        </p:style>
-      </p:cxnSp>
-      <p:cxnSp>
-        <p:nvCxnSpPr>
-          <p:cNvPr id="40" name="カギ線コネクタ 39"/>
-          <p:cNvCxnSpPr>
-            <a:stCxn id="4" idx="3"/>
-            <a:endCxn id="9" idx="0"/>
-          </p:cNvCxnSpPr>
-          <p:nvPr/>
-        </p:nvCxnSpPr>
-        <p:spPr>
-          <a:xfrm>
-            <a:off x="3595579" y="4779273"/>
-            <a:ext cx="1264545" cy="275406"/>
-          </a:xfrm>
-          <a:prstGeom prst="bentConnector2">
-            <a:avLst/>
-          </a:prstGeom>
-          <a:ln>
-            <a:solidFill>
-              <a:srgbClr val="000000"/>
-            </a:solidFill>
-            <a:tailEnd type="arrow"/>
-          </a:ln>
-        </p:spPr>
-        <p:style>
-          <a:lnRef idx="2">
-            <a:schemeClr val="accent1"/>
-          </a:lnRef>
-          <a:fillRef idx="0">
-            <a:schemeClr val="accent1"/>
-          </a:fillRef>
-          <a:effectRef idx="1">
-            <a:schemeClr val="accent1"/>
-          </a:effectRef>
-          <a:fontRef idx="minor">
-            <a:schemeClr val="tx1"/>
-          </a:fontRef>
-        </p:style>
-      </p:cxnSp>
-      <p:sp>
-        <p:nvSpPr>
-          <p:cNvPr id="43" name="正方形/長方形 42"/>
-          <p:cNvSpPr/>
-          <p:nvPr/>
-        </p:nvSpPr>
-        <p:spPr>
-          <a:xfrm>
-            <a:off x="4497342" y="4294771"/>
-            <a:ext cx="933406" cy="369332"/>
-          </a:xfrm>
-          <a:prstGeom prst="rect">
-            <a:avLst/>
-          </a:prstGeom>
-        </p:spPr>
-        <p:txBody>
-          <a:bodyPr wrap="none">
-            <a:spAutoFit/>
-          </a:bodyPr>
-          <a:lstStyle/>
-          <a:p>
-            <a:r>
-              <a:rPr lang="en-US" altLang="ja-JP" dirty="0"/>
-              <a:t>5</a:t>
-            </a:r>
-            <a:r>
-              <a:rPr lang="en-US" altLang="ja-JP" dirty="0" smtClean="0"/>
-              <a:t>. judge</a:t>
-            </a:r>
-            <a:endParaRPr lang="ja-JP" altLang="en-US" dirty="0"/>
-          </a:p>
-        </p:txBody>
-      </p:sp>
-      <p:cxnSp>
-        <p:nvCxnSpPr>
-          <p:cNvPr id="44" name="カギ線コネクタ 43"/>
-          <p:cNvCxnSpPr>
-            <a:stCxn id="9" idx="3"/>
-            <a:endCxn id="10" idx="0"/>
-          </p:cNvCxnSpPr>
-          <p:nvPr/>
-        </p:nvCxnSpPr>
-        <p:spPr>
-          <a:xfrm>
-            <a:off x="5653848" y="5354515"/>
-            <a:ext cx="1334636" cy="470360"/>
-          </a:xfrm>
-          <a:prstGeom prst="bentConnector2">
-            <a:avLst/>
-          </a:prstGeom>
-          <a:ln>
-            <a:solidFill>
-              <a:srgbClr val="000000"/>
-            </a:solidFill>
-            <a:tailEnd type="arrow"/>
-          </a:ln>
-        </p:spPr>
-        <p:style>
-          <a:lnRef idx="2">
-            <a:schemeClr val="accent1"/>
-          </a:lnRef>
-          <a:fillRef idx="0">
-            <a:schemeClr val="accent1"/>
-          </a:fillRef>
-          <a:effectRef idx="1">
-            <a:schemeClr val="accent1"/>
-          </a:effectRef>
-          <a:fontRef idx="minor">
-            <a:schemeClr val="tx1"/>
-          </a:fontRef>
-        </p:style>
-      </p:cxnSp>
-      <p:sp>
-        <p:nvSpPr>
-          <p:cNvPr id="52" name="正方形/長方形 51"/>
-          <p:cNvSpPr/>
-          <p:nvPr/>
-        </p:nvSpPr>
-        <p:spPr>
-          <a:xfrm>
-            <a:off x="6347159" y="1117802"/>
-            <a:ext cx="1587449" cy="599671"/>
-          </a:xfrm>
-          <a:prstGeom prst="rect">
-            <a:avLst/>
-          </a:prstGeom>
-          <a:solidFill>
-            <a:schemeClr val="bg1"/>
-          </a:solidFill>
-          <a:ln>
-            <a:solidFill>
-              <a:schemeClr val="tx1"/>
-            </a:solidFill>
-          </a:ln>
-        </p:spPr>
-        <p:style>
-          <a:lnRef idx="1">
-            <a:schemeClr val="accent1"/>
-          </a:lnRef>
-          <a:fillRef idx="3">
-            <a:schemeClr val="accent1"/>
-          </a:fillRef>
-          <a:effectRef idx="2">
-            <a:schemeClr val="accent1"/>
-          </a:effectRef>
-          <a:fontRef idx="minor">
-            <a:schemeClr val="lt1"/>
-          </a:fontRef>
-        </p:style>
-        <p:txBody>
-          <a:bodyPr rtlCol="0" anchor="ctr"/>
-          <a:lstStyle/>
-          <a:p>
-            <a:pPr algn="ctr"/>
-            <a:r>
-              <a:rPr kumimoji="1" lang="en-US" altLang="ja-JP" dirty="0" smtClean="0">
-                <a:solidFill>
-                  <a:schemeClr val="tx1"/>
-                </a:solidFill>
-              </a:rPr>
-              <a:t>Card</a:t>
-            </a:r>
-            <a:endParaRPr kumimoji="1" lang="ja-JP" altLang="en-US" dirty="0">
-              <a:solidFill>
-                <a:schemeClr val="tx1"/>
-              </a:solidFill>
-            </a:endParaRPr>
-          </a:p>
-        </p:txBody>
-      </p:sp>
-      <p:sp>
-        <p:nvSpPr>
-          <p:cNvPr id="53" name="正方形/長方形 52"/>
-          <p:cNvSpPr/>
-          <p:nvPr/>
-        </p:nvSpPr>
-        <p:spPr>
-          <a:xfrm>
-            <a:off x="6499559" y="1270202"/>
-            <a:ext cx="1587449" cy="599671"/>
-          </a:xfrm>
-          <a:prstGeom prst="rect">
-            <a:avLst/>
-          </a:prstGeom>
-          <a:solidFill>
-            <a:schemeClr val="bg1"/>
-          </a:solidFill>
-          <a:ln>
-            <a:solidFill>
-              <a:schemeClr val="tx1"/>
-            </a:solidFill>
-          </a:ln>
-        </p:spPr>
-        <p:style>
-          <a:lnRef idx="1">
-            <a:schemeClr val="accent1"/>
-          </a:lnRef>
-          <a:fillRef idx="3">
-            <a:schemeClr val="accent1"/>
-          </a:fillRef>
-          <a:effectRef idx="2">
-            <a:schemeClr val="accent1"/>
-          </a:effectRef>
-          <a:fontRef idx="minor">
-            <a:schemeClr val="lt1"/>
-          </a:fontRef>
-        </p:style>
-        <p:txBody>
-          <a:bodyPr rtlCol="0" anchor="ctr"/>
-          <a:lstStyle/>
-          <a:p>
-            <a:pPr algn="ctr"/>
-            <a:r>
-              <a:rPr kumimoji="1" lang="en-US" altLang="ja-JP" dirty="0" smtClean="0">
-                <a:solidFill>
-                  <a:schemeClr val="tx1"/>
-                </a:solidFill>
-              </a:rPr>
-              <a:t>Card</a:t>
-            </a:r>
-            <a:endParaRPr kumimoji="1" lang="ja-JP" altLang="en-US" dirty="0">
-              <a:solidFill>
-                <a:schemeClr val="tx1"/>
-              </a:solidFill>
-            </a:endParaRPr>
           </a:p>
         </p:txBody>
       </p:sp>
     </p:spTree>
     <p:extLst>
       <p:ext uri="{BB962C8B-B14F-4D97-AF65-F5344CB8AC3E}">
-        <p14:creationId xmlns:p14="http://schemas.microsoft.com/office/powerpoint/2010/main" val="1057394378"/>
+        <p14:creationId xmlns:p14="http://schemas.microsoft.com/office/powerpoint/2010/main" val="4234503289"/>
       </p:ext>
     </p:extLst>
   </p:cSld>
